--- a/imagens/ppt/desenhos_TCC.pptx
+++ b/imagens/ppt/desenhos_TCC.pptx
@@ -260,7 +260,7 @@
           <a:p>
             <a:fld id="{FF8DFCC8-87C9-4FC8-94E9-5E6D7726585C}" type="datetimeFigureOut">
               <a:rPr lang="pt-BR" smtClean="0"/>
-              <a:t>12/12/2021</a:t>
+              <a:t>13/12/2021</a:t>
             </a:fld>
             <a:endParaRPr lang="pt-BR"/>
           </a:p>
@@ -430,7 +430,7 @@
           <a:p>
             <a:fld id="{FF8DFCC8-87C9-4FC8-94E9-5E6D7726585C}" type="datetimeFigureOut">
               <a:rPr lang="pt-BR" smtClean="0"/>
-              <a:t>12/12/2021</a:t>
+              <a:t>13/12/2021</a:t>
             </a:fld>
             <a:endParaRPr lang="pt-BR"/>
           </a:p>
@@ -610,7 +610,7 @@
           <a:p>
             <a:fld id="{FF8DFCC8-87C9-4FC8-94E9-5E6D7726585C}" type="datetimeFigureOut">
               <a:rPr lang="pt-BR" smtClean="0"/>
-              <a:t>12/12/2021</a:t>
+              <a:t>13/12/2021</a:t>
             </a:fld>
             <a:endParaRPr lang="pt-BR"/>
           </a:p>
@@ -780,7 +780,7 @@
           <a:p>
             <a:fld id="{FF8DFCC8-87C9-4FC8-94E9-5E6D7726585C}" type="datetimeFigureOut">
               <a:rPr lang="pt-BR" smtClean="0"/>
-              <a:t>12/12/2021</a:t>
+              <a:t>13/12/2021</a:t>
             </a:fld>
             <a:endParaRPr lang="pt-BR"/>
           </a:p>
@@ -1024,7 +1024,7 @@
           <a:p>
             <a:fld id="{FF8DFCC8-87C9-4FC8-94E9-5E6D7726585C}" type="datetimeFigureOut">
               <a:rPr lang="pt-BR" smtClean="0"/>
-              <a:t>12/12/2021</a:t>
+              <a:t>13/12/2021</a:t>
             </a:fld>
             <a:endParaRPr lang="pt-BR"/>
           </a:p>
@@ -1256,7 +1256,7 @@
           <a:p>
             <a:fld id="{FF8DFCC8-87C9-4FC8-94E9-5E6D7726585C}" type="datetimeFigureOut">
               <a:rPr lang="pt-BR" smtClean="0"/>
-              <a:t>12/12/2021</a:t>
+              <a:t>13/12/2021</a:t>
             </a:fld>
             <a:endParaRPr lang="pt-BR"/>
           </a:p>
@@ -1623,7 +1623,7 @@
           <a:p>
             <a:fld id="{FF8DFCC8-87C9-4FC8-94E9-5E6D7726585C}" type="datetimeFigureOut">
               <a:rPr lang="pt-BR" smtClean="0"/>
-              <a:t>12/12/2021</a:t>
+              <a:t>13/12/2021</a:t>
             </a:fld>
             <a:endParaRPr lang="pt-BR"/>
           </a:p>
@@ -1741,7 +1741,7 @@
           <a:p>
             <a:fld id="{FF8DFCC8-87C9-4FC8-94E9-5E6D7726585C}" type="datetimeFigureOut">
               <a:rPr lang="pt-BR" smtClean="0"/>
-              <a:t>12/12/2021</a:t>
+              <a:t>13/12/2021</a:t>
             </a:fld>
             <a:endParaRPr lang="pt-BR"/>
           </a:p>
@@ -1836,7 +1836,7 @@
           <a:p>
             <a:fld id="{FF8DFCC8-87C9-4FC8-94E9-5E6D7726585C}" type="datetimeFigureOut">
               <a:rPr lang="pt-BR" smtClean="0"/>
-              <a:t>12/12/2021</a:t>
+              <a:t>13/12/2021</a:t>
             </a:fld>
             <a:endParaRPr lang="pt-BR"/>
           </a:p>
@@ -2113,7 +2113,7 @@
           <a:p>
             <a:fld id="{FF8DFCC8-87C9-4FC8-94E9-5E6D7726585C}" type="datetimeFigureOut">
               <a:rPr lang="pt-BR" smtClean="0"/>
-              <a:t>12/12/2021</a:t>
+              <a:t>13/12/2021</a:t>
             </a:fld>
             <a:endParaRPr lang="pt-BR"/>
           </a:p>
@@ -2370,7 +2370,7 @@
           <a:p>
             <a:fld id="{FF8DFCC8-87C9-4FC8-94E9-5E6D7726585C}" type="datetimeFigureOut">
               <a:rPr lang="pt-BR" smtClean="0"/>
-              <a:t>12/12/2021</a:t>
+              <a:t>13/12/2021</a:t>
             </a:fld>
             <a:endParaRPr lang="pt-BR"/>
           </a:p>
@@ -2583,7 +2583,7 @@
           <a:p>
             <a:fld id="{FF8DFCC8-87C9-4FC8-94E9-5E6D7726585C}" type="datetimeFigureOut">
               <a:rPr lang="pt-BR" smtClean="0"/>
-              <a:t>12/12/2021</a:t>
+              <a:t>13/12/2021</a:t>
             </a:fld>
             <a:endParaRPr lang="pt-BR"/>
           </a:p>
@@ -16817,7 +16817,7 @@
           <a:p>
             <a:r>
               <a:rPr lang="pt-BR" sz="1000" dirty="0"/>
-              <a:t>(1.1;0.9)</a:t>
+              <a:t>(1.1;1.1)</a:t>
             </a:r>
             <a:endParaRPr lang="pt-BR" sz="1200" dirty="0"/>
           </a:p>
@@ -19582,7 +19582,7 @@
           <a:p>
             <a:r>
               <a:rPr lang="pt-BR" sz="1000" dirty="0"/>
-              <a:t>(1.1;0.9)</a:t>
+              <a:t>(1.1;1.1)</a:t>
             </a:r>
             <a:endParaRPr lang="pt-BR" sz="1200" dirty="0"/>
           </a:p>

--- a/imagens/ppt/desenhos_TCC.pptx
+++ b/imagens/ppt/desenhos_TCC.pptx
@@ -12,6 +12,9 @@
     <p:sldId id="260" r:id="rId6"/>
     <p:sldId id="261" r:id="rId7"/>
     <p:sldId id="262" r:id="rId8"/>
+    <p:sldId id="263" r:id="rId9"/>
+    <p:sldId id="264" r:id="rId10"/>
+    <p:sldId id="265" r:id="rId11"/>
   </p:sldIdLst>
   <p:sldSz cx="7199313" cy="6858000"/>
   <p:notesSz cx="6858000" cy="9144000"/>
@@ -260,7 +263,7 @@
           <a:p>
             <a:fld id="{FF8DFCC8-87C9-4FC8-94E9-5E6D7726585C}" type="datetimeFigureOut">
               <a:rPr lang="pt-BR" smtClean="0"/>
-              <a:t>13/12/2021</a:t>
+              <a:t>22/02/2022</a:t>
             </a:fld>
             <a:endParaRPr lang="pt-BR"/>
           </a:p>
@@ -430,7 +433,7 @@
           <a:p>
             <a:fld id="{FF8DFCC8-87C9-4FC8-94E9-5E6D7726585C}" type="datetimeFigureOut">
               <a:rPr lang="pt-BR" smtClean="0"/>
-              <a:t>13/12/2021</a:t>
+              <a:t>22/02/2022</a:t>
             </a:fld>
             <a:endParaRPr lang="pt-BR"/>
           </a:p>
@@ -610,7 +613,7 @@
           <a:p>
             <a:fld id="{FF8DFCC8-87C9-4FC8-94E9-5E6D7726585C}" type="datetimeFigureOut">
               <a:rPr lang="pt-BR" smtClean="0"/>
-              <a:t>13/12/2021</a:t>
+              <a:t>22/02/2022</a:t>
             </a:fld>
             <a:endParaRPr lang="pt-BR"/>
           </a:p>
@@ -780,7 +783,7 @@
           <a:p>
             <a:fld id="{FF8DFCC8-87C9-4FC8-94E9-5E6D7726585C}" type="datetimeFigureOut">
               <a:rPr lang="pt-BR" smtClean="0"/>
-              <a:t>13/12/2021</a:t>
+              <a:t>22/02/2022</a:t>
             </a:fld>
             <a:endParaRPr lang="pt-BR"/>
           </a:p>
@@ -1024,7 +1027,7 @@
           <a:p>
             <a:fld id="{FF8DFCC8-87C9-4FC8-94E9-5E6D7726585C}" type="datetimeFigureOut">
               <a:rPr lang="pt-BR" smtClean="0"/>
-              <a:t>13/12/2021</a:t>
+              <a:t>22/02/2022</a:t>
             </a:fld>
             <a:endParaRPr lang="pt-BR"/>
           </a:p>
@@ -1256,7 +1259,7 @@
           <a:p>
             <a:fld id="{FF8DFCC8-87C9-4FC8-94E9-5E6D7726585C}" type="datetimeFigureOut">
               <a:rPr lang="pt-BR" smtClean="0"/>
-              <a:t>13/12/2021</a:t>
+              <a:t>22/02/2022</a:t>
             </a:fld>
             <a:endParaRPr lang="pt-BR"/>
           </a:p>
@@ -1623,7 +1626,7 @@
           <a:p>
             <a:fld id="{FF8DFCC8-87C9-4FC8-94E9-5E6D7726585C}" type="datetimeFigureOut">
               <a:rPr lang="pt-BR" smtClean="0"/>
-              <a:t>13/12/2021</a:t>
+              <a:t>22/02/2022</a:t>
             </a:fld>
             <a:endParaRPr lang="pt-BR"/>
           </a:p>
@@ -1741,7 +1744,7 @@
           <a:p>
             <a:fld id="{FF8DFCC8-87C9-4FC8-94E9-5E6D7726585C}" type="datetimeFigureOut">
               <a:rPr lang="pt-BR" smtClean="0"/>
-              <a:t>13/12/2021</a:t>
+              <a:t>22/02/2022</a:t>
             </a:fld>
             <a:endParaRPr lang="pt-BR"/>
           </a:p>
@@ -1836,7 +1839,7 @@
           <a:p>
             <a:fld id="{FF8DFCC8-87C9-4FC8-94E9-5E6D7726585C}" type="datetimeFigureOut">
               <a:rPr lang="pt-BR" smtClean="0"/>
-              <a:t>13/12/2021</a:t>
+              <a:t>22/02/2022</a:t>
             </a:fld>
             <a:endParaRPr lang="pt-BR"/>
           </a:p>
@@ -2113,7 +2116,7 @@
           <a:p>
             <a:fld id="{FF8DFCC8-87C9-4FC8-94E9-5E6D7726585C}" type="datetimeFigureOut">
               <a:rPr lang="pt-BR" smtClean="0"/>
-              <a:t>13/12/2021</a:t>
+              <a:t>22/02/2022</a:t>
             </a:fld>
             <a:endParaRPr lang="pt-BR"/>
           </a:p>
@@ -2370,7 +2373,7 @@
           <a:p>
             <a:fld id="{FF8DFCC8-87C9-4FC8-94E9-5E6D7726585C}" type="datetimeFigureOut">
               <a:rPr lang="pt-BR" smtClean="0"/>
-              <a:t>13/12/2021</a:t>
+              <a:t>22/02/2022</a:t>
             </a:fld>
             <a:endParaRPr lang="pt-BR"/>
           </a:p>
@@ -2583,7 +2586,7 @@
           <a:p>
             <a:fld id="{FF8DFCC8-87C9-4FC8-94E9-5E6D7726585C}" type="datetimeFigureOut">
               <a:rPr lang="pt-BR" smtClean="0"/>
-              <a:t>13/12/2021</a:t>
+              <a:t>22/02/2022</a:t>
             </a:fld>
             <a:endParaRPr lang="pt-BR"/>
           </a:p>
@@ -4533,6 +4536,741 @@
     <p:extLst>
       <p:ext uri="{BB962C8B-B14F-4D97-AF65-F5344CB8AC3E}">
         <p14:creationId xmlns:p14="http://schemas.microsoft.com/office/powerpoint/2010/main" val="3631082767"/>
+      </p:ext>
+    </p:extLst>
+  </p:cSld>
+  <p:clrMapOvr>
+    <a:masterClrMapping/>
+  </p:clrMapOvr>
+</p:sld>
+</file>
+
+<file path=ppt/slides/slide10.xml><?xml version="1.0" encoding="utf-8"?>
+<p:sld xmlns:a="http://schemas.openxmlformats.org/drawingml/2006/main" xmlns:r="http://schemas.openxmlformats.org/officeDocument/2006/relationships" xmlns:p="http://schemas.openxmlformats.org/presentationml/2006/main">
+  <p:cSld>
+    <p:spTree>
+      <p:nvGrpSpPr>
+        <p:cNvPr id="1" name=""/>
+        <p:cNvGrpSpPr/>
+        <p:nvPr/>
+      </p:nvGrpSpPr>
+      <p:grpSpPr>
+        <a:xfrm>
+          <a:off x="0" y="0"/>
+          <a:ext cx="0" cy="0"/>
+          <a:chOff x="0" y="0"/>
+          <a:chExt cx="0" cy="0"/>
+        </a:xfrm>
+      </p:grpSpPr>
+      <p:cxnSp>
+        <p:nvCxnSpPr>
+          <p:cNvPr id="19" name="Conector reto 18">
+            <a:extLst>
+              <a:ext uri="{FF2B5EF4-FFF2-40B4-BE49-F238E27FC236}">
+                <a16:creationId xmlns:a16="http://schemas.microsoft.com/office/drawing/2014/main" id="{C3E52D46-4E63-40B1-9385-4D77018BCA04}"/>
+              </a:ext>
+            </a:extLst>
+          </p:cNvPr>
+          <p:cNvCxnSpPr>
+            <a:cxnSpLocks/>
+          </p:cNvCxnSpPr>
+          <p:nvPr/>
+        </p:nvCxnSpPr>
+        <p:spPr>
+          <a:xfrm>
+            <a:off x="2028331" y="1991893"/>
+            <a:ext cx="2031470" cy="0"/>
+          </a:xfrm>
+          <a:prstGeom prst="line">
+            <a:avLst/>
+          </a:prstGeom>
+          <a:ln w="38100"/>
+        </p:spPr>
+        <p:style>
+          <a:lnRef idx="3">
+            <a:schemeClr val="dk1"/>
+          </a:lnRef>
+          <a:fillRef idx="0">
+            <a:schemeClr val="dk1"/>
+          </a:fillRef>
+          <a:effectRef idx="2">
+            <a:schemeClr val="dk1"/>
+          </a:effectRef>
+          <a:fontRef idx="minor">
+            <a:schemeClr val="tx1"/>
+          </a:fontRef>
+        </p:style>
+      </p:cxnSp>
+      <p:cxnSp>
+        <p:nvCxnSpPr>
+          <p:cNvPr id="20" name="Conector reto 19">
+            <a:extLst>
+              <a:ext uri="{FF2B5EF4-FFF2-40B4-BE49-F238E27FC236}">
+                <a16:creationId xmlns:a16="http://schemas.microsoft.com/office/drawing/2014/main" id="{9BB4C641-6340-41D4-9FF8-7E1E2B9F2D2B}"/>
+              </a:ext>
+            </a:extLst>
+          </p:cNvPr>
+          <p:cNvCxnSpPr>
+            <a:cxnSpLocks/>
+          </p:cNvCxnSpPr>
+          <p:nvPr/>
+        </p:nvCxnSpPr>
+        <p:spPr>
+          <a:xfrm flipV="1">
+            <a:off x="2028331" y="1001034"/>
+            <a:ext cx="0" cy="1009650"/>
+          </a:xfrm>
+          <a:prstGeom prst="line">
+            <a:avLst/>
+          </a:prstGeom>
+          <a:ln w="38100"/>
+        </p:spPr>
+        <p:style>
+          <a:lnRef idx="3">
+            <a:schemeClr val="dk1"/>
+          </a:lnRef>
+          <a:fillRef idx="0">
+            <a:schemeClr val="dk1"/>
+          </a:fillRef>
+          <a:effectRef idx="2">
+            <a:schemeClr val="dk1"/>
+          </a:effectRef>
+          <a:fontRef idx="minor">
+            <a:schemeClr val="tx1"/>
+          </a:fontRef>
+        </p:style>
+      </p:cxnSp>
+      <p:cxnSp>
+        <p:nvCxnSpPr>
+          <p:cNvPr id="21" name="Conector reto 20">
+            <a:extLst>
+              <a:ext uri="{FF2B5EF4-FFF2-40B4-BE49-F238E27FC236}">
+                <a16:creationId xmlns:a16="http://schemas.microsoft.com/office/drawing/2014/main" id="{05D8BF87-8EDA-4A5C-BA87-E36E386DDD87}"/>
+              </a:ext>
+            </a:extLst>
+          </p:cNvPr>
+          <p:cNvCxnSpPr>
+            <a:cxnSpLocks/>
+          </p:cNvCxnSpPr>
+          <p:nvPr/>
+        </p:nvCxnSpPr>
+        <p:spPr>
+          <a:xfrm flipV="1">
+            <a:off x="3044066" y="1001034"/>
+            <a:ext cx="0" cy="1009650"/>
+          </a:xfrm>
+          <a:prstGeom prst="line">
+            <a:avLst/>
+          </a:prstGeom>
+          <a:ln w="38100"/>
+        </p:spPr>
+        <p:style>
+          <a:lnRef idx="3">
+            <a:schemeClr val="dk1"/>
+          </a:lnRef>
+          <a:fillRef idx="0">
+            <a:schemeClr val="dk1"/>
+          </a:fillRef>
+          <a:effectRef idx="2">
+            <a:schemeClr val="dk1"/>
+          </a:effectRef>
+          <a:fontRef idx="minor">
+            <a:schemeClr val="tx1"/>
+          </a:fontRef>
+        </p:style>
+      </p:cxnSp>
+      <p:cxnSp>
+        <p:nvCxnSpPr>
+          <p:cNvPr id="22" name="Conector reto 21">
+            <a:extLst>
+              <a:ext uri="{FF2B5EF4-FFF2-40B4-BE49-F238E27FC236}">
+                <a16:creationId xmlns:a16="http://schemas.microsoft.com/office/drawing/2014/main" id="{E519ED15-721B-4E3C-881C-823422504C7E}"/>
+              </a:ext>
+            </a:extLst>
+          </p:cNvPr>
+          <p:cNvCxnSpPr>
+            <a:cxnSpLocks/>
+          </p:cNvCxnSpPr>
+          <p:nvPr/>
+        </p:nvCxnSpPr>
+        <p:spPr>
+          <a:xfrm flipV="1">
+            <a:off x="4059801" y="1001034"/>
+            <a:ext cx="0" cy="1009650"/>
+          </a:xfrm>
+          <a:prstGeom prst="line">
+            <a:avLst/>
+          </a:prstGeom>
+          <a:ln w="38100"/>
+        </p:spPr>
+        <p:style>
+          <a:lnRef idx="3">
+            <a:schemeClr val="dk1"/>
+          </a:lnRef>
+          <a:fillRef idx="0">
+            <a:schemeClr val="dk1"/>
+          </a:fillRef>
+          <a:effectRef idx="2">
+            <a:schemeClr val="dk1"/>
+          </a:effectRef>
+          <a:fontRef idx="minor">
+            <a:schemeClr val="tx1"/>
+          </a:fontRef>
+        </p:style>
+      </p:cxnSp>
+      <p:sp>
+        <p:nvSpPr>
+          <p:cNvPr id="23" name="Elipse 22">
+            <a:extLst>
+              <a:ext uri="{FF2B5EF4-FFF2-40B4-BE49-F238E27FC236}">
+                <a16:creationId xmlns:a16="http://schemas.microsoft.com/office/drawing/2014/main" id="{9D28BBC0-B75A-4B79-BCD5-E1EC7AD59CA9}"/>
+              </a:ext>
+            </a:extLst>
+          </p:cNvPr>
+          <p:cNvSpPr/>
+          <p:nvPr/>
+        </p:nvSpPr>
+        <p:spPr>
+          <a:xfrm>
+            <a:off x="2450474" y="1427282"/>
+            <a:ext cx="171449" cy="157154"/>
+          </a:xfrm>
+          <a:prstGeom prst="ellipse">
+            <a:avLst/>
+          </a:prstGeom>
+          <a:solidFill>
+            <a:schemeClr val="tx1">
+              <a:lumMod val="75000"/>
+              <a:lumOff val="25000"/>
+            </a:schemeClr>
+          </a:solidFill>
+          <a:ln>
+            <a:solidFill>
+              <a:schemeClr val="tx1">
+                <a:lumMod val="75000"/>
+                <a:lumOff val="25000"/>
+              </a:schemeClr>
+            </a:solidFill>
+          </a:ln>
+        </p:spPr>
+        <p:style>
+          <a:lnRef idx="2">
+            <a:schemeClr val="accent1">
+              <a:shade val="50000"/>
+            </a:schemeClr>
+          </a:lnRef>
+          <a:fillRef idx="1">
+            <a:schemeClr val="accent1"/>
+          </a:fillRef>
+          <a:effectRef idx="0">
+            <a:schemeClr val="accent1"/>
+          </a:effectRef>
+          <a:fontRef idx="minor">
+            <a:schemeClr val="lt1"/>
+          </a:fontRef>
+        </p:style>
+        <p:txBody>
+          <a:bodyPr rtlCol="0" anchor="ctr"/>
+          <a:lstStyle/>
+          <a:p>
+            <a:pPr algn="ctr"/>
+            <a:endParaRPr lang="pt-BR"/>
+          </a:p>
+        </p:txBody>
+      </p:sp>
+      <p:sp>
+        <p:nvSpPr>
+          <p:cNvPr id="24" name="Elipse 23">
+            <a:extLst>
+              <a:ext uri="{FF2B5EF4-FFF2-40B4-BE49-F238E27FC236}">
+                <a16:creationId xmlns:a16="http://schemas.microsoft.com/office/drawing/2014/main" id="{2EB6B86B-88C8-4694-BFB8-6C977BFAA75D}"/>
+              </a:ext>
+            </a:extLst>
+          </p:cNvPr>
+          <p:cNvSpPr/>
+          <p:nvPr/>
+        </p:nvSpPr>
+        <p:spPr>
+          <a:xfrm>
+            <a:off x="3472606" y="1427282"/>
+            <a:ext cx="171449" cy="157154"/>
+          </a:xfrm>
+          <a:prstGeom prst="ellipse">
+            <a:avLst/>
+          </a:prstGeom>
+          <a:solidFill>
+            <a:schemeClr val="tx1">
+              <a:lumMod val="75000"/>
+              <a:lumOff val="25000"/>
+            </a:schemeClr>
+          </a:solidFill>
+          <a:ln>
+            <a:solidFill>
+              <a:schemeClr val="tx1">
+                <a:lumMod val="75000"/>
+                <a:lumOff val="25000"/>
+              </a:schemeClr>
+            </a:solidFill>
+          </a:ln>
+        </p:spPr>
+        <p:style>
+          <a:lnRef idx="2">
+            <a:schemeClr val="accent1">
+              <a:shade val="50000"/>
+            </a:schemeClr>
+          </a:lnRef>
+          <a:fillRef idx="1">
+            <a:schemeClr val="accent1"/>
+          </a:fillRef>
+          <a:effectRef idx="0">
+            <a:schemeClr val="accent1"/>
+          </a:effectRef>
+          <a:fontRef idx="minor">
+            <a:schemeClr val="lt1"/>
+          </a:fontRef>
+        </p:style>
+        <p:txBody>
+          <a:bodyPr rtlCol="0" anchor="ctr"/>
+          <a:lstStyle/>
+          <a:p>
+            <a:pPr algn="ctr"/>
+            <a:endParaRPr lang="pt-BR"/>
+          </a:p>
+        </p:txBody>
+      </p:sp>
+      <p:sp>
+        <p:nvSpPr>
+          <p:cNvPr id="25" name="CaixaDeTexto 24">
+            <a:extLst>
+              <a:ext uri="{FF2B5EF4-FFF2-40B4-BE49-F238E27FC236}">
+                <a16:creationId xmlns:a16="http://schemas.microsoft.com/office/drawing/2014/main" id="{B1AF34F4-5A8C-4547-BD48-0AB8A4BBDEAD}"/>
+              </a:ext>
+            </a:extLst>
+          </p:cNvPr>
+          <p:cNvSpPr txBox="1"/>
+          <p:nvPr/>
+        </p:nvSpPr>
+        <p:spPr>
+          <a:xfrm>
+            <a:off x="3375710" y="1553321"/>
+            <a:ext cx="296876" cy="369332"/>
+          </a:xfrm>
+          <a:prstGeom prst="rect">
+            <a:avLst/>
+          </a:prstGeom>
+          <a:noFill/>
+        </p:spPr>
+        <p:txBody>
+          <a:bodyPr wrap="none" rtlCol="0">
+            <a:spAutoFit/>
+          </a:bodyPr>
+          <a:lstStyle/>
+          <a:p>
+            <a:r>
+              <a:rPr lang="pt-BR" dirty="0"/>
+              <a:t>T</a:t>
+            </a:r>
+          </a:p>
+        </p:txBody>
+      </p:sp>
+      <p:cxnSp>
+        <p:nvCxnSpPr>
+          <p:cNvPr id="26" name="Conector reto 25">
+            <a:extLst>
+              <a:ext uri="{FF2B5EF4-FFF2-40B4-BE49-F238E27FC236}">
+                <a16:creationId xmlns:a16="http://schemas.microsoft.com/office/drawing/2014/main" id="{59EA26C2-8F03-470C-B736-85AD3092513B}"/>
+              </a:ext>
+            </a:extLst>
+          </p:cNvPr>
+          <p:cNvCxnSpPr>
+            <a:cxnSpLocks/>
+          </p:cNvCxnSpPr>
+          <p:nvPr/>
+        </p:nvCxnSpPr>
+        <p:spPr>
+          <a:xfrm>
+            <a:off x="2028331" y="1013760"/>
+            <a:ext cx="2031470" cy="0"/>
+          </a:xfrm>
+          <a:prstGeom prst="line">
+            <a:avLst/>
+          </a:prstGeom>
+          <a:ln w="38100"/>
+        </p:spPr>
+        <p:style>
+          <a:lnRef idx="3">
+            <a:schemeClr val="dk1"/>
+          </a:lnRef>
+          <a:fillRef idx="0">
+            <a:schemeClr val="dk1"/>
+          </a:fillRef>
+          <a:effectRef idx="2">
+            <a:schemeClr val="dk1"/>
+          </a:effectRef>
+          <a:fontRef idx="minor">
+            <a:schemeClr val="tx1"/>
+          </a:fontRef>
+        </p:style>
+      </p:cxnSp>
+      <p:sp>
+        <p:nvSpPr>
+          <p:cNvPr id="27" name="CaixaDeTexto 26">
+            <a:extLst>
+              <a:ext uri="{FF2B5EF4-FFF2-40B4-BE49-F238E27FC236}">
+                <a16:creationId xmlns:a16="http://schemas.microsoft.com/office/drawing/2014/main" id="{BA884E94-1B8D-4565-A635-5E18DAFCC6D5}"/>
+              </a:ext>
+            </a:extLst>
+          </p:cNvPr>
+          <p:cNvSpPr txBox="1"/>
+          <p:nvPr/>
+        </p:nvSpPr>
+        <p:spPr>
+          <a:xfrm>
+            <a:off x="2355062" y="1560427"/>
+            <a:ext cx="296876" cy="369332"/>
+          </a:xfrm>
+          <a:prstGeom prst="rect">
+            <a:avLst/>
+          </a:prstGeom>
+          <a:noFill/>
+        </p:spPr>
+        <p:txBody>
+          <a:bodyPr wrap="none" rtlCol="0">
+            <a:spAutoFit/>
+          </a:bodyPr>
+          <a:lstStyle/>
+          <a:p>
+            <a:r>
+              <a:rPr lang="pt-BR" dirty="0"/>
+              <a:t>T</a:t>
+            </a:r>
+          </a:p>
+        </p:txBody>
+      </p:sp>
+      <p:sp>
+        <p:nvSpPr>
+          <p:cNvPr id="28" name="CaixaDeTexto 27">
+            <a:extLst>
+              <a:ext uri="{FF2B5EF4-FFF2-40B4-BE49-F238E27FC236}">
+                <a16:creationId xmlns:a16="http://schemas.microsoft.com/office/drawing/2014/main" id="{5510F0B4-9E5B-4B79-A99A-DBDAF125F7CE}"/>
+              </a:ext>
+            </a:extLst>
+          </p:cNvPr>
+          <p:cNvSpPr txBox="1"/>
+          <p:nvPr/>
+        </p:nvSpPr>
+        <p:spPr>
+          <a:xfrm>
+            <a:off x="2475131" y="1683827"/>
+            <a:ext cx="263214" cy="276999"/>
+          </a:xfrm>
+          <a:prstGeom prst="rect">
+            <a:avLst/>
+          </a:prstGeom>
+          <a:noFill/>
+        </p:spPr>
+        <p:txBody>
+          <a:bodyPr wrap="none" rtlCol="0">
+            <a:spAutoFit/>
+          </a:bodyPr>
+          <a:lstStyle/>
+          <a:p>
+            <a:r>
+              <a:rPr lang="pt-BR" sz="1200" dirty="0"/>
+              <a:t>1</a:t>
+            </a:r>
+          </a:p>
+        </p:txBody>
+      </p:sp>
+      <p:sp>
+        <p:nvSpPr>
+          <p:cNvPr id="29" name="CaixaDeTexto 28">
+            <a:extLst>
+              <a:ext uri="{FF2B5EF4-FFF2-40B4-BE49-F238E27FC236}">
+                <a16:creationId xmlns:a16="http://schemas.microsoft.com/office/drawing/2014/main" id="{41848115-833A-401E-9CD7-A09E3FD1B35F}"/>
+              </a:ext>
+            </a:extLst>
+          </p:cNvPr>
+          <p:cNvSpPr txBox="1"/>
+          <p:nvPr/>
+        </p:nvSpPr>
+        <p:spPr>
+          <a:xfrm>
+            <a:off x="3490865" y="1675744"/>
+            <a:ext cx="263214" cy="276999"/>
+          </a:xfrm>
+          <a:prstGeom prst="rect">
+            <a:avLst/>
+          </a:prstGeom>
+          <a:noFill/>
+        </p:spPr>
+        <p:txBody>
+          <a:bodyPr wrap="none" rtlCol="0">
+            <a:spAutoFit/>
+          </a:bodyPr>
+          <a:lstStyle/>
+          <a:p>
+            <a:r>
+              <a:rPr lang="pt-BR" sz="1200" dirty="0"/>
+              <a:t>2</a:t>
+            </a:r>
+          </a:p>
+        </p:txBody>
+      </p:sp>
+      <p:cxnSp>
+        <p:nvCxnSpPr>
+          <p:cNvPr id="35" name="Conector reto 34">
+            <a:extLst>
+              <a:ext uri="{FF2B5EF4-FFF2-40B4-BE49-F238E27FC236}">
+                <a16:creationId xmlns:a16="http://schemas.microsoft.com/office/drawing/2014/main" id="{52179A37-07AE-4A81-B582-580A2AE3978D}"/>
+              </a:ext>
+            </a:extLst>
+          </p:cNvPr>
+          <p:cNvCxnSpPr/>
+          <p:nvPr/>
+        </p:nvCxnSpPr>
+        <p:spPr>
+          <a:xfrm flipH="1">
+            <a:off x="1246909" y="1017660"/>
+            <a:ext cx="781422" cy="0"/>
+          </a:xfrm>
+          <a:prstGeom prst="line">
+            <a:avLst/>
+          </a:prstGeom>
+          <a:ln w="38100">
+            <a:prstDash val="sysDot"/>
+          </a:ln>
+        </p:spPr>
+        <p:style>
+          <a:lnRef idx="3">
+            <a:schemeClr val="dk1"/>
+          </a:lnRef>
+          <a:fillRef idx="0">
+            <a:schemeClr val="dk1"/>
+          </a:fillRef>
+          <a:effectRef idx="2">
+            <a:schemeClr val="dk1"/>
+          </a:effectRef>
+          <a:fontRef idx="minor">
+            <a:schemeClr val="tx1"/>
+          </a:fontRef>
+        </p:style>
+      </p:cxnSp>
+      <p:cxnSp>
+        <p:nvCxnSpPr>
+          <p:cNvPr id="36" name="Conector reto 35">
+            <a:extLst>
+              <a:ext uri="{FF2B5EF4-FFF2-40B4-BE49-F238E27FC236}">
+                <a16:creationId xmlns:a16="http://schemas.microsoft.com/office/drawing/2014/main" id="{5D3DCC24-3FD1-4C75-9FD0-127A5D3D38CF}"/>
+              </a:ext>
+            </a:extLst>
+          </p:cNvPr>
+          <p:cNvCxnSpPr/>
+          <p:nvPr/>
+        </p:nvCxnSpPr>
+        <p:spPr>
+          <a:xfrm flipH="1">
+            <a:off x="1246909" y="1991893"/>
+            <a:ext cx="781422" cy="0"/>
+          </a:xfrm>
+          <a:prstGeom prst="line">
+            <a:avLst/>
+          </a:prstGeom>
+          <a:ln w="38100">
+            <a:prstDash val="sysDot"/>
+          </a:ln>
+        </p:spPr>
+        <p:style>
+          <a:lnRef idx="3">
+            <a:schemeClr val="dk1"/>
+          </a:lnRef>
+          <a:fillRef idx="0">
+            <a:schemeClr val="dk1"/>
+          </a:fillRef>
+          <a:effectRef idx="2">
+            <a:schemeClr val="dk1"/>
+          </a:effectRef>
+          <a:fontRef idx="minor">
+            <a:schemeClr val="tx1"/>
+          </a:fontRef>
+        </p:style>
+      </p:cxnSp>
+      <p:sp>
+        <p:nvSpPr>
+          <p:cNvPr id="37" name="Elipse 36">
+            <a:extLst>
+              <a:ext uri="{FF2B5EF4-FFF2-40B4-BE49-F238E27FC236}">
+                <a16:creationId xmlns:a16="http://schemas.microsoft.com/office/drawing/2014/main" id="{13D1E59B-199F-49AF-A3E7-959AF266C9B9}"/>
+              </a:ext>
+            </a:extLst>
+          </p:cNvPr>
+          <p:cNvSpPr/>
+          <p:nvPr/>
+        </p:nvSpPr>
+        <p:spPr>
+          <a:xfrm>
+            <a:off x="1438479" y="1431086"/>
+            <a:ext cx="171449" cy="157154"/>
+          </a:xfrm>
+          <a:prstGeom prst="ellipse">
+            <a:avLst/>
+          </a:prstGeom>
+          <a:solidFill>
+            <a:schemeClr val="tx1">
+              <a:lumMod val="65000"/>
+              <a:lumOff val="35000"/>
+            </a:schemeClr>
+          </a:solidFill>
+          <a:ln>
+            <a:solidFill>
+              <a:schemeClr val="tx1">
+                <a:lumMod val="50000"/>
+                <a:lumOff val="50000"/>
+              </a:schemeClr>
+            </a:solidFill>
+            <a:prstDash val="solid"/>
+          </a:ln>
+        </p:spPr>
+        <p:style>
+          <a:lnRef idx="2">
+            <a:schemeClr val="accent1">
+              <a:shade val="50000"/>
+            </a:schemeClr>
+          </a:lnRef>
+          <a:fillRef idx="1">
+            <a:schemeClr val="accent1"/>
+          </a:fillRef>
+          <a:effectRef idx="0">
+            <a:schemeClr val="accent1"/>
+          </a:effectRef>
+          <a:fontRef idx="minor">
+            <a:schemeClr val="lt1"/>
+          </a:fontRef>
+        </p:style>
+        <p:txBody>
+          <a:bodyPr rtlCol="0" anchor="ctr"/>
+          <a:lstStyle/>
+          <a:p>
+            <a:pPr algn="ctr"/>
+            <a:endParaRPr lang="pt-BR"/>
+          </a:p>
+        </p:txBody>
+      </p:sp>
+      <p:sp>
+        <p:nvSpPr>
+          <p:cNvPr id="38" name="CaixaDeTexto 37">
+            <a:extLst>
+              <a:ext uri="{FF2B5EF4-FFF2-40B4-BE49-F238E27FC236}">
+                <a16:creationId xmlns:a16="http://schemas.microsoft.com/office/drawing/2014/main" id="{9D8F8A3B-F187-4218-A003-D3FE349D7D7D}"/>
+              </a:ext>
+            </a:extLst>
+          </p:cNvPr>
+          <p:cNvSpPr txBox="1"/>
+          <p:nvPr/>
+        </p:nvSpPr>
+        <p:spPr>
+          <a:xfrm>
+            <a:off x="1377870" y="1560427"/>
+            <a:ext cx="296876" cy="369332"/>
+          </a:xfrm>
+          <a:prstGeom prst="rect">
+            <a:avLst/>
+          </a:prstGeom>
+          <a:noFill/>
+        </p:spPr>
+        <p:txBody>
+          <a:bodyPr wrap="none" rtlCol="0">
+            <a:spAutoFit/>
+          </a:bodyPr>
+          <a:lstStyle/>
+          <a:p>
+            <a:r>
+              <a:rPr lang="pt-BR" dirty="0"/>
+              <a:t>T</a:t>
+            </a:r>
+          </a:p>
+        </p:txBody>
+      </p:sp>
+      <p:sp>
+        <p:nvSpPr>
+          <p:cNvPr id="39" name="CaixaDeTexto 38">
+            <a:extLst>
+              <a:ext uri="{FF2B5EF4-FFF2-40B4-BE49-F238E27FC236}">
+                <a16:creationId xmlns:a16="http://schemas.microsoft.com/office/drawing/2014/main" id="{CD2CCC82-FC4D-43F7-8654-D3A029013A01}"/>
+              </a:ext>
+            </a:extLst>
+          </p:cNvPr>
+          <p:cNvSpPr txBox="1"/>
+          <p:nvPr/>
+        </p:nvSpPr>
+        <p:spPr>
+          <a:xfrm>
+            <a:off x="1497939" y="1683827"/>
+            <a:ext cx="263214" cy="276999"/>
+          </a:xfrm>
+          <a:prstGeom prst="rect">
+            <a:avLst/>
+          </a:prstGeom>
+          <a:noFill/>
+        </p:spPr>
+        <p:txBody>
+          <a:bodyPr wrap="none" rtlCol="0">
+            <a:spAutoFit/>
+          </a:bodyPr>
+          <a:lstStyle/>
+          <a:p>
+            <a:r>
+              <a:rPr lang="pt-BR" sz="1200" dirty="0"/>
+              <a:t>0</a:t>
+            </a:r>
+          </a:p>
+        </p:txBody>
+      </p:sp>
+      <p:cxnSp>
+        <p:nvCxnSpPr>
+          <p:cNvPr id="41" name="Conector reto 40">
+            <a:extLst>
+              <a:ext uri="{FF2B5EF4-FFF2-40B4-BE49-F238E27FC236}">
+                <a16:creationId xmlns:a16="http://schemas.microsoft.com/office/drawing/2014/main" id="{446B42EC-BE9D-4B8A-A99D-8FF1C0D7ACBE}"/>
+              </a:ext>
+            </a:extLst>
+          </p:cNvPr>
+          <p:cNvCxnSpPr/>
+          <p:nvPr/>
+        </p:nvCxnSpPr>
+        <p:spPr>
+          <a:xfrm>
+            <a:off x="2028331" y="759455"/>
+            <a:ext cx="0" cy="1587731"/>
+          </a:xfrm>
+          <a:prstGeom prst="line">
+            <a:avLst/>
+          </a:prstGeom>
+          <a:ln>
+            <a:solidFill>
+              <a:srgbClr val="FF0000"/>
+            </a:solidFill>
+          </a:ln>
+        </p:spPr>
+        <p:style>
+          <a:lnRef idx="3">
+            <a:schemeClr val="accent1"/>
+          </a:lnRef>
+          <a:fillRef idx="0">
+            <a:schemeClr val="accent1"/>
+          </a:fillRef>
+          <a:effectRef idx="2">
+            <a:schemeClr val="accent1"/>
+          </a:effectRef>
+          <a:fontRef idx="minor">
+            <a:schemeClr val="tx1"/>
+          </a:fontRef>
+        </p:style>
+      </p:cxnSp>
+    </p:spTree>
+    <p:extLst>
+      <p:ext uri="{BB962C8B-B14F-4D97-AF65-F5344CB8AC3E}">
+        <p14:creationId xmlns:p14="http://schemas.microsoft.com/office/powerpoint/2010/main" val="173018023"/>
       </p:ext>
     </p:extLst>
   </p:cSld>
@@ -21238,6 +21976,2302 @@
 </p:sld>
 </file>
 
+<file path=ppt/slides/slide8.xml><?xml version="1.0" encoding="utf-8"?>
+<p:sld xmlns:a="http://schemas.openxmlformats.org/drawingml/2006/main" xmlns:r="http://schemas.openxmlformats.org/officeDocument/2006/relationships" xmlns:p="http://schemas.openxmlformats.org/presentationml/2006/main">
+  <p:cSld>
+    <p:spTree>
+      <p:nvGrpSpPr>
+        <p:cNvPr id="1" name=""/>
+        <p:cNvGrpSpPr/>
+        <p:nvPr/>
+      </p:nvGrpSpPr>
+      <p:grpSpPr>
+        <a:xfrm>
+          <a:off x="0" y="0"/>
+          <a:ext cx="0" cy="0"/>
+          <a:chOff x="0" y="0"/>
+          <a:chExt cx="0" cy="0"/>
+        </a:xfrm>
+      </p:grpSpPr>
+      <p:cxnSp>
+        <p:nvCxnSpPr>
+          <p:cNvPr id="5" name="Conector reto 4">
+            <a:extLst>
+              <a:ext uri="{FF2B5EF4-FFF2-40B4-BE49-F238E27FC236}">
+                <a16:creationId xmlns:a16="http://schemas.microsoft.com/office/drawing/2014/main" id="{50E61537-258C-417A-B7F1-9552AFDE6502}"/>
+              </a:ext>
+            </a:extLst>
+          </p:cNvPr>
+          <p:cNvCxnSpPr/>
+          <p:nvPr/>
+        </p:nvCxnSpPr>
+        <p:spPr>
+          <a:xfrm>
+            <a:off x="365887" y="912019"/>
+            <a:ext cx="3060000" cy="0"/>
+          </a:xfrm>
+          <a:prstGeom prst="line">
+            <a:avLst/>
+          </a:prstGeom>
+          <a:ln w="38100"/>
+        </p:spPr>
+        <p:style>
+          <a:lnRef idx="3">
+            <a:schemeClr val="dk1"/>
+          </a:lnRef>
+          <a:fillRef idx="0">
+            <a:schemeClr val="dk1"/>
+          </a:fillRef>
+          <a:effectRef idx="2">
+            <a:schemeClr val="dk1"/>
+          </a:effectRef>
+          <a:fontRef idx="minor">
+            <a:schemeClr val="tx1"/>
+          </a:fontRef>
+        </p:style>
+      </p:cxnSp>
+      <p:cxnSp>
+        <p:nvCxnSpPr>
+          <p:cNvPr id="6" name="Conector reto 5">
+            <a:extLst>
+              <a:ext uri="{FF2B5EF4-FFF2-40B4-BE49-F238E27FC236}">
+                <a16:creationId xmlns:a16="http://schemas.microsoft.com/office/drawing/2014/main" id="{D94E70DA-A9F9-4FD9-A7C0-A451D02FE02C}"/>
+              </a:ext>
+            </a:extLst>
+          </p:cNvPr>
+          <p:cNvCxnSpPr/>
+          <p:nvPr/>
+        </p:nvCxnSpPr>
+        <p:spPr>
+          <a:xfrm>
+            <a:off x="365887" y="1883828"/>
+            <a:ext cx="3060000" cy="0"/>
+          </a:xfrm>
+          <a:prstGeom prst="line">
+            <a:avLst/>
+          </a:prstGeom>
+          <a:ln w="38100"/>
+        </p:spPr>
+        <p:style>
+          <a:lnRef idx="3">
+            <a:schemeClr val="dk1"/>
+          </a:lnRef>
+          <a:fillRef idx="0">
+            <a:schemeClr val="dk1"/>
+          </a:fillRef>
+          <a:effectRef idx="2">
+            <a:schemeClr val="dk1"/>
+          </a:effectRef>
+          <a:fontRef idx="minor">
+            <a:schemeClr val="tx1"/>
+          </a:fontRef>
+        </p:style>
+      </p:cxnSp>
+      <p:cxnSp>
+        <p:nvCxnSpPr>
+          <p:cNvPr id="7" name="Conector reto 6">
+            <a:extLst>
+              <a:ext uri="{FF2B5EF4-FFF2-40B4-BE49-F238E27FC236}">
+                <a16:creationId xmlns:a16="http://schemas.microsoft.com/office/drawing/2014/main" id="{105DD49D-E7F8-42DF-B663-DF72F57B2199}"/>
+              </a:ext>
+            </a:extLst>
+          </p:cNvPr>
+          <p:cNvCxnSpPr>
+            <a:cxnSpLocks/>
+          </p:cNvCxnSpPr>
+          <p:nvPr/>
+        </p:nvCxnSpPr>
+        <p:spPr>
+          <a:xfrm flipV="1">
+            <a:off x="365887" y="892969"/>
+            <a:ext cx="0" cy="1009650"/>
+          </a:xfrm>
+          <a:prstGeom prst="line">
+            <a:avLst/>
+          </a:prstGeom>
+          <a:ln w="38100"/>
+        </p:spPr>
+        <p:style>
+          <a:lnRef idx="3">
+            <a:schemeClr val="dk1"/>
+          </a:lnRef>
+          <a:fillRef idx="0">
+            <a:schemeClr val="dk1"/>
+          </a:fillRef>
+          <a:effectRef idx="2">
+            <a:schemeClr val="dk1"/>
+          </a:effectRef>
+          <a:fontRef idx="minor">
+            <a:schemeClr val="tx1"/>
+          </a:fontRef>
+        </p:style>
+      </p:cxnSp>
+      <p:cxnSp>
+        <p:nvCxnSpPr>
+          <p:cNvPr id="11" name="Conector reto 10">
+            <a:extLst>
+              <a:ext uri="{FF2B5EF4-FFF2-40B4-BE49-F238E27FC236}">
+                <a16:creationId xmlns:a16="http://schemas.microsoft.com/office/drawing/2014/main" id="{AA1434F3-8566-4AA7-A900-0017834BD414}"/>
+              </a:ext>
+            </a:extLst>
+          </p:cNvPr>
+          <p:cNvCxnSpPr>
+            <a:cxnSpLocks/>
+          </p:cNvCxnSpPr>
+          <p:nvPr/>
+        </p:nvCxnSpPr>
+        <p:spPr>
+          <a:xfrm flipV="1">
+            <a:off x="1381622" y="892969"/>
+            <a:ext cx="0" cy="1009650"/>
+          </a:xfrm>
+          <a:prstGeom prst="line">
+            <a:avLst/>
+          </a:prstGeom>
+          <a:ln w="38100"/>
+        </p:spPr>
+        <p:style>
+          <a:lnRef idx="3">
+            <a:schemeClr val="dk1"/>
+          </a:lnRef>
+          <a:fillRef idx="0">
+            <a:schemeClr val="dk1"/>
+          </a:fillRef>
+          <a:effectRef idx="2">
+            <a:schemeClr val="dk1"/>
+          </a:effectRef>
+          <a:fontRef idx="minor">
+            <a:schemeClr val="tx1"/>
+          </a:fontRef>
+        </p:style>
+      </p:cxnSp>
+      <p:cxnSp>
+        <p:nvCxnSpPr>
+          <p:cNvPr id="12" name="Conector reto 11">
+            <a:extLst>
+              <a:ext uri="{FF2B5EF4-FFF2-40B4-BE49-F238E27FC236}">
+                <a16:creationId xmlns:a16="http://schemas.microsoft.com/office/drawing/2014/main" id="{A0536507-2960-46FC-9596-CFC2ACBE47CD}"/>
+              </a:ext>
+            </a:extLst>
+          </p:cNvPr>
+          <p:cNvCxnSpPr>
+            <a:cxnSpLocks/>
+          </p:cNvCxnSpPr>
+          <p:nvPr/>
+        </p:nvCxnSpPr>
+        <p:spPr>
+          <a:xfrm flipV="1">
+            <a:off x="2397357" y="892969"/>
+            <a:ext cx="0" cy="1009650"/>
+          </a:xfrm>
+          <a:prstGeom prst="line">
+            <a:avLst/>
+          </a:prstGeom>
+          <a:ln w="38100"/>
+        </p:spPr>
+        <p:style>
+          <a:lnRef idx="3">
+            <a:schemeClr val="dk1"/>
+          </a:lnRef>
+          <a:fillRef idx="0">
+            <a:schemeClr val="dk1"/>
+          </a:fillRef>
+          <a:effectRef idx="2">
+            <a:schemeClr val="dk1"/>
+          </a:effectRef>
+          <a:fontRef idx="minor">
+            <a:schemeClr val="tx1"/>
+          </a:fontRef>
+        </p:style>
+      </p:cxnSp>
+      <p:cxnSp>
+        <p:nvCxnSpPr>
+          <p:cNvPr id="13" name="Conector reto 12">
+            <a:extLst>
+              <a:ext uri="{FF2B5EF4-FFF2-40B4-BE49-F238E27FC236}">
+                <a16:creationId xmlns:a16="http://schemas.microsoft.com/office/drawing/2014/main" id="{B4B47FA3-A15D-4E32-A53A-87CBC1654760}"/>
+              </a:ext>
+            </a:extLst>
+          </p:cNvPr>
+          <p:cNvCxnSpPr>
+            <a:cxnSpLocks/>
+          </p:cNvCxnSpPr>
+          <p:nvPr/>
+        </p:nvCxnSpPr>
+        <p:spPr>
+          <a:xfrm flipV="1">
+            <a:off x="3413093" y="892969"/>
+            <a:ext cx="0" cy="1009650"/>
+          </a:xfrm>
+          <a:prstGeom prst="line">
+            <a:avLst/>
+          </a:prstGeom>
+          <a:ln w="38100"/>
+        </p:spPr>
+        <p:style>
+          <a:lnRef idx="3">
+            <a:schemeClr val="dk1"/>
+          </a:lnRef>
+          <a:fillRef idx="0">
+            <a:schemeClr val="dk1"/>
+          </a:fillRef>
+          <a:effectRef idx="2">
+            <a:schemeClr val="dk1"/>
+          </a:effectRef>
+          <a:fontRef idx="minor">
+            <a:schemeClr val="tx1"/>
+          </a:fontRef>
+        </p:style>
+      </p:cxnSp>
+      <p:sp>
+        <p:nvSpPr>
+          <p:cNvPr id="14" name="Elipse 13">
+            <a:extLst>
+              <a:ext uri="{FF2B5EF4-FFF2-40B4-BE49-F238E27FC236}">
+                <a16:creationId xmlns:a16="http://schemas.microsoft.com/office/drawing/2014/main" id="{DE2302E5-099C-418C-894C-AFB6DE8E0F72}"/>
+              </a:ext>
+            </a:extLst>
+          </p:cNvPr>
+          <p:cNvSpPr/>
+          <p:nvPr/>
+        </p:nvSpPr>
+        <p:spPr>
+          <a:xfrm>
+            <a:off x="788030" y="1319217"/>
+            <a:ext cx="171449" cy="157154"/>
+          </a:xfrm>
+          <a:prstGeom prst="ellipse">
+            <a:avLst/>
+          </a:prstGeom>
+          <a:solidFill>
+            <a:schemeClr val="tx1">
+              <a:lumMod val="75000"/>
+              <a:lumOff val="25000"/>
+            </a:schemeClr>
+          </a:solidFill>
+          <a:ln>
+            <a:solidFill>
+              <a:schemeClr val="tx1">
+                <a:lumMod val="75000"/>
+                <a:lumOff val="25000"/>
+              </a:schemeClr>
+            </a:solidFill>
+          </a:ln>
+        </p:spPr>
+        <p:style>
+          <a:lnRef idx="2">
+            <a:schemeClr val="accent1">
+              <a:shade val="50000"/>
+            </a:schemeClr>
+          </a:lnRef>
+          <a:fillRef idx="1">
+            <a:schemeClr val="accent1"/>
+          </a:fillRef>
+          <a:effectRef idx="0">
+            <a:schemeClr val="accent1"/>
+          </a:effectRef>
+          <a:fontRef idx="minor">
+            <a:schemeClr val="lt1"/>
+          </a:fontRef>
+        </p:style>
+        <p:txBody>
+          <a:bodyPr rtlCol="0" anchor="ctr"/>
+          <a:lstStyle/>
+          <a:p>
+            <a:pPr algn="ctr"/>
+            <a:endParaRPr lang="pt-BR"/>
+          </a:p>
+        </p:txBody>
+      </p:sp>
+      <p:sp>
+        <p:nvSpPr>
+          <p:cNvPr id="15" name="Elipse 14">
+            <a:extLst>
+              <a:ext uri="{FF2B5EF4-FFF2-40B4-BE49-F238E27FC236}">
+                <a16:creationId xmlns:a16="http://schemas.microsoft.com/office/drawing/2014/main" id="{8BB5E3CD-533A-47D3-B73D-E699D27D2CBC}"/>
+              </a:ext>
+            </a:extLst>
+          </p:cNvPr>
+          <p:cNvSpPr/>
+          <p:nvPr/>
+        </p:nvSpPr>
+        <p:spPr>
+          <a:xfrm>
+            <a:off x="1810162" y="1319217"/>
+            <a:ext cx="171449" cy="157154"/>
+          </a:xfrm>
+          <a:prstGeom prst="ellipse">
+            <a:avLst/>
+          </a:prstGeom>
+          <a:solidFill>
+            <a:schemeClr val="tx1">
+              <a:lumMod val="75000"/>
+              <a:lumOff val="25000"/>
+            </a:schemeClr>
+          </a:solidFill>
+          <a:ln>
+            <a:solidFill>
+              <a:schemeClr val="tx1">
+                <a:lumMod val="75000"/>
+                <a:lumOff val="25000"/>
+              </a:schemeClr>
+            </a:solidFill>
+          </a:ln>
+        </p:spPr>
+        <p:style>
+          <a:lnRef idx="2">
+            <a:schemeClr val="accent1">
+              <a:shade val="50000"/>
+            </a:schemeClr>
+          </a:lnRef>
+          <a:fillRef idx="1">
+            <a:schemeClr val="accent1"/>
+          </a:fillRef>
+          <a:effectRef idx="0">
+            <a:schemeClr val="accent1"/>
+          </a:effectRef>
+          <a:fontRef idx="minor">
+            <a:schemeClr val="lt1"/>
+          </a:fontRef>
+        </p:style>
+        <p:txBody>
+          <a:bodyPr rtlCol="0" anchor="ctr"/>
+          <a:lstStyle/>
+          <a:p>
+            <a:pPr algn="ctr"/>
+            <a:endParaRPr lang="pt-BR"/>
+          </a:p>
+        </p:txBody>
+      </p:sp>
+      <p:sp>
+        <p:nvSpPr>
+          <p:cNvPr id="16" name="Elipse 15">
+            <a:extLst>
+              <a:ext uri="{FF2B5EF4-FFF2-40B4-BE49-F238E27FC236}">
+                <a16:creationId xmlns:a16="http://schemas.microsoft.com/office/drawing/2014/main" id="{439255DD-BD66-4195-844D-A516795E28C2}"/>
+              </a:ext>
+            </a:extLst>
+          </p:cNvPr>
+          <p:cNvSpPr/>
+          <p:nvPr/>
+        </p:nvSpPr>
+        <p:spPr>
+          <a:xfrm>
+            <a:off x="2825896" y="1319217"/>
+            <a:ext cx="171449" cy="157154"/>
+          </a:xfrm>
+          <a:prstGeom prst="ellipse">
+            <a:avLst/>
+          </a:prstGeom>
+          <a:solidFill>
+            <a:schemeClr val="tx1">
+              <a:lumMod val="75000"/>
+              <a:lumOff val="25000"/>
+            </a:schemeClr>
+          </a:solidFill>
+          <a:ln>
+            <a:solidFill>
+              <a:schemeClr val="tx1">
+                <a:lumMod val="75000"/>
+                <a:lumOff val="25000"/>
+              </a:schemeClr>
+            </a:solidFill>
+          </a:ln>
+        </p:spPr>
+        <p:style>
+          <a:lnRef idx="2">
+            <a:schemeClr val="accent1">
+              <a:shade val="50000"/>
+            </a:schemeClr>
+          </a:lnRef>
+          <a:fillRef idx="1">
+            <a:schemeClr val="accent1"/>
+          </a:fillRef>
+          <a:effectRef idx="0">
+            <a:schemeClr val="accent1"/>
+          </a:effectRef>
+          <a:fontRef idx="minor">
+            <a:schemeClr val="lt1"/>
+          </a:fontRef>
+        </p:style>
+        <p:txBody>
+          <a:bodyPr rtlCol="0" anchor="ctr"/>
+          <a:lstStyle/>
+          <a:p>
+            <a:pPr algn="ctr"/>
+            <a:endParaRPr lang="pt-BR"/>
+          </a:p>
+        </p:txBody>
+      </p:sp>
+      <p:cxnSp>
+        <p:nvCxnSpPr>
+          <p:cNvPr id="17" name="Conector reto 16">
+            <a:extLst>
+              <a:ext uri="{FF2B5EF4-FFF2-40B4-BE49-F238E27FC236}">
+                <a16:creationId xmlns:a16="http://schemas.microsoft.com/office/drawing/2014/main" id="{E3566C0B-1A8C-4464-871A-4E38E56D7A8C}"/>
+              </a:ext>
+            </a:extLst>
+          </p:cNvPr>
+          <p:cNvCxnSpPr/>
+          <p:nvPr/>
+        </p:nvCxnSpPr>
+        <p:spPr>
+          <a:xfrm>
+            <a:off x="3930556" y="912019"/>
+            <a:ext cx="3060000" cy="0"/>
+          </a:xfrm>
+          <a:prstGeom prst="line">
+            <a:avLst/>
+          </a:prstGeom>
+          <a:ln w="38100"/>
+        </p:spPr>
+        <p:style>
+          <a:lnRef idx="3">
+            <a:schemeClr val="dk1"/>
+          </a:lnRef>
+          <a:fillRef idx="0">
+            <a:schemeClr val="dk1"/>
+          </a:fillRef>
+          <a:effectRef idx="2">
+            <a:schemeClr val="dk1"/>
+          </a:effectRef>
+          <a:fontRef idx="minor">
+            <a:schemeClr val="tx1"/>
+          </a:fontRef>
+        </p:style>
+      </p:cxnSp>
+      <p:cxnSp>
+        <p:nvCxnSpPr>
+          <p:cNvPr id="18" name="Conector reto 17">
+            <a:extLst>
+              <a:ext uri="{FF2B5EF4-FFF2-40B4-BE49-F238E27FC236}">
+                <a16:creationId xmlns:a16="http://schemas.microsoft.com/office/drawing/2014/main" id="{058E27E0-B4EB-4E19-A616-0D8E20086142}"/>
+              </a:ext>
+            </a:extLst>
+          </p:cNvPr>
+          <p:cNvCxnSpPr/>
+          <p:nvPr/>
+        </p:nvCxnSpPr>
+        <p:spPr>
+          <a:xfrm>
+            <a:off x="3930556" y="1883828"/>
+            <a:ext cx="3060000" cy="0"/>
+          </a:xfrm>
+          <a:prstGeom prst="line">
+            <a:avLst/>
+          </a:prstGeom>
+          <a:ln w="38100"/>
+        </p:spPr>
+        <p:style>
+          <a:lnRef idx="3">
+            <a:schemeClr val="dk1"/>
+          </a:lnRef>
+          <a:fillRef idx="0">
+            <a:schemeClr val="dk1"/>
+          </a:fillRef>
+          <a:effectRef idx="2">
+            <a:schemeClr val="dk1"/>
+          </a:effectRef>
+          <a:fontRef idx="minor">
+            <a:schemeClr val="tx1"/>
+          </a:fontRef>
+        </p:style>
+      </p:cxnSp>
+      <p:cxnSp>
+        <p:nvCxnSpPr>
+          <p:cNvPr id="19" name="Conector reto 18">
+            <a:extLst>
+              <a:ext uri="{FF2B5EF4-FFF2-40B4-BE49-F238E27FC236}">
+                <a16:creationId xmlns:a16="http://schemas.microsoft.com/office/drawing/2014/main" id="{235ADD06-8143-4524-85B8-F18CE30F6B5A}"/>
+              </a:ext>
+            </a:extLst>
+          </p:cNvPr>
+          <p:cNvCxnSpPr>
+            <a:cxnSpLocks/>
+          </p:cNvCxnSpPr>
+          <p:nvPr/>
+        </p:nvCxnSpPr>
+        <p:spPr>
+          <a:xfrm flipV="1">
+            <a:off x="3930556" y="892969"/>
+            <a:ext cx="0" cy="1009650"/>
+          </a:xfrm>
+          <a:prstGeom prst="line">
+            <a:avLst/>
+          </a:prstGeom>
+          <a:ln w="38100"/>
+        </p:spPr>
+        <p:style>
+          <a:lnRef idx="3">
+            <a:schemeClr val="dk1"/>
+          </a:lnRef>
+          <a:fillRef idx="0">
+            <a:schemeClr val="dk1"/>
+          </a:fillRef>
+          <a:effectRef idx="2">
+            <a:schemeClr val="dk1"/>
+          </a:effectRef>
+          <a:fontRef idx="minor">
+            <a:schemeClr val="tx1"/>
+          </a:fontRef>
+        </p:style>
+      </p:cxnSp>
+      <p:cxnSp>
+        <p:nvCxnSpPr>
+          <p:cNvPr id="20" name="Conector reto 19">
+            <a:extLst>
+              <a:ext uri="{FF2B5EF4-FFF2-40B4-BE49-F238E27FC236}">
+                <a16:creationId xmlns:a16="http://schemas.microsoft.com/office/drawing/2014/main" id="{6BCD9F08-A5C8-4C35-8876-5F4FDD857AD4}"/>
+              </a:ext>
+            </a:extLst>
+          </p:cNvPr>
+          <p:cNvCxnSpPr>
+            <a:cxnSpLocks/>
+          </p:cNvCxnSpPr>
+          <p:nvPr/>
+        </p:nvCxnSpPr>
+        <p:spPr>
+          <a:xfrm flipV="1">
+            <a:off x="4946291" y="892969"/>
+            <a:ext cx="0" cy="1009650"/>
+          </a:xfrm>
+          <a:prstGeom prst="line">
+            <a:avLst/>
+          </a:prstGeom>
+          <a:ln w="38100"/>
+        </p:spPr>
+        <p:style>
+          <a:lnRef idx="3">
+            <a:schemeClr val="dk1"/>
+          </a:lnRef>
+          <a:fillRef idx="0">
+            <a:schemeClr val="dk1"/>
+          </a:fillRef>
+          <a:effectRef idx="2">
+            <a:schemeClr val="dk1"/>
+          </a:effectRef>
+          <a:fontRef idx="minor">
+            <a:schemeClr val="tx1"/>
+          </a:fontRef>
+        </p:style>
+      </p:cxnSp>
+      <p:cxnSp>
+        <p:nvCxnSpPr>
+          <p:cNvPr id="21" name="Conector reto 20">
+            <a:extLst>
+              <a:ext uri="{FF2B5EF4-FFF2-40B4-BE49-F238E27FC236}">
+                <a16:creationId xmlns:a16="http://schemas.microsoft.com/office/drawing/2014/main" id="{2111E5B0-15FC-437B-A180-BD8E10081F6D}"/>
+              </a:ext>
+            </a:extLst>
+          </p:cNvPr>
+          <p:cNvCxnSpPr>
+            <a:cxnSpLocks/>
+          </p:cNvCxnSpPr>
+          <p:nvPr/>
+        </p:nvCxnSpPr>
+        <p:spPr>
+          <a:xfrm flipV="1">
+            <a:off x="5962026" y="892969"/>
+            <a:ext cx="0" cy="1009650"/>
+          </a:xfrm>
+          <a:prstGeom prst="line">
+            <a:avLst/>
+          </a:prstGeom>
+          <a:ln w="38100"/>
+        </p:spPr>
+        <p:style>
+          <a:lnRef idx="3">
+            <a:schemeClr val="dk1"/>
+          </a:lnRef>
+          <a:fillRef idx="0">
+            <a:schemeClr val="dk1"/>
+          </a:fillRef>
+          <a:effectRef idx="2">
+            <a:schemeClr val="dk1"/>
+          </a:effectRef>
+          <a:fontRef idx="minor">
+            <a:schemeClr val="tx1"/>
+          </a:fontRef>
+        </p:style>
+      </p:cxnSp>
+      <p:cxnSp>
+        <p:nvCxnSpPr>
+          <p:cNvPr id="22" name="Conector reto 21">
+            <a:extLst>
+              <a:ext uri="{FF2B5EF4-FFF2-40B4-BE49-F238E27FC236}">
+                <a16:creationId xmlns:a16="http://schemas.microsoft.com/office/drawing/2014/main" id="{07F7574F-39E9-4D64-B267-70001DB356B2}"/>
+              </a:ext>
+            </a:extLst>
+          </p:cNvPr>
+          <p:cNvCxnSpPr>
+            <a:cxnSpLocks/>
+          </p:cNvCxnSpPr>
+          <p:nvPr/>
+        </p:nvCxnSpPr>
+        <p:spPr>
+          <a:xfrm flipV="1">
+            <a:off x="6977762" y="892969"/>
+            <a:ext cx="0" cy="1009650"/>
+          </a:xfrm>
+          <a:prstGeom prst="line">
+            <a:avLst/>
+          </a:prstGeom>
+          <a:ln w="38100"/>
+        </p:spPr>
+        <p:style>
+          <a:lnRef idx="3">
+            <a:schemeClr val="dk1"/>
+          </a:lnRef>
+          <a:fillRef idx="0">
+            <a:schemeClr val="dk1"/>
+          </a:fillRef>
+          <a:effectRef idx="2">
+            <a:schemeClr val="dk1"/>
+          </a:effectRef>
+          <a:fontRef idx="minor">
+            <a:schemeClr val="tx1"/>
+          </a:fontRef>
+        </p:style>
+      </p:cxnSp>
+      <p:sp>
+        <p:nvSpPr>
+          <p:cNvPr id="23" name="Elipse 22">
+            <a:extLst>
+              <a:ext uri="{FF2B5EF4-FFF2-40B4-BE49-F238E27FC236}">
+                <a16:creationId xmlns:a16="http://schemas.microsoft.com/office/drawing/2014/main" id="{15B9EBA6-5F1B-48C3-B33E-392DABACBD14}"/>
+              </a:ext>
+            </a:extLst>
+          </p:cNvPr>
+          <p:cNvSpPr/>
+          <p:nvPr/>
+        </p:nvSpPr>
+        <p:spPr>
+          <a:xfrm>
+            <a:off x="3844831" y="1319217"/>
+            <a:ext cx="171449" cy="157154"/>
+          </a:xfrm>
+          <a:prstGeom prst="ellipse">
+            <a:avLst/>
+          </a:prstGeom>
+          <a:solidFill>
+            <a:schemeClr val="tx1">
+              <a:lumMod val="75000"/>
+              <a:lumOff val="25000"/>
+            </a:schemeClr>
+          </a:solidFill>
+          <a:ln>
+            <a:solidFill>
+              <a:schemeClr val="tx1">
+                <a:lumMod val="75000"/>
+                <a:lumOff val="25000"/>
+              </a:schemeClr>
+            </a:solidFill>
+          </a:ln>
+        </p:spPr>
+        <p:style>
+          <a:lnRef idx="2">
+            <a:schemeClr val="accent1">
+              <a:shade val="50000"/>
+            </a:schemeClr>
+          </a:lnRef>
+          <a:fillRef idx="1">
+            <a:schemeClr val="accent1"/>
+          </a:fillRef>
+          <a:effectRef idx="0">
+            <a:schemeClr val="accent1"/>
+          </a:effectRef>
+          <a:fontRef idx="minor">
+            <a:schemeClr val="lt1"/>
+          </a:fontRef>
+        </p:style>
+        <p:txBody>
+          <a:bodyPr rtlCol="0" anchor="ctr"/>
+          <a:lstStyle/>
+          <a:p>
+            <a:pPr algn="ctr"/>
+            <a:endParaRPr lang="pt-BR"/>
+          </a:p>
+        </p:txBody>
+      </p:sp>
+      <p:sp>
+        <p:nvSpPr>
+          <p:cNvPr id="24" name="Elipse 23">
+            <a:extLst>
+              <a:ext uri="{FF2B5EF4-FFF2-40B4-BE49-F238E27FC236}">
+                <a16:creationId xmlns:a16="http://schemas.microsoft.com/office/drawing/2014/main" id="{EAE58C5D-18FD-4717-B190-B033F6E889B5}"/>
+              </a:ext>
+            </a:extLst>
+          </p:cNvPr>
+          <p:cNvSpPr/>
+          <p:nvPr/>
+        </p:nvSpPr>
+        <p:spPr>
+          <a:xfrm>
+            <a:off x="4860167" y="1319217"/>
+            <a:ext cx="171449" cy="157154"/>
+          </a:xfrm>
+          <a:prstGeom prst="ellipse">
+            <a:avLst/>
+          </a:prstGeom>
+          <a:solidFill>
+            <a:schemeClr val="tx1">
+              <a:lumMod val="75000"/>
+              <a:lumOff val="25000"/>
+            </a:schemeClr>
+          </a:solidFill>
+          <a:ln>
+            <a:solidFill>
+              <a:schemeClr val="tx1">
+                <a:lumMod val="75000"/>
+                <a:lumOff val="25000"/>
+              </a:schemeClr>
+            </a:solidFill>
+          </a:ln>
+        </p:spPr>
+        <p:style>
+          <a:lnRef idx="2">
+            <a:schemeClr val="accent1">
+              <a:shade val="50000"/>
+            </a:schemeClr>
+          </a:lnRef>
+          <a:fillRef idx="1">
+            <a:schemeClr val="accent1"/>
+          </a:fillRef>
+          <a:effectRef idx="0">
+            <a:schemeClr val="accent1"/>
+          </a:effectRef>
+          <a:fontRef idx="minor">
+            <a:schemeClr val="lt1"/>
+          </a:fontRef>
+        </p:style>
+        <p:txBody>
+          <a:bodyPr rtlCol="0" anchor="ctr"/>
+          <a:lstStyle/>
+          <a:p>
+            <a:pPr algn="ctr"/>
+            <a:endParaRPr lang="pt-BR"/>
+          </a:p>
+        </p:txBody>
+      </p:sp>
+      <p:sp>
+        <p:nvSpPr>
+          <p:cNvPr id="25" name="Elipse 24">
+            <a:extLst>
+              <a:ext uri="{FF2B5EF4-FFF2-40B4-BE49-F238E27FC236}">
+                <a16:creationId xmlns:a16="http://schemas.microsoft.com/office/drawing/2014/main" id="{663AA8C8-206B-4A83-AB6A-777008E04366}"/>
+              </a:ext>
+            </a:extLst>
+          </p:cNvPr>
+          <p:cNvSpPr/>
+          <p:nvPr/>
+        </p:nvSpPr>
+        <p:spPr>
+          <a:xfrm>
+            <a:off x="5875503" y="1319217"/>
+            <a:ext cx="171449" cy="157154"/>
+          </a:xfrm>
+          <a:prstGeom prst="ellipse">
+            <a:avLst/>
+          </a:prstGeom>
+          <a:solidFill>
+            <a:schemeClr val="tx1">
+              <a:lumMod val="75000"/>
+              <a:lumOff val="25000"/>
+            </a:schemeClr>
+          </a:solidFill>
+          <a:ln>
+            <a:solidFill>
+              <a:schemeClr val="tx1">
+                <a:lumMod val="75000"/>
+                <a:lumOff val="25000"/>
+              </a:schemeClr>
+            </a:solidFill>
+          </a:ln>
+        </p:spPr>
+        <p:style>
+          <a:lnRef idx="2">
+            <a:schemeClr val="accent1">
+              <a:shade val="50000"/>
+            </a:schemeClr>
+          </a:lnRef>
+          <a:fillRef idx="1">
+            <a:schemeClr val="accent1"/>
+          </a:fillRef>
+          <a:effectRef idx="0">
+            <a:schemeClr val="accent1"/>
+          </a:effectRef>
+          <a:fontRef idx="minor">
+            <a:schemeClr val="lt1"/>
+          </a:fontRef>
+        </p:style>
+        <p:txBody>
+          <a:bodyPr rtlCol="0" anchor="ctr"/>
+          <a:lstStyle/>
+          <a:p>
+            <a:pPr algn="ctr"/>
+            <a:endParaRPr lang="pt-BR"/>
+          </a:p>
+        </p:txBody>
+      </p:sp>
+      <p:sp>
+        <p:nvSpPr>
+          <p:cNvPr id="35" name="Elipse 34">
+            <a:extLst>
+              <a:ext uri="{FF2B5EF4-FFF2-40B4-BE49-F238E27FC236}">
+                <a16:creationId xmlns:a16="http://schemas.microsoft.com/office/drawing/2014/main" id="{A205C397-706F-44E2-93A5-1AD53E05CCA5}"/>
+              </a:ext>
+            </a:extLst>
+          </p:cNvPr>
+          <p:cNvSpPr/>
+          <p:nvPr/>
+        </p:nvSpPr>
+        <p:spPr>
+          <a:xfrm>
+            <a:off x="6891637" y="1319217"/>
+            <a:ext cx="171449" cy="157154"/>
+          </a:xfrm>
+          <a:prstGeom prst="ellipse">
+            <a:avLst/>
+          </a:prstGeom>
+          <a:solidFill>
+            <a:schemeClr val="tx1">
+              <a:lumMod val="75000"/>
+              <a:lumOff val="25000"/>
+            </a:schemeClr>
+          </a:solidFill>
+          <a:ln>
+            <a:solidFill>
+              <a:schemeClr val="tx1">
+                <a:lumMod val="75000"/>
+                <a:lumOff val="25000"/>
+              </a:schemeClr>
+            </a:solidFill>
+          </a:ln>
+        </p:spPr>
+        <p:style>
+          <a:lnRef idx="2">
+            <a:schemeClr val="accent1">
+              <a:shade val="50000"/>
+            </a:schemeClr>
+          </a:lnRef>
+          <a:fillRef idx="1">
+            <a:schemeClr val="accent1"/>
+          </a:fillRef>
+          <a:effectRef idx="0">
+            <a:schemeClr val="accent1"/>
+          </a:effectRef>
+          <a:fontRef idx="minor">
+            <a:schemeClr val="lt1"/>
+          </a:fontRef>
+        </p:style>
+        <p:txBody>
+          <a:bodyPr rtlCol="0" anchor="ctr"/>
+          <a:lstStyle/>
+          <a:p>
+            <a:pPr algn="ctr"/>
+            <a:endParaRPr lang="pt-BR"/>
+          </a:p>
+        </p:txBody>
+      </p:sp>
+      <p:sp>
+        <p:nvSpPr>
+          <p:cNvPr id="36" name="CaixaDeTexto 35">
+            <a:extLst>
+              <a:ext uri="{FF2B5EF4-FFF2-40B4-BE49-F238E27FC236}">
+                <a16:creationId xmlns:a16="http://schemas.microsoft.com/office/drawing/2014/main" id="{D046E0E9-4BA6-4706-8D2A-2C77C27308D2}"/>
+              </a:ext>
+            </a:extLst>
+          </p:cNvPr>
+          <p:cNvSpPr txBox="1"/>
+          <p:nvPr/>
+        </p:nvSpPr>
+        <p:spPr>
+          <a:xfrm>
+            <a:off x="645552" y="1476371"/>
+            <a:ext cx="470000" cy="369332"/>
+          </a:xfrm>
+          <a:prstGeom prst="rect">
+            <a:avLst/>
+          </a:prstGeom>
+          <a:noFill/>
+        </p:spPr>
+        <p:txBody>
+          <a:bodyPr wrap="none" rtlCol="0">
+            <a:spAutoFit/>
+          </a:bodyPr>
+          <a:lstStyle/>
+          <a:p>
+            <a:r>
+              <a:rPr lang="pt-BR" dirty="0"/>
+              <a:t>i=0</a:t>
+            </a:r>
+          </a:p>
+        </p:txBody>
+      </p:sp>
+      <p:sp>
+        <p:nvSpPr>
+          <p:cNvPr id="37" name="CaixaDeTexto 36">
+            <a:extLst>
+              <a:ext uri="{FF2B5EF4-FFF2-40B4-BE49-F238E27FC236}">
+                <a16:creationId xmlns:a16="http://schemas.microsoft.com/office/drawing/2014/main" id="{8430C51D-94D3-48E5-BB91-4E935B588F5B}"/>
+              </a:ext>
+            </a:extLst>
+          </p:cNvPr>
+          <p:cNvSpPr txBox="1"/>
+          <p:nvPr/>
+        </p:nvSpPr>
+        <p:spPr>
+          <a:xfrm>
+            <a:off x="1644895" y="1476371"/>
+            <a:ext cx="470000" cy="369332"/>
+          </a:xfrm>
+          <a:prstGeom prst="rect">
+            <a:avLst/>
+          </a:prstGeom>
+          <a:noFill/>
+        </p:spPr>
+        <p:txBody>
+          <a:bodyPr wrap="none" rtlCol="0">
+            <a:spAutoFit/>
+          </a:bodyPr>
+          <a:lstStyle/>
+          <a:p>
+            <a:r>
+              <a:rPr lang="pt-BR" dirty="0"/>
+              <a:t>i=1</a:t>
+            </a:r>
+          </a:p>
+        </p:txBody>
+      </p:sp>
+      <p:sp>
+        <p:nvSpPr>
+          <p:cNvPr id="38" name="CaixaDeTexto 37">
+            <a:extLst>
+              <a:ext uri="{FF2B5EF4-FFF2-40B4-BE49-F238E27FC236}">
+                <a16:creationId xmlns:a16="http://schemas.microsoft.com/office/drawing/2014/main" id="{5792B9AA-8F9A-4DBB-9DA8-225ABBF0AFD7}"/>
+              </a:ext>
+            </a:extLst>
+          </p:cNvPr>
+          <p:cNvSpPr txBox="1"/>
+          <p:nvPr/>
+        </p:nvSpPr>
+        <p:spPr>
+          <a:xfrm>
+            <a:off x="2657762" y="1476371"/>
+            <a:ext cx="470000" cy="369332"/>
+          </a:xfrm>
+          <a:prstGeom prst="rect">
+            <a:avLst/>
+          </a:prstGeom>
+          <a:noFill/>
+        </p:spPr>
+        <p:txBody>
+          <a:bodyPr wrap="none" rtlCol="0">
+            <a:spAutoFit/>
+          </a:bodyPr>
+          <a:lstStyle/>
+          <a:p>
+            <a:r>
+              <a:rPr lang="pt-BR" dirty="0"/>
+              <a:t>i=2</a:t>
+            </a:r>
+          </a:p>
+        </p:txBody>
+      </p:sp>
+      <p:sp>
+        <p:nvSpPr>
+          <p:cNvPr id="39" name="CaixaDeTexto 38">
+            <a:extLst>
+              <a:ext uri="{FF2B5EF4-FFF2-40B4-BE49-F238E27FC236}">
+                <a16:creationId xmlns:a16="http://schemas.microsoft.com/office/drawing/2014/main" id="{553151CD-0BD6-44C6-91B0-2E405CA8FD06}"/>
+              </a:ext>
+            </a:extLst>
+          </p:cNvPr>
+          <p:cNvSpPr txBox="1"/>
+          <p:nvPr/>
+        </p:nvSpPr>
+        <p:spPr>
+          <a:xfrm>
+            <a:off x="3642620" y="1845703"/>
+            <a:ext cx="747320" cy="369332"/>
+          </a:xfrm>
+          <a:prstGeom prst="rect">
+            <a:avLst/>
+          </a:prstGeom>
+          <a:noFill/>
+        </p:spPr>
+        <p:txBody>
+          <a:bodyPr wrap="none" rtlCol="0">
+            <a:spAutoFit/>
+          </a:bodyPr>
+          <a:lstStyle/>
+          <a:p>
+            <a:r>
+              <a:rPr lang="pt-BR" dirty="0"/>
+              <a:t>i=-1/2</a:t>
+            </a:r>
+          </a:p>
+        </p:txBody>
+      </p:sp>
+      <p:sp>
+        <p:nvSpPr>
+          <p:cNvPr id="40" name="CaixaDeTexto 39">
+            <a:extLst>
+              <a:ext uri="{FF2B5EF4-FFF2-40B4-BE49-F238E27FC236}">
+                <a16:creationId xmlns:a16="http://schemas.microsoft.com/office/drawing/2014/main" id="{457CD4A5-8CF5-4A28-82FB-67BA3DC8E97E}"/>
+              </a:ext>
+            </a:extLst>
+          </p:cNvPr>
+          <p:cNvSpPr txBox="1"/>
+          <p:nvPr/>
+        </p:nvSpPr>
+        <p:spPr>
+          <a:xfrm>
+            <a:off x="4532353" y="1856585"/>
+            <a:ext cx="676788" cy="369332"/>
+          </a:xfrm>
+          <a:prstGeom prst="rect">
+            <a:avLst/>
+          </a:prstGeom>
+          <a:noFill/>
+        </p:spPr>
+        <p:txBody>
+          <a:bodyPr wrap="none" rtlCol="0">
+            <a:spAutoFit/>
+          </a:bodyPr>
+          <a:lstStyle/>
+          <a:p>
+            <a:r>
+              <a:rPr lang="pt-BR" dirty="0"/>
+              <a:t>i=1/2</a:t>
+            </a:r>
+          </a:p>
+        </p:txBody>
+      </p:sp>
+      <p:sp>
+        <p:nvSpPr>
+          <p:cNvPr id="41" name="CaixaDeTexto 40">
+            <a:extLst>
+              <a:ext uri="{FF2B5EF4-FFF2-40B4-BE49-F238E27FC236}">
+                <a16:creationId xmlns:a16="http://schemas.microsoft.com/office/drawing/2014/main" id="{ACFB9069-27AF-47F6-9B78-A42147BBF32D}"/>
+              </a:ext>
+            </a:extLst>
+          </p:cNvPr>
+          <p:cNvSpPr txBox="1"/>
+          <p:nvPr/>
+        </p:nvSpPr>
+        <p:spPr>
+          <a:xfrm>
+            <a:off x="5506615" y="1845703"/>
+            <a:ext cx="676788" cy="369332"/>
+          </a:xfrm>
+          <a:prstGeom prst="rect">
+            <a:avLst/>
+          </a:prstGeom>
+          <a:noFill/>
+        </p:spPr>
+        <p:txBody>
+          <a:bodyPr wrap="none" rtlCol="0">
+            <a:spAutoFit/>
+          </a:bodyPr>
+          <a:lstStyle/>
+          <a:p>
+            <a:r>
+              <a:rPr lang="pt-BR" dirty="0"/>
+              <a:t>i=3/2</a:t>
+            </a:r>
+          </a:p>
+        </p:txBody>
+      </p:sp>
+      <p:sp>
+        <p:nvSpPr>
+          <p:cNvPr id="42" name="CaixaDeTexto 41">
+            <a:extLst>
+              <a:ext uri="{FF2B5EF4-FFF2-40B4-BE49-F238E27FC236}">
+                <a16:creationId xmlns:a16="http://schemas.microsoft.com/office/drawing/2014/main" id="{BA12104F-F1B5-46D6-96A5-B551B4436852}"/>
+              </a:ext>
+            </a:extLst>
+          </p:cNvPr>
+          <p:cNvSpPr txBox="1"/>
+          <p:nvPr/>
+        </p:nvSpPr>
+        <p:spPr>
+          <a:xfrm>
+            <a:off x="6554602" y="1845703"/>
+            <a:ext cx="676788" cy="369332"/>
+          </a:xfrm>
+          <a:prstGeom prst="rect">
+            <a:avLst/>
+          </a:prstGeom>
+          <a:noFill/>
+        </p:spPr>
+        <p:txBody>
+          <a:bodyPr wrap="none" rtlCol="0">
+            <a:spAutoFit/>
+          </a:bodyPr>
+          <a:lstStyle/>
+          <a:p>
+            <a:r>
+              <a:rPr lang="pt-BR" dirty="0"/>
+              <a:t>i=5/2</a:t>
+            </a:r>
+          </a:p>
+        </p:txBody>
+      </p:sp>
+      <p:sp>
+        <p:nvSpPr>
+          <p:cNvPr id="43" name="CaixaDeTexto 42">
+            <a:extLst>
+              <a:ext uri="{FF2B5EF4-FFF2-40B4-BE49-F238E27FC236}">
+                <a16:creationId xmlns:a16="http://schemas.microsoft.com/office/drawing/2014/main" id="{2C73EB6E-BE18-4184-8564-786178613612}"/>
+              </a:ext>
+            </a:extLst>
+          </p:cNvPr>
+          <p:cNvSpPr txBox="1"/>
+          <p:nvPr/>
+        </p:nvSpPr>
+        <p:spPr>
+          <a:xfrm>
+            <a:off x="1591993" y="2263513"/>
+            <a:ext cx="436338" cy="369332"/>
+          </a:xfrm>
+          <a:prstGeom prst="rect">
+            <a:avLst/>
+          </a:prstGeom>
+          <a:noFill/>
+        </p:spPr>
+        <p:txBody>
+          <a:bodyPr wrap="none" rtlCol="0">
+            <a:spAutoFit/>
+          </a:bodyPr>
+          <a:lstStyle/>
+          <a:p>
+            <a:r>
+              <a:rPr lang="pt-BR" dirty="0"/>
+              <a:t>(a)</a:t>
+            </a:r>
+          </a:p>
+        </p:txBody>
+      </p:sp>
+      <p:sp>
+        <p:nvSpPr>
+          <p:cNvPr id="44" name="CaixaDeTexto 43">
+            <a:extLst>
+              <a:ext uri="{FF2B5EF4-FFF2-40B4-BE49-F238E27FC236}">
+                <a16:creationId xmlns:a16="http://schemas.microsoft.com/office/drawing/2014/main" id="{36A9F4AF-AD6D-4C4E-93B0-F3497CDB57B9}"/>
+              </a:ext>
+            </a:extLst>
+          </p:cNvPr>
+          <p:cNvSpPr txBox="1"/>
+          <p:nvPr/>
+        </p:nvSpPr>
+        <p:spPr>
+          <a:xfrm>
+            <a:off x="5242387" y="2263513"/>
+            <a:ext cx="447558" cy="369332"/>
+          </a:xfrm>
+          <a:prstGeom prst="rect">
+            <a:avLst/>
+          </a:prstGeom>
+          <a:noFill/>
+        </p:spPr>
+        <p:txBody>
+          <a:bodyPr wrap="none" rtlCol="0">
+            <a:spAutoFit/>
+          </a:bodyPr>
+          <a:lstStyle/>
+          <a:p>
+            <a:r>
+              <a:rPr lang="pt-BR" dirty="0"/>
+              <a:t>(b)</a:t>
+            </a:r>
+          </a:p>
+        </p:txBody>
+      </p:sp>
+    </p:spTree>
+    <p:extLst>
+      <p:ext uri="{BB962C8B-B14F-4D97-AF65-F5344CB8AC3E}">
+        <p14:creationId xmlns:p14="http://schemas.microsoft.com/office/powerpoint/2010/main" val="1929286866"/>
+      </p:ext>
+    </p:extLst>
+  </p:cSld>
+  <p:clrMapOvr>
+    <a:masterClrMapping/>
+  </p:clrMapOvr>
+</p:sld>
+</file>
+
+<file path=ppt/slides/slide9.xml><?xml version="1.0" encoding="utf-8"?>
+<p:sld xmlns:a="http://schemas.openxmlformats.org/drawingml/2006/main" xmlns:r="http://schemas.openxmlformats.org/officeDocument/2006/relationships" xmlns:p="http://schemas.openxmlformats.org/presentationml/2006/main">
+  <p:cSld>
+    <p:spTree>
+      <p:nvGrpSpPr>
+        <p:cNvPr id="1" name=""/>
+        <p:cNvGrpSpPr/>
+        <p:nvPr/>
+      </p:nvGrpSpPr>
+      <p:grpSpPr>
+        <a:xfrm>
+          <a:off x="0" y="0"/>
+          <a:ext cx="0" cy="0"/>
+          <a:chOff x="0" y="0"/>
+          <a:chExt cx="0" cy="0"/>
+        </a:xfrm>
+      </p:grpSpPr>
+      <p:cxnSp>
+        <p:nvCxnSpPr>
+          <p:cNvPr id="5" name="Conector reto 4">
+            <a:extLst>
+              <a:ext uri="{FF2B5EF4-FFF2-40B4-BE49-F238E27FC236}">
+                <a16:creationId xmlns:a16="http://schemas.microsoft.com/office/drawing/2014/main" id="{AD3B48BA-560A-4181-8F04-7ADC7BAA06B3}"/>
+              </a:ext>
+            </a:extLst>
+          </p:cNvPr>
+          <p:cNvCxnSpPr>
+            <a:cxnSpLocks/>
+          </p:cNvCxnSpPr>
+          <p:nvPr/>
+        </p:nvCxnSpPr>
+        <p:spPr>
+          <a:xfrm>
+            <a:off x="2028331" y="1991893"/>
+            <a:ext cx="2031470" cy="0"/>
+          </a:xfrm>
+          <a:prstGeom prst="line">
+            <a:avLst/>
+          </a:prstGeom>
+          <a:ln w="38100"/>
+        </p:spPr>
+        <p:style>
+          <a:lnRef idx="3">
+            <a:schemeClr val="dk1"/>
+          </a:lnRef>
+          <a:fillRef idx="0">
+            <a:schemeClr val="dk1"/>
+          </a:fillRef>
+          <a:effectRef idx="2">
+            <a:schemeClr val="dk1"/>
+          </a:effectRef>
+          <a:fontRef idx="minor">
+            <a:schemeClr val="tx1"/>
+          </a:fontRef>
+        </p:style>
+      </p:cxnSp>
+      <p:cxnSp>
+        <p:nvCxnSpPr>
+          <p:cNvPr id="6" name="Conector reto 5">
+            <a:extLst>
+              <a:ext uri="{FF2B5EF4-FFF2-40B4-BE49-F238E27FC236}">
+                <a16:creationId xmlns:a16="http://schemas.microsoft.com/office/drawing/2014/main" id="{C49FE1AC-40DF-4797-881B-3335E2D3BF2D}"/>
+              </a:ext>
+            </a:extLst>
+          </p:cNvPr>
+          <p:cNvCxnSpPr>
+            <a:cxnSpLocks/>
+          </p:cNvCxnSpPr>
+          <p:nvPr/>
+        </p:nvCxnSpPr>
+        <p:spPr>
+          <a:xfrm flipV="1">
+            <a:off x="2028331" y="1001034"/>
+            <a:ext cx="0" cy="1009650"/>
+          </a:xfrm>
+          <a:prstGeom prst="line">
+            <a:avLst/>
+          </a:prstGeom>
+          <a:ln w="38100"/>
+        </p:spPr>
+        <p:style>
+          <a:lnRef idx="3">
+            <a:schemeClr val="dk1"/>
+          </a:lnRef>
+          <a:fillRef idx="0">
+            <a:schemeClr val="dk1"/>
+          </a:fillRef>
+          <a:effectRef idx="2">
+            <a:schemeClr val="dk1"/>
+          </a:effectRef>
+          <a:fontRef idx="minor">
+            <a:schemeClr val="tx1"/>
+          </a:fontRef>
+        </p:style>
+      </p:cxnSp>
+      <p:cxnSp>
+        <p:nvCxnSpPr>
+          <p:cNvPr id="7" name="Conector reto 6">
+            <a:extLst>
+              <a:ext uri="{FF2B5EF4-FFF2-40B4-BE49-F238E27FC236}">
+                <a16:creationId xmlns:a16="http://schemas.microsoft.com/office/drawing/2014/main" id="{3EB3C7AC-4A9C-4390-96FE-F70540F82D5D}"/>
+              </a:ext>
+            </a:extLst>
+          </p:cNvPr>
+          <p:cNvCxnSpPr>
+            <a:cxnSpLocks/>
+          </p:cNvCxnSpPr>
+          <p:nvPr/>
+        </p:nvCxnSpPr>
+        <p:spPr>
+          <a:xfrm flipV="1">
+            <a:off x="3044066" y="1001034"/>
+            <a:ext cx="0" cy="1009650"/>
+          </a:xfrm>
+          <a:prstGeom prst="line">
+            <a:avLst/>
+          </a:prstGeom>
+          <a:ln w="38100"/>
+        </p:spPr>
+        <p:style>
+          <a:lnRef idx="3">
+            <a:schemeClr val="dk1"/>
+          </a:lnRef>
+          <a:fillRef idx="0">
+            <a:schemeClr val="dk1"/>
+          </a:fillRef>
+          <a:effectRef idx="2">
+            <a:schemeClr val="dk1"/>
+          </a:effectRef>
+          <a:fontRef idx="minor">
+            <a:schemeClr val="tx1"/>
+          </a:fontRef>
+        </p:style>
+      </p:cxnSp>
+      <p:cxnSp>
+        <p:nvCxnSpPr>
+          <p:cNvPr id="8" name="Conector reto 7">
+            <a:extLst>
+              <a:ext uri="{FF2B5EF4-FFF2-40B4-BE49-F238E27FC236}">
+                <a16:creationId xmlns:a16="http://schemas.microsoft.com/office/drawing/2014/main" id="{EEC79285-1FBF-45FD-82BF-2F718B15DBED}"/>
+              </a:ext>
+            </a:extLst>
+          </p:cNvPr>
+          <p:cNvCxnSpPr>
+            <a:cxnSpLocks/>
+          </p:cNvCxnSpPr>
+          <p:nvPr/>
+        </p:nvCxnSpPr>
+        <p:spPr>
+          <a:xfrm flipV="1">
+            <a:off x="4059801" y="1001034"/>
+            <a:ext cx="0" cy="1009650"/>
+          </a:xfrm>
+          <a:prstGeom prst="line">
+            <a:avLst/>
+          </a:prstGeom>
+          <a:ln w="38100"/>
+        </p:spPr>
+        <p:style>
+          <a:lnRef idx="3">
+            <a:schemeClr val="dk1"/>
+          </a:lnRef>
+          <a:fillRef idx="0">
+            <a:schemeClr val="dk1"/>
+          </a:fillRef>
+          <a:effectRef idx="2">
+            <a:schemeClr val="dk1"/>
+          </a:effectRef>
+          <a:fontRef idx="minor">
+            <a:schemeClr val="tx1"/>
+          </a:fontRef>
+        </p:style>
+      </p:cxnSp>
+      <p:sp>
+        <p:nvSpPr>
+          <p:cNvPr id="10" name="Elipse 9">
+            <a:extLst>
+              <a:ext uri="{FF2B5EF4-FFF2-40B4-BE49-F238E27FC236}">
+                <a16:creationId xmlns:a16="http://schemas.microsoft.com/office/drawing/2014/main" id="{885B037A-0B01-4C48-A6FD-10068513C1D7}"/>
+              </a:ext>
+            </a:extLst>
+          </p:cNvPr>
+          <p:cNvSpPr/>
+          <p:nvPr/>
+        </p:nvSpPr>
+        <p:spPr>
+          <a:xfrm>
+            <a:off x="2450474" y="1427282"/>
+            <a:ext cx="171449" cy="157154"/>
+          </a:xfrm>
+          <a:prstGeom prst="ellipse">
+            <a:avLst/>
+          </a:prstGeom>
+          <a:solidFill>
+            <a:schemeClr val="tx1">
+              <a:lumMod val="75000"/>
+              <a:lumOff val="25000"/>
+            </a:schemeClr>
+          </a:solidFill>
+          <a:ln>
+            <a:solidFill>
+              <a:schemeClr val="tx1">
+                <a:lumMod val="75000"/>
+                <a:lumOff val="25000"/>
+              </a:schemeClr>
+            </a:solidFill>
+          </a:ln>
+        </p:spPr>
+        <p:style>
+          <a:lnRef idx="2">
+            <a:schemeClr val="accent1">
+              <a:shade val="50000"/>
+            </a:schemeClr>
+          </a:lnRef>
+          <a:fillRef idx="1">
+            <a:schemeClr val="accent1"/>
+          </a:fillRef>
+          <a:effectRef idx="0">
+            <a:schemeClr val="accent1"/>
+          </a:effectRef>
+          <a:fontRef idx="minor">
+            <a:schemeClr val="lt1"/>
+          </a:fontRef>
+        </p:style>
+        <p:txBody>
+          <a:bodyPr rtlCol="0" anchor="ctr"/>
+          <a:lstStyle/>
+          <a:p>
+            <a:pPr algn="ctr"/>
+            <a:endParaRPr lang="pt-BR"/>
+          </a:p>
+        </p:txBody>
+      </p:sp>
+      <p:sp>
+        <p:nvSpPr>
+          <p:cNvPr id="11" name="Elipse 10">
+            <a:extLst>
+              <a:ext uri="{FF2B5EF4-FFF2-40B4-BE49-F238E27FC236}">
+                <a16:creationId xmlns:a16="http://schemas.microsoft.com/office/drawing/2014/main" id="{6BE034DC-A9A3-4FEC-9756-18383CDF5144}"/>
+              </a:ext>
+            </a:extLst>
+          </p:cNvPr>
+          <p:cNvSpPr/>
+          <p:nvPr/>
+        </p:nvSpPr>
+        <p:spPr>
+          <a:xfrm>
+            <a:off x="3472606" y="1427282"/>
+            <a:ext cx="171449" cy="157154"/>
+          </a:xfrm>
+          <a:prstGeom prst="ellipse">
+            <a:avLst/>
+          </a:prstGeom>
+          <a:solidFill>
+            <a:schemeClr val="tx1">
+              <a:lumMod val="75000"/>
+              <a:lumOff val="25000"/>
+            </a:schemeClr>
+          </a:solidFill>
+          <a:ln>
+            <a:solidFill>
+              <a:schemeClr val="tx1">
+                <a:lumMod val="75000"/>
+                <a:lumOff val="25000"/>
+              </a:schemeClr>
+            </a:solidFill>
+          </a:ln>
+        </p:spPr>
+        <p:style>
+          <a:lnRef idx="2">
+            <a:schemeClr val="accent1">
+              <a:shade val="50000"/>
+            </a:schemeClr>
+          </a:lnRef>
+          <a:fillRef idx="1">
+            <a:schemeClr val="accent1"/>
+          </a:fillRef>
+          <a:effectRef idx="0">
+            <a:schemeClr val="accent1"/>
+          </a:effectRef>
+          <a:fontRef idx="minor">
+            <a:schemeClr val="lt1"/>
+          </a:fontRef>
+        </p:style>
+        <p:txBody>
+          <a:bodyPr rtlCol="0" anchor="ctr"/>
+          <a:lstStyle/>
+          <a:p>
+            <a:pPr algn="ctr"/>
+            <a:endParaRPr lang="pt-BR"/>
+          </a:p>
+        </p:txBody>
+      </p:sp>
+      <p:sp>
+        <p:nvSpPr>
+          <p:cNvPr id="14" name="CaixaDeTexto 13">
+            <a:extLst>
+              <a:ext uri="{FF2B5EF4-FFF2-40B4-BE49-F238E27FC236}">
+                <a16:creationId xmlns:a16="http://schemas.microsoft.com/office/drawing/2014/main" id="{E9D508C3-B4AF-4D37-AAEC-74DC958D844D}"/>
+              </a:ext>
+            </a:extLst>
+          </p:cNvPr>
+          <p:cNvSpPr txBox="1"/>
+          <p:nvPr/>
+        </p:nvSpPr>
+        <p:spPr>
+          <a:xfrm>
+            <a:off x="3375710" y="1553321"/>
+            <a:ext cx="288862" cy="369332"/>
+          </a:xfrm>
+          <a:prstGeom prst="rect">
+            <a:avLst/>
+          </a:prstGeom>
+          <a:noFill/>
+        </p:spPr>
+        <p:txBody>
+          <a:bodyPr wrap="none" rtlCol="0">
+            <a:spAutoFit/>
+          </a:bodyPr>
+          <a:lstStyle/>
+          <a:p>
+            <a:r>
+              <a:rPr lang="pt-BR" dirty="0"/>
+              <a:t>k</a:t>
+            </a:r>
+          </a:p>
+        </p:txBody>
+      </p:sp>
+      <p:cxnSp>
+        <p:nvCxnSpPr>
+          <p:cNvPr id="18" name="Conector reto 17">
+            <a:extLst>
+              <a:ext uri="{FF2B5EF4-FFF2-40B4-BE49-F238E27FC236}">
+                <a16:creationId xmlns:a16="http://schemas.microsoft.com/office/drawing/2014/main" id="{4DF6B92A-3EDD-4230-8496-42C63E0A66FA}"/>
+              </a:ext>
+            </a:extLst>
+          </p:cNvPr>
+          <p:cNvCxnSpPr>
+            <a:cxnSpLocks/>
+          </p:cNvCxnSpPr>
+          <p:nvPr/>
+        </p:nvCxnSpPr>
+        <p:spPr>
+          <a:xfrm>
+            <a:off x="2028331" y="1013760"/>
+            <a:ext cx="2031470" cy="0"/>
+          </a:xfrm>
+          <a:prstGeom prst="line">
+            <a:avLst/>
+          </a:prstGeom>
+          <a:ln w="38100"/>
+        </p:spPr>
+        <p:style>
+          <a:lnRef idx="3">
+            <a:schemeClr val="dk1"/>
+          </a:lnRef>
+          <a:fillRef idx="0">
+            <a:schemeClr val="dk1"/>
+          </a:fillRef>
+          <a:effectRef idx="2">
+            <a:schemeClr val="dk1"/>
+          </a:effectRef>
+          <a:fontRef idx="minor">
+            <a:schemeClr val="tx1"/>
+          </a:fontRef>
+        </p:style>
+      </p:cxnSp>
+      <p:sp>
+        <p:nvSpPr>
+          <p:cNvPr id="19" name="CaixaDeTexto 18">
+            <a:extLst>
+              <a:ext uri="{FF2B5EF4-FFF2-40B4-BE49-F238E27FC236}">
+                <a16:creationId xmlns:a16="http://schemas.microsoft.com/office/drawing/2014/main" id="{E711E00B-D4BA-4759-B979-F2A8DB2BF569}"/>
+              </a:ext>
+            </a:extLst>
+          </p:cNvPr>
+          <p:cNvSpPr txBox="1"/>
+          <p:nvPr/>
+        </p:nvSpPr>
+        <p:spPr>
+          <a:xfrm>
+            <a:off x="2355062" y="1560427"/>
+            <a:ext cx="288862" cy="369332"/>
+          </a:xfrm>
+          <a:prstGeom prst="rect">
+            <a:avLst/>
+          </a:prstGeom>
+          <a:noFill/>
+        </p:spPr>
+        <p:txBody>
+          <a:bodyPr wrap="none" rtlCol="0">
+            <a:spAutoFit/>
+          </a:bodyPr>
+          <a:lstStyle/>
+          <a:p>
+            <a:r>
+              <a:rPr lang="pt-BR" dirty="0"/>
+              <a:t>k</a:t>
+            </a:r>
+          </a:p>
+        </p:txBody>
+      </p:sp>
+      <p:sp>
+        <p:nvSpPr>
+          <p:cNvPr id="20" name="CaixaDeTexto 19">
+            <a:extLst>
+              <a:ext uri="{FF2B5EF4-FFF2-40B4-BE49-F238E27FC236}">
+                <a16:creationId xmlns:a16="http://schemas.microsoft.com/office/drawing/2014/main" id="{27A96904-B192-4AA1-8114-83C0B49D40CC}"/>
+              </a:ext>
+            </a:extLst>
+          </p:cNvPr>
+          <p:cNvSpPr txBox="1"/>
+          <p:nvPr/>
+        </p:nvSpPr>
+        <p:spPr>
+          <a:xfrm>
+            <a:off x="2475131" y="1683827"/>
+            <a:ext cx="263214" cy="276999"/>
+          </a:xfrm>
+          <a:prstGeom prst="rect">
+            <a:avLst/>
+          </a:prstGeom>
+          <a:noFill/>
+        </p:spPr>
+        <p:txBody>
+          <a:bodyPr wrap="none" rtlCol="0">
+            <a:spAutoFit/>
+          </a:bodyPr>
+          <a:lstStyle/>
+          <a:p>
+            <a:r>
+              <a:rPr lang="pt-BR" sz="1200" dirty="0"/>
+              <a:t>1</a:t>
+            </a:r>
+          </a:p>
+        </p:txBody>
+      </p:sp>
+      <p:sp>
+        <p:nvSpPr>
+          <p:cNvPr id="21" name="CaixaDeTexto 20">
+            <a:extLst>
+              <a:ext uri="{FF2B5EF4-FFF2-40B4-BE49-F238E27FC236}">
+                <a16:creationId xmlns:a16="http://schemas.microsoft.com/office/drawing/2014/main" id="{3C8847A1-1C6E-4FCA-8CD4-5FC89D52EC71}"/>
+              </a:ext>
+            </a:extLst>
+          </p:cNvPr>
+          <p:cNvSpPr txBox="1"/>
+          <p:nvPr/>
+        </p:nvSpPr>
+        <p:spPr>
+          <a:xfrm>
+            <a:off x="3490865" y="1675744"/>
+            <a:ext cx="263214" cy="276999"/>
+          </a:xfrm>
+          <a:prstGeom prst="rect">
+            <a:avLst/>
+          </a:prstGeom>
+          <a:noFill/>
+        </p:spPr>
+        <p:txBody>
+          <a:bodyPr wrap="none" rtlCol="0">
+            <a:spAutoFit/>
+          </a:bodyPr>
+          <a:lstStyle/>
+          <a:p>
+            <a:r>
+              <a:rPr lang="pt-BR" sz="1200" dirty="0"/>
+              <a:t>2</a:t>
+            </a:r>
+          </a:p>
+        </p:txBody>
+      </p:sp>
+      <p:cxnSp>
+        <p:nvCxnSpPr>
+          <p:cNvPr id="29" name="Conector reto 28">
+            <a:extLst>
+              <a:ext uri="{FF2B5EF4-FFF2-40B4-BE49-F238E27FC236}">
+                <a16:creationId xmlns:a16="http://schemas.microsoft.com/office/drawing/2014/main" id="{929C3449-8ABE-4E78-9663-B25ABD63CF79}"/>
+              </a:ext>
+            </a:extLst>
+          </p:cNvPr>
+          <p:cNvCxnSpPr>
+            <a:cxnSpLocks/>
+          </p:cNvCxnSpPr>
+          <p:nvPr/>
+        </p:nvCxnSpPr>
+        <p:spPr>
+          <a:xfrm>
+            <a:off x="2028331" y="842355"/>
+            <a:ext cx="1015735" cy="0"/>
+          </a:xfrm>
+          <a:prstGeom prst="line">
+            <a:avLst/>
+          </a:prstGeom>
+        </p:spPr>
+        <p:style>
+          <a:lnRef idx="3">
+            <a:schemeClr val="accent1"/>
+          </a:lnRef>
+          <a:fillRef idx="0">
+            <a:schemeClr val="accent1"/>
+          </a:fillRef>
+          <a:effectRef idx="2">
+            <a:schemeClr val="accent1"/>
+          </a:effectRef>
+          <a:fontRef idx="minor">
+            <a:schemeClr val="tx1"/>
+          </a:fontRef>
+        </p:style>
+      </p:cxnSp>
+      <p:cxnSp>
+        <p:nvCxnSpPr>
+          <p:cNvPr id="31" name="Conector reto 30">
+            <a:extLst>
+              <a:ext uri="{FF2B5EF4-FFF2-40B4-BE49-F238E27FC236}">
+                <a16:creationId xmlns:a16="http://schemas.microsoft.com/office/drawing/2014/main" id="{F5F833A6-549E-410C-A759-09881DDEE1A1}"/>
+              </a:ext>
+            </a:extLst>
+          </p:cNvPr>
+          <p:cNvCxnSpPr>
+            <a:cxnSpLocks/>
+          </p:cNvCxnSpPr>
+          <p:nvPr/>
+        </p:nvCxnSpPr>
+        <p:spPr>
+          <a:xfrm>
+            <a:off x="3044066" y="737061"/>
+            <a:ext cx="0" cy="257693"/>
+          </a:xfrm>
+          <a:prstGeom prst="line">
+            <a:avLst/>
+          </a:prstGeom>
+        </p:spPr>
+        <p:style>
+          <a:lnRef idx="3">
+            <a:schemeClr val="accent1"/>
+          </a:lnRef>
+          <a:fillRef idx="0">
+            <a:schemeClr val="accent1"/>
+          </a:fillRef>
+          <a:effectRef idx="2">
+            <a:schemeClr val="accent1"/>
+          </a:effectRef>
+          <a:fontRef idx="minor">
+            <a:schemeClr val="tx1"/>
+          </a:fontRef>
+        </p:style>
+      </p:cxnSp>
+      <p:cxnSp>
+        <p:nvCxnSpPr>
+          <p:cNvPr id="32" name="Conector reto 31">
+            <a:extLst>
+              <a:ext uri="{FF2B5EF4-FFF2-40B4-BE49-F238E27FC236}">
+                <a16:creationId xmlns:a16="http://schemas.microsoft.com/office/drawing/2014/main" id="{C7F89F6F-5B86-4434-B3E8-A68BBCF4A7C8}"/>
+              </a:ext>
+            </a:extLst>
+          </p:cNvPr>
+          <p:cNvCxnSpPr>
+            <a:cxnSpLocks/>
+          </p:cNvCxnSpPr>
+          <p:nvPr/>
+        </p:nvCxnSpPr>
+        <p:spPr>
+          <a:xfrm>
+            <a:off x="2027811" y="737061"/>
+            <a:ext cx="0" cy="257693"/>
+          </a:xfrm>
+          <a:prstGeom prst="line">
+            <a:avLst/>
+          </a:prstGeom>
+        </p:spPr>
+        <p:style>
+          <a:lnRef idx="3">
+            <a:schemeClr val="accent1"/>
+          </a:lnRef>
+          <a:fillRef idx="0">
+            <a:schemeClr val="accent1"/>
+          </a:fillRef>
+          <a:effectRef idx="2">
+            <a:schemeClr val="accent1"/>
+          </a:effectRef>
+          <a:fontRef idx="minor">
+            <a:schemeClr val="tx1"/>
+          </a:fontRef>
+        </p:style>
+      </p:cxnSp>
+      <p:cxnSp>
+        <p:nvCxnSpPr>
+          <p:cNvPr id="33" name="Conector reto 32">
+            <a:extLst>
+              <a:ext uri="{FF2B5EF4-FFF2-40B4-BE49-F238E27FC236}">
+                <a16:creationId xmlns:a16="http://schemas.microsoft.com/office/drawing/2014/main" id="{87BFC56E-3A4F-45E5-919C-8448974E901E}"/>
+              </a:ext>
+            </a:extLst>
+          </p:cNvPr>
+          <p:cNvCxnSpPr>
+            <a:cxnSpLocks/>
+          </p:cNvCxnSpPr>
+          <p:nvPr/>
+        </p:nvCxnSpPr>
+        <p:spPr>
+          <a:xfrm>
+            <a:off x="3045500" y="842355"/>
+            <a:ext cx="1015735" cy="0"/>
+          </a:xfrm>
+          <a:prstGeom prst="line">
+            <a:avLst/>
+          </a:prstGeom>
+        </p:spPr>
+        <p:style>
+          <a:lnRef idx="3">
+            <a:schemeClr val="accent1"/>
+          </a:lnRef>
+          <a:fillRef idx="0">
+            <a:schemeClr val="accent1"/>
+          </a:fillRef>
+          <a:effectRef idx="2">
+            <a:schemeClr val="accent1"/>
+          </a:effectRef>
+          <a:fontRef idx="minor">
+            <a:schemeClr val="tx1"/>
+          </a:fontRef>
+        </p:style>
+      </p:cxnSp>
+      <p:cxnSp>
+        <p:nvCxnSpPr>
+          <p:cNvPr id="34" name="Conector reto 33">
+            <a:extLst>
+              <a:ext uri="{FF2B5EF4-FFF2-40B4-BE49-F238E27FC236}">
+                <a16:creationId xmlns:a16="http://schemas.microsoft.com/office/drawing/2014/main" id="{839270CF-D72A-465F-AFC3-F9D09A7230B6}"/>
+              </a:ext>
+            </a:extLst>
+          </p:cNvPr>
+          <p:cNvCxnSpPr>
+            <a:cxnSpLocks/>
+          </p:cNvCxnSpPr>
+          <p:nvPr/>
+        </p:nvCxnSpPr>
+        <p:spPr>
+          <a:xfrm>
+            <a:off x="4061235" y="737061"/>
+            <a:ext cx="0" cy="257693"/>
+          </a:xfrm>
+          <a:prstGeom prst="line">
+            <a:avLst/>
+          </a:prstGeom>
+        </p:spPr>
+        <p:style>
+          <a:lnRef idx="3">
+            <a:schemeClr val="accent1"/>
+          </a:lnRef>
+          <a:fillRef idx="0">
+            <a:schemeClr val="accent1"/>
+          </a:fillRef>
+          <a:effectRef idx="2">
+            <a:schemeClr val="accent1"/>
+          </a:effectRef>
+          <a:fontRef idx="minor">
+            <a:schemeClr val="tx1"/>
+          </a:fontRef>
+        </p:style>
+      </p:cxnSp>
+      <p:cxnSp>
+        <p:nvCxnSpPr>
+          <p:cNvPr id="35" name="Conector reto 34">
+            <a:extLst>
+              <a:ext uri="{FF2B5EF4-FFF2-40B4-BE49-F238E27FC236}">
+                <a16:creationId xmlns:a16="http://schemas.microsoft.com/office/drawing/2014/main" id="{26C21744-3621-4779-975C-CCD22C482089}"/>
+              </a:ext>
+            </a:extLst>
+          </p:cNvPr>
+          <p:cNvCxnSpPr>
+            <a:cxnSpLocks/>
+          </p:cNvCxnSpPr>
+          <p:nvPr/>
+        </p:nvCxnSpPr>
+        <p:spPr>
+          <a:xfrm>
+            <a:off x="3044980" y="737061"/>
+            <a:ext cx="0" cy="257693"/>
+          </a:xfrm>
+          <a:prstGeom prst="line">
+            <a:avLst/>
+          </a:prstGeom>
+        </p:spPr>
+        <p:style>
+          <a:lnRef idx="3">
+            <a:schemeClr val="accent1"/>
+          </a:lnRef>
+          <a:fillRef idx="0">
+            <a:schemeClr val="accent1"/>
+          </a:fillRef>
+          <a:effectRef idx="2">
+            <a:schemeClr val="accent1"/>
+          </a:effectRef>
+          <a:fontRef idx="minor">
+            <a:schemeClr val="tx1"/>
+          </a:fontRef>
+        </p:style>
+      </p:cxnSp>
+      <p:sp>
+        <p:nvSpPr>
+          <p:cNvPr id="40" name="CaixaDeTexto 39">
+            <a:extLst>
+              <a:ext uri="{FF2B5EF4-FFF2-40B4-BE49-F238E27FC236}">
+                <a16:creationId xmlns:a16="http://schemas.microsoft.com/office/drawing/2014/main" id="{2438D4DF-7E4E-42D7-A260-C5E9AC10F537}"/>
+              </a:ext>
+            </a:extLst>
+          </p:cNvPr>
+          <p:cNvSpPr txBox="1"/>
+          <p:nvPr/>
+        </p:nvSpPr>
+        <p:spPr>
+          <a:xfrm>
+            <a:off x="1702654" y="1166116"/>
+            <a:ext cx="306494" cy="369332"/>
+          </a:xfrm>
+          <a:prstGeom prst="rect">
+            <a:avLst/>
+          </a:prstGeom>
+          <a:noFill/>
+        </p:spPr>
+        <p:txBody>
+          <a:bodyPr wrap="none" rtlCol="0">
+            <a:spAutoFit/>
+          </a:bodyPr>
+          <a:lstStyle/>
+          <a:p>
+            <a:r>
+              <a:rPr lang="pt-BR" dirty="0"/>
+              <a:t>q</a:t>
+            </a:r>
+          </a:p>
+        </p:txBody>
+      </p:sp>
+      <p:sp>
+        <p:nvSpPr>
+          <p:cNvPr id="42" name="CaixaDeTexto 41">
+            <a:extLst>
+              <a:ext uri="{FF2B5EF4-FFF2-40B4-BE49-F238E27FC236}">
+                <a16:creationId xmlns:a16="http://schemas.microsoft.com/office/drawing/2014/main" id="{FE307AF0-E5B0-447E-B9DE-824773959881}"/>
+              </a:ext>
+            </a:extLst>
+          </p:cNvPr>
+          <p:cNvSpPr txBox="1"/>
+          <p:nvPr/>
+        </p:nvSpPr>
+        <p:spPr>
+          <a:xfrm>
+            <a:off x="4073936" y="1168433"/>
+            <a:ext cx="306494" cy="369332"/>
+          </a:xfrm>
+          <a:prstGeom prst="rect">
+            <a:avLst/>
+          </a:prstGeom>
+          <a:noFill/>
+        </p:spPr>
+        <p:txBody>
+          <a:bodyPr wrap="none" rtlCol="0">
+            <a:spAutoFit/>
+          </a:bodyPr>
+          <a:lstStyle/>
+          <a:p>
+            <a:r>
+              <a:rPr lang="pt-BR" dirty="0"/>
+              <a:t>q</a:t>
+            </a:r>
+          </a:p>
+        </p:txBody>
+      </p:sp>
+      <p:sp>
+        <p:nvSpPr>
+          <p:cNvPr id="49" name="CaixaDeTexto 48">
+            <a:extLst>
+              <a:ext uri="{FF2B5EF4-FFF2-40B4-BE49-F238E27FC236}">
+                <a16:creationId xmlns:a16="http://schemas.microsoft.com/office/drawing/2014/main" id="{A24EECA4-081F-408D-86FB-FFE4C11F19FC}"/>
+              </a:ext>
+            </a:extLst>
+          </p:cNvPr>
+          <p:cNvSpPr txBox="1"/>
+          <p:nvPr/>
+        </p:nvSpPr>
+        <p:spPr>
+          <a:xfrm>
+            <a:off x="1870912" y="370692"/>
+            <a:ext cx="296876" cy="369332"/>
+          </a:xfrm>
+          <a:prstGeom prst="rect">
+            <a:avLst/>
+          </a:prstGeom>
+          <a:noFill/>
+        </p:spPr>
+        <p:txBody>
+          <a:bodyPr wrap="none" rtlCol="0">
+            <a:spAutoFit/>
+          </a:bodyPr>
+          <a:lstStyle/>
+          <a:p>
+            <a:r>
+              <a:rPr lang="pt-BR" dirty="0"/>
+              <a:t>T</a:t>
+            </a:r>
+          </a:p>
+        </p:txBody>
+      </p:sp>
+      <p:sp>
+        <p:nvSpPr>
+          <p:cNvPr id="50" name="CaixaDeTexto 49">
+            <a:extLst>
+              <a:ext uri="{FF2B5EF4-FFF2-40B4-BE49-F238E27FC236}">
+                <a16:creationId xmlns:a16="http://schemas.microsoft.com/office/drawing/2014/main" id="{49A0E600-FC7F-4B67-9E75-E62381901DB7}"/>
+              </a:ext>
+            </a:extLst>
+          </p:cNvPr>
+          <p:cNvSpPr txBox="1"/>
+          <p:nvPr/>
+        </p:nvSpPr>
+        <p:spPr>
+          <a:xfrm>
+            <a:off x="1996366" y="526645"/>
+            <a:ext cx="263214" cy="276999"/>
+          </a:xfrm>
+          <a:prstGeom prst="rect">
+            <a:avLst/>
+          </a:prstGeom>
+          <a:noFill/>
+        </p:spPr>
+        <p:txBody>
+          <a:bodyPr wrap="none" rtlCol="0">
+            <a:spAutoFit/>
+          </a:bodyPr>
+          <a:lstStyle/>
+          <a:p>
+            <a:r>
+              <a:rPr lang="pt-BR" sz="1200" dirty="0"/>
+              <a:t>0</a:t>
+            </a:r>
+          </a:p>
+        </p:txBody>
+      </p:sp>
+      <p:sp>
+        <p:nvSpPr>
+          <p:cNvPr id="51" name="CaixaDeTexto 50">
+            <a:extLst>
+              <a:ext uri="{FF2B5EF4-FFF2-40B4-BE49-F238E27FC236}">
+                <a16:creationId xmlns:a16="http://schemas.microsoft.com/office/drawing/2014/main" id="{963C8923-A63F-4222-AB36-5E222273C39A}"/>
+              </a:ext>
+            </a:extLst>
+          </p:cNvPr>
+          <p:cNvSpPr txBox="1"/>
+          <p:nvPr/>
+        </p:nvSpPr>
+        <p:spPr>
+          <a:xfrm>
+            <a:off x="2885481" y="376185"/>
+            <a:ext cx="296876" cy="369332"/>
+          </a:xfrm>
+          <a:prstGeom prst="rect">
+            <a:avLst/>
+          </a:prstGeom>
+          <a:noFill/>
+        </p:spPr>
+        <p:txBody>
+          <a:bodyPr wrap="none" rtlCol="0">
+            <a:spAutoFit/>
+          </a:bodyPr>
+          <a:lstStyle/>
+          <a:p>
+            <a:r>
+              <a:rPr lang="pt-BR" dirty="0"/>
+              <a:t>T</a:t>
+            </a:r>
+          </a:p>
+        </p:txBody>
+      </p:sp>
+      <p:sp>
+        <p:nvSpPr>
+          <p:cNvPr id="52" name="CaixaDeTexto 51">
+            <a:extLst>
+              <a:ext uri="{FF2B5EF4-FFF2-40B4-BE49-F238E27FC236}">
+                <a16:creationId xmlns:a16="http://schemas.microsoft.com/office/drawing/2014/main" id="{1E490035-7681-4FA8-AF78-D227B57D08CA}"/>
+              </a:ext>
+            </a:extLst>
+          </p:cNvPr>
+          <p:cNvSpPr txBox="1"/>
+          <p:nvPr/>
+        </p:nvSpPr>
+        <p:spPr>
+          <a:xfrm>
+            <a:off x="3010935" y="532138"/>
+            <a:ext cx="263214" cy="276999"/>
+          </a:xfrm>
+          <a:prstGeom prst="rect">
+            <a:avLst/>
+          </a:prstGeom>
+          <a:noFill/>
+        </p:spPr>
+        <p:txBody>
+          <a:bodyPr wrap="none" rtlCol="0">
+            <a:spAutoFit/>
+          </a:bodyPr>
+          <a:lstStyle/>
+          <a:p>
+            <a:r>
+              <a:rPr lang="pt-BR" sz="1200" dirty="0"/>
+              <a:t>1</a:t>
+            </a:r>
+          </a:p>
+        </p:txBody>
+      </p:sp>
+      <p:sp>
+        <p:nvSpPr>
+          <p:cNvPr id="53" name="CaixaDeTexto 52">
+            <a:extLst>
+              <a:ext uri="{FF2B5EF4-FFF2-40B4-BE49-F238E27FC236}">
+                <a16:creationId xmlns:a16="http://schemas.microsoft.com/office/drawing/2014/main" id="{F71D2271-42EA-42CD-8629-ED2F26187DF4}"/>
+              </a:ext>
+            </a:extLst>
+          </p:cNvPr>
+          <p:cNvSpPr txBox="1"/>
+          <p:nvPr/>
+        </p:nvSpPr>
+        <p:spPr>
+          <a:xfrm>
+            <a:off x="3911363" y="369181"/>
+            <a:ext cx="296876" cy="369332"/>
+          </a:xfrm>
+          <a:prstGeom prst="rect">
+            <a:avLst/>
+          </a:prstGeom>
+          <a:noFill/>
+        </p:spPr>
+        <p:txBody>
+          <a:bodyPr wrap="none" rtlCol="0">
+            <a:spAutoFit/>
+          </a:bodyPr>
+          <a:lstStyle/>
+          <a:p>
+            <a:r>
+              <a:rPr lang="pt-BR" dirty="0"/>
+              <a:t>T</a:t>
+            </a:r>
+          </a:p>
+        </p:txBody>
+      </p:sp>
+      <p:sp>
+        <p:nvSpPr>
+          <p:cNvPr id="54" name="CaixaDeTexto 53">
+            <a:extLst>
+              <a:ext uri="{FF2B5EF4-FFF2-40B4-BE49-F238E27FC236}">
+                <a16:creationId xmlns:a16="http://schemas.microsoft.com/office/drawing/2014/main" id="{365C7ED5-4ABE-48CA-ABA4-D310768D6B88}"/>
+              </a:ext>
+            </a:extLst>
+          </p:cNvPr>
+          <p:cNvSpPr txBox="1"/>
+          <p:nvPr/>
+        </p:nvSpPr>
+        <p:spPr>
+          <a:xfrm>
+            <a:off x="4036817" y="525134"/>
+            <a:ext cx="263214" cy="276999"/>
+          </a:xfrm>
+          <a:prstGeom prst="rect">
+            <a:avLst/>
+          </a:prstGeom>
+          <a:noFill/>
+        </p:spPr>
+        <p:txBody>
+          <a:bodyPr wrap="none" rtlCol="0">
+            <a:spAutoFit/>
+          </a:bodyPr>
+          <a:lstStyle/>
+          <a:p>
+            <a:r>
+              <a:rPr lang="pt-BR" sz="1200" dirty="0"/>
+              <a:t>2</a:t>
+            </a:r>
+          </a:p>
+        </p:txBody>
+      </p:sp>
+      <p:cxnSp>
+        <p:nvCxnSpPr>
+          <p:cNvPr id="56" name="Conector de Seta Reta 55">
+            <a:extLst>
+              <a:ext uri="{FF2B5EF4-FFF2-40B4-BE49-F238E27FC236}">
+                <a16:creationId xmlns:a16="http://schemas.microsoft.com/office/drawing/2014/main" id="{9D24FA9F-05F5-45D0-84F5-B231578612CE}"/>
+              </a:ext>
+            </a:extLst>
+          </p:cNvPr>
+          <p:cNvCxnSpPr/>
+          <p:nvPr/>
+        </p:nvCxnSpPr>
+        <p:spPr>
+          <a:xfrm>
+            <a:off x="1758980" y="1560427"/>
+            <a:ext cx="223863" cy="0"/>
+          </a:xfrm>
+          <a:prstGeom prst="straightConnector1">
+            <a:avLst/>
+          </a:prstGeom>
+          <a:ln w="38100">
+            <a:tailEnd type="triangle"/>
+          </a:ln>
+        </p:spPr>
+        <p:style>
+          <a:lnRef idx="1">
+            <a:schemeClr val="accent1"/>
+          </a:lnRef>
+          <a:fillRef idx="0">
+            <a:schemeClr val="accent1"/>
+          </a:fillRef>
+          <a:effectRef idx="0">
+            <a:schemeClr val="accent1"/>
+          </a:effectRef>
+          <a:fontRef idx="minor">
+            <a:schemeClr val="tx1"/>
+          </a:fontRef>
+        </p:style>
+      </p:cxnSp>
+      <p:cxnSp>
+        <p:nvCxnSpPr>
+          <p:cNvPr id="57" name="Conector de Seta Reta 56">
+            <a:extLst>
+              <a:ext uri="{FF2B5EF4-FFF2-40B4-BE49-F238E27FC236}">
+                <a16:creationId xmlns:a16="http://schemas.microsoft.com/office/drawing/2014/main" id="{8D89C7BC-D583-41C4-A700-3632299C8099}"/>
+              </a:ext>
+            </a:extLst>
+          </p:cNvPr>
+          <p:cNvCxnSpPr/>
+          <p:nvPr/>
+        </p:nvCxnSpPr>
+        <p:spPr>
+          <a:xfrm>
+            <a:off x="4148537" y="1553321"/>
+            <a:ext cx="223863" cy="0"/>
+          </a:xfrm>
+          <a:prstGeom prst="straightConnector1">
+            <a:avLst/>
+          </a:prstGeom>
+          <a:ln w="38100">
+            <a:tailEnd type="triangle"/>
+          </a:ln>
+        </p:spPr>
+        <p:style>
+          <a:lnRef idx="1">
+            <a:schemeClr val="accent1"/>
+          </a:lnRef>
+          <a:fillRef idx="0">
+            <a:schemeClr val="accent1"/>
+          </a:fillRef>
+          <a:effectRef idx="0">
+            <a:schemeClr val="accent1"/>
+          </a:effectRef>
+          <a:fontRef idx="minor">
+            <a:schemeClr val="tx1"/>
+          </a:fontRef>
+        </p:style>
+      </p:cxnSp>
+    </p:spTree>
+    <p:extLst>
+      <p:ext uri="{BB962C8B-B14F-4D97-AF65-F5344CB8AC3E}">
+        <p14:creationId xmlns:p14="http://schemas.microsoft.com/office/powerpoint/2010/main" val="2976086887"/>
+      </p:ext>
+    </p:extLst>
+  </p:cSld>
+  <p:clrMapOvr>
+    <a:masterClrMapping/>
+  </p:clrMapOvr>
+</p:sld>
+</file>
+
 <file path=ppt/theme/theme1.xml><?xml version="1.0" encoding="utf-8"?>
 <a:theme xmlns:a="http://schemas.openxmlformats.org/drawingml/2006/main" name="Tema do Office">
   <a:themeElements>

--- a/imagens/ppt/desenhos_TCC.pptx
+++ b/imagens/ppt/desenhos_TCC.pptx
@@ -263,7 +263,7 @@
           <a:p>
             <a:fld id="{FF8DFCC8-87C9-4FC8-94E9-5E6D7726585C}" type="datetimeFigureOut">
               <a:rPr lang="pt-BR" smtClean="0"/>
-              <a:t>22/02/2022</a:t>
+              <a:t>06/04/2022</a:t>
             </a:fld>
             <a:endParaRPr lang="pt-BR"/>
           </a:p>
@@ -433,7 +433,7 @@
           <a:p>
             <a:fld id="{FF8DFCC8-87C9-4FC8-94E9-5E6D7726585C}" type="datetimeFigureOut">
               <a:rPr lang="pt-BR" smtClean="0"/>
-              <a:t>22/02/2022</a:t>
+              <a:t>06/04/2022</a:t>
             </a:fld>
             <a:endParaRPr lang="pt-BR"/>
           </a:p>
@@ -613,7 +613,7 @@
           <a:p>
             <a:fld id="{FF8DFCC8-87C9-4FC8-94E9-5E6D7726585C}" type="datetimeFigureOut">
               <a:rPr lang="pt-BR" smtClean="0"/>
-              <a:t>22/02/2022</a:t>
+              <a:t>06/04/2022</a:t>
             </a:fld>
             <a:endParaRPr lang="pt-BR"/>
           </a:p>
@@ -783,7 +783,7 @@
           <a:p>
             <a:fld id="{FF8DFCC8-87C9-4FC8-94E9-5E6D7726585C}" type="datetimeFigureOut">
               <a:rPr lang="pt-BR" smtClean="0"/>
-              <a:t>22/02/2022</a:t>
+              <a:t>06/04/2022</a:t>
             </a:fld>
             <a:endParaRPr lang="pt-BR"/>
           </a:p>
@@ -1027,7 +1027,7 @@
           <a:p>
             <a:fld id="{FF8DFCC8-87C9-4FC8-94E9-5E6D7726585C}" type="datetimeFigureOut">
               <a:rPr lang="pt-BR" smtClean="0"/>
-              <a:t>22/02/2022</a:t>
+              <a:t>06/04/2022</a:t>
             </a:fld>
             <a:endParaRPr lang="pt-BR"/>
           </a:p>
@@ -1259,7 +1259,7 @@
           <a:p>
             <a:fld id="{FF8DFCC8-87C9-4FC8-94E9-5E6D7726585C}" type="datetimeFigureOut">
               <a:rPr lang="pt-BR" smtClean="0"/>
-              <a:t>22/02/2022</a:t>
+              <a:t>06/04/2022</a:t>
             </a:fld>
             <a:endParaRPr lang="pt-BR"/>
           </a:p>
@@ -1626,7 +1626,7 @@
           <a:p>
             <a:fld id="{FF8DFCC8-87C9-4FC8-94E9-5E6D7726585C}" type="datetimeFigureOut">
               <a:rPr lang="pt-BR" smtClean="0"/>
-              <a:t>22/02/2022</a:t>
+              <a:t>06/04/2022</a:t>
             </a:fld>
             <a:endParaRPr lang="pt-BR"/>
           </a:p>
@@ -1744,7 +1744,7 @@
           <a:p>
             <a:fld id="{FF8DFCC8-87C9-4FC8-94E9-5E6D7726585C}" type="datetimeFigureOut">
               <a:rPr lang="pt-BR" smtClean="0"/>
-              <a:t>22/02/2022</a:t>
+              <a:t>06/04/2022</a:t>
             </a:fld>
             <a:endParaRPr lang="pt-BR"/>
           </a:p>
@@ -1839,7 +1839,7 @@
           <a:p>
             <a:fld id="{FF8DFCC8-87C9-4FC8-94E9-5E6D7726585C}" type="datetimeFigureOut">
               <a:rPr lang="pt-BR" smtClean="0"/>
-              <a:t>22/02/2022</a:t>
+              <a:t>06/04/2022</a:t>
             </a:fld>
             <a:endParaRPr lang="pt-BR"/>
           </a:p>
@@ -2116,7 +2116,7 @@
           <a:p>
             <a:fld id="{FF8DFCC8-87C9-4FC8-94E9-5E6D7726585C}" type="datetimeFigureOut">
               <a:rPr lang="pt-BR" smtClean="0"/>
-              <a:t>22/02/2022</a:t>
+              <a:t>06/04/2022</a:t>
             </a:fld>
             <a:endParaRPr lang="pt-BR"/>
           </a:p>
@@ -2373,7 +2373,7 @@
           <a:p>
             <a:fld id="{FF8DFCC8-87C9-4FC8-94E9-5E6D7726585C}" type="datetimeFigureOut">
               <a:rPr lang="pt-BR" smtClean="0"/>
-              <a:t>22/02/2022</a:t>
+              <a:t>06/04/2022</a:t>
             </a:fld>
             <a:endParaRPr lang="pt-BR"/>
           </a:p>
@@ -2586,7 +2586,7 @@
           <a:p>
             <a:fld id="{FF8DFCC8-87C9-4FC8-94E9-5E6D7726585C}" type="datetimeFigureOut">
               <a:rPr lang="pt-BR" smtClean="0"/>
-              <a:t>22/02/2022</a:t>
+              <a:t>06/04/2022</a:t>
             </a:fld>
             <a:endParaRPr lang="pt-BR"/>
           </a:p>
@@ -3598,7 +3598,7 @@
         <p:spPr>
           <a:xfrm>
             <a:off x="999305" y="135889"/>
-            <a:ext cx="827471" cy="369332"/>
+            <a:ext cx="546945" cy="369332"/>
           </a:xfrm>
           <a:prstGeom prst="rect">
             <a:avLst/>
@@ -3618,7 +3618,7 @@
           <a:p>
             <a:r>
               <a:rPr lang="pt-BR" dirty="0"/>
-              <a:t>T = n-1</a:t>
+              <a:t> n-1</a:t>
             </a:r>
           </a:p>
         </p:txBody>
@@ -3638,7 +3638,7 @@
         <p:spPr>
           <a:xfrm>
             <a:off x="4227473" y="135889"/>
-            <a:ext cx="639919" cy="369332"/>
+            <a:ext cx="359394" cy="369332"/>
           </a:xfrm>
           <a:prstGeom prst="rect">
             <a:avLst/>
@@ -3658,7 +3658,7 @@
           <a:p>
             <a:r>
               <a:rPr lang="pt-BR" dirty="0"/>
-              <a:t>T = n</a:t>
+              <a:t> n</a:t>
             </a:r>
           </a:p>
         </p:txBody>
@@ -4110,7 +4110,7 @@
         <p:spPr>
           <a:xfrm>
             <a:off x="5701729" y="1166076"/>
-            <a:ext cx="1279709" cy="369332"/>
+            <a:ext cx="1292533" cy="369332"/>
           </a:xfrm>
           <a:prstGeom prst="rect">
             <a:avLst/>
@@ -4125,7 +4125,7 @@
           <a:p>
             <a:r>
               <a:rPr lang="pt-BR" dirty="0"/>
-              <a:t>Perfil 2=z+1</a:t>
+              <a:t>Perfil 2=k+1</a:t>
             </a:r>
           </a:p>
         </p:txBody>
@@ -4431,7 +4431,7 @@
         <p:spPr>
           <a:xfrm>
             <a:off x="4536581" y="4196023"/>
-            <a:ext cx="519694" cy="277127"/>
+            <a:ext cx="529312" cy="277127"/>
           </a:xfrm>
           <a:prstGeom prst="rect">
             <a:avLst/>
@@ -4446,7 +4446,7 @@
           <a:p>
             <a:r>
               <a:rPr lang="pt-BR" sz="1201" dirty="0"/>
-              <a:t>i,j-1,z</a:t>
+              <a:t>i,j-1,k</a:t>
             </a:r>
             <a:endParaRPr lang="pt-BR" dirty="0"/>
           </a:p>
@@ -4467,7 +4467,7 @@
         <p:spPr>
           <a:xfrm>
             <a:off x="4556383" y="5515576"/>
-            <a:ext cx="519694" cy="277127"/>
+            <a:ext cx="529312" cy="277127"/>
           </a:xfrm>
           <a:prstGeom prst="rect">
             <a:avLst/>
@@ -4482,7 +4482,7 @@
           <a:p>
             <a:r>
               <a:rPr lang="pt-BR" sz="1201" dirty="0"/>
-              <a:t>i,j,z-1</a:t>
+              <a:t>i,j,k-1</a:t>
             </a:r>
             <a:endParaRPr lang="pt-BR" dirty="0"/>
           </a:p>
@@ -18187,7 +18187,7 @@
         </p:nvSpPr>
         <p:spPr>
           <a:xfrm>
-            <a:off x="946971" y="2266716"/>
+            <a:off x="946971" y="2269195"/>
             <a:ext cx="436338" cy="369332"/>
           </a:xfrm>
           <a:prstGeom prst="rect">
@@ -18222,7 +18222,7 @@
         </p:nvSpPr>
         <p:spPr>
           <a:xfrm>
-            <a:off x="2877049" y="2267499"/>
+            <a:off x="3097067" y="2242452"/>
             <a:ext cx="447558" cy="369332"/>
           </a:xfrm>
           <a:prstGeom prst="rect">
@@ -18239,6 +18239,146 @@
             <a:r>
               <a:rPr lang="pt-BR" dirty="0"/>
               <a:t>(b)</a:t>
+            </a:r>
+          </a:p>
+        </p:txBody>
+      </p:sp>
+      <p:sp>
+        <p:nvSpPr>
+          <p:cNvPr id="2" name="CaixaDeTexto 1">
+            <a:extLst>
+              <a:ext uri="{FF2B5EF4-FFF2-40B4-BE49-F238E27FC236}">
+                <a16:creationId xmlns:a16="http://schemas.microsoft.com/office/drawing/2014/main" id="{BF24360D-DB8D-4A49-B1CE-AC7F6EA9BB67}"/>
+              </a:ext>
+            </a:extLst>
+          </p:cNvPr>
+          <p:cNvSpPr txBox="1"/>
+          <p:nvPr/>
+        </p:nvSpPr>
+        <p:spPr>
+          <a:xfrm>
+            <a:off x="150599" y="1874172"/>
+            <a:ext cx="288862" cy="369332"/>
+          </a:xfrm>
+          <a:prstGeom prst="rect">
+            <a:avLst/>
+          </a:prstGeom>
+          <a:noFill/>
+        </p:spPr>
+        <p:txBody>
+          <a:bodyPr wrap="none" rtlCol="0">
+            <a:spAutoFit/>
+          </a:bodyPr>
+          <a:lstStyle/>
+          <a:p>
+            <a:r>
+              <a:rPr lang="pt-BR" dirty="0"/>
+              <a:t>y</a:t>
+            </a:r>
+          </a:p>
+        </p:txBody>
+      </p:sp>
+      <p:sp>
+        <p:nvSpPr>
+          <p:cNvPr id="75" name="CaixaDeTexto 74">
+            <a:extLst>
+              <a:ext uri="{FF2B5EF4-FFF2-40B4-BE49-F238E27FC236}">
+                <a16:creationId xmlns:a16="http://schemas.microsoft.com/office/drawing/2014/main" id="{3CF2764C-61A8-4F72-845A-572733241D6E}"/>
+              </a:ext>
+            </a:extLst>
+          </p:cNvPr>
+          <p:cNvSpPr txBox="1"/>
+          <p:nvPr/>
+        </p:nvSpPr>
+        <p:spPr>
+          <a:xfrm>
+            <a:off x="2198216" y="1846074"/>
+            <a:ext cx="288862" cy="369332"/>
+          </a:xfrm>
+          <a:prstGeom prst="rect">
+            <a:avLst/>
+          </a:prstGeom>
+          <a:noFill/>
+        </p:spPr>
+        <p:txBody>
+          <a:bodyPr wrap="none" rtlCol="0">
+            <a:spAutoFit/>
+          </a:bodyPr>
+          <a:lstStyle/>
+          <a:p>
+            <a:r>
+              <a:rPr lang="pt-BR" dirty="0"/>
+              <a:t>y</a:t>
+            </a:r>
+          </a:p>
+        </p:txBody>
+      </p:sp>
+      <p:sp>
+        <p:nvSpPr>
+          <p:cNvPr id="76" name="CaixaDeTexto 75">
+            <a:extLst>
+              <a:ext uri="{FF2B5EF4-FFF2-40B4-BE49-F238E27FC236}">
+                <a16:creationId xmlns:a16="http://schemas.microsoft.com/office/drawing/2014/main" id="{C5F4EBE2-5233-4048-9840-6588EE7265BF}"/>
+              </a:ext>
+            </a:extLst>
+          </p:cNvPr>
+          <p:cNvSpPr txBox="1"/>
+          <p:nvPr/>
+        </p:nvSpPr>
+        <p:spPr>
+          <a:xfrm>
+            <a:off x="518982" y="2169240"/>
+            <a:ext cx="288862" cy="369332"/>
+          </a:xfrm>
+          <a:prstGeom prst="rect">
+            <a:avLst/>
+          </a:prstGeom>
+          <a:noFill/>
+        </p:spPr>
+        <p:txBody>
+          <a:bodyPr wrap="none" rtlCol="0">
+            <a:spAutoFit/>
+          </a:bodyPr>
+          <a:lstStyle/>
+          <a:p>
+            <a:r>
+              <a:rPr lang="pt-BR" dirty="0"/>
+              <a:t>x</a:t>
+            </a:r>
+          </a:p>
+        </p:txBody>
+      </p:sp>
+      <p:sp>
+        <p:nvSpPr>
+          <p:cNvPr id="77" name="CaixaDeTexto 76">
+            <a:extLst>
+              <a:ext uri="{FF2B5EF4-FFF2-40B4-BE49-F238E27FC236}">
+                <a16:creationId xmlns:a16="http://schemas.microsoft.com/office/drawing/2014/main" id="{1BF2666E-5B50-495A-8418-3078C9C54611}"/>
+              </a:ext>
+            </a:extLst>
+          </p:cNvPr>
+          <p:cNvSpPr txBox="1"/>
+          <p:nvPr/>
+        </p:nvSpPr>
+        <p:spPr>
+          <a:xfrm>
+            <a:off x="2491918" y="2134259"/>
+            <a:ext cx="288862" cy="369332"/>
+          </a:xfrm>
+          <a:prstGeom prst="rect">
+            <a:avLst/>
+          </a:prstGeom>
+          <a:noFill/>
+        </p:spPr>
+        <p:txBody>
+          <a:bodyPr wrap="none" rtlCol="0">
+            <a:spAutoFit/>
+          </a:bodyPr>
+          <a:lstStyle/>
+          <a:p>
+            <a:r>
+              <a:rPr lang="pt-BR" dirty="0"/>
+              <a:t>x</a:t>
             </a:r>
           </a:p>
         </p:txBody>
@@ -20987,7 +21127,7 @@
         </p:nvSpPr>
         <p:spPr>
           <a:xfrm>
-            <a:off x="2877049" y="2267499"/>
+            <a:off x="3097067" y="2266716"/>
             <a:ext cx="447558" cy="369332"/>
           </a:xfrm>
           <a:prstGeom prst="rect">
@@ -21160,6 +21300,146 @@
           </a:fontRef>
         </p:style>
       </p:cxnSp>
+      <p:sp>
+        <p:nvSpPr>
+          <p:cNvPr id="79" name="CaixaDeTexto 78">
+            <a:extLst>
+              <a:ext uri="{FF2B5EF4-FFF2-40B4-BE49-F238E27FC236}">
+                <a16:creationId xmlns:a16="http://schemas.microsoft.com/office/drawing/2014/main" id="{DDC5D6FE-BB19-4FBB-9C62-AE56EF3C1CAE}"/>
+              </a:ext>
+            </a:extLst>
+          </p:cNvPr>
+          <p:cNvSpPr txBox="1"/>
+          <p:nvPr/>
+        </p:nvSpPr>
+        <p:spPr>
+          <a:xfrm>
+            <a:off x="150599" y="1874172"/>
+            <a:ext cx="288862" cy="369332"/>
+          </a:xfrm>
+          <a:prstGeom prst="rect">
+            <a:avLst/>
+          </a:prstGeom>
+          <a:noFill/>
+        </p:spPr>
+        <p:txBody>
+          <a:bodyPr wrap="none" rtlCol="0">
+            <a:spAutoFit/>
+          </a:bodyPr>
+          <a:lstStyle/>
+          <a:p>
+            <a:r>
+              <a:rPr lang="pt-BR" dirty="0"/>
+              <a:t>y</a:t>
+            </a:r>
+          </a:p>
+        </p:txBody>
+      </p:sp>
+      <p:sp>
+        <p:nvSpPr>
+          <p:cNvPr id="80" name="CaixaDeTexto 79">
+            <a:extLst>
+              <a:ext uri="{FF2B5EF4-FFF2-40B4-BE49-F238E27FC236}">
+                <a16:creationId xmlns:a16="http://schemas.microsoft.com/office/drawing/2014/main" id="{C6D5F531-75BD-4802-95C4-5FF4C6DEAFEC}"/>
+              </a:ext>
+            </a:extLst>
+          </p:cNvPr>
+          <p:cNvSpPr txBox="1"/>
+          <p:nvPr/>
+        </p:nvSpPr>
+        <p:spPr>
+          <a:xfrm>
+            <a:off x="2198216" y="1846074"/>
+            <a:ext cx="288862" cy="369332"/>
+          </a:xfrm>
+          <a:prstGeom prst="rect">
+            <a:avLst/>
+          </a:prstGeom>
+          <a:noFill/>
+        </p:spPr>
+        <p:txBody>
+          <a:bodyPr wrap="none" rtlCol="0">
+            <a:spAutoFit/>
+          </a:bodyPr>
+          <a:lstStyle/>
+          <a:p>
+            <a:r>
+              <a:rPr lang="pt-BR" dirty="0"/>
+              <a:t>y</a:t>
+            </a:r>
+          </a:p>
+        </p:txBody>
+      </p:sp>
+      <p:sp>
+        <p:nvSpPr>
+          <p:cNvPr id="81" name="CaixaDeTexto 80">
+            <a:extLst>
+              <a:ext uri="{FF2B5EF4-FFF2-40B4-BE49-F238E27FC236}">
+                <a16:creationId xmlns:a16="http://schemas.microsoft.com/office/drawing/2014/main" id="{FE404A46-448D-4FEA-8A2C-C0D0B05A58AE}"/>
+              </a:ext>
+            </a:extLst>
+          </p:cNvPr>
+          <p:cNvSpPr txBox="1"/>
+          <p:nvPr/>
+        </p:nvSpPr>
+        <p:spPr>
+          <a:xfrm>
+            <a:off x="518982" y="2169240"/>
+            <a:ext cx="288862" cy="369332"/>
+          </a:xfrm>
+          <a:prstGeom prst="rect">
+            <a:avLst/>
+          </a:prstGeom>
+          <a:noFill/>
+        </p:spPr>
+        <p:txBody>
+          <a:bodyPr wrap="none" rtlCol="0">
+            <a:spAutoFit/>
+          </a:bodyPr>
+          <a:lstStyle/>
+          <a:p>
+            <a:r>
+              <a:rPr lang="pt-BR" dirty="0"/>
+              <a:t>x</a:t>
+            </a:r>
+          </a:p>
+        </p:txBody>
+      </p:sp>
+      <p:sp>
+        <p:nvSpPr>
+          <p:cNvPr id="82" name="CaixaDeTexto 81">
+            <a:extLst>
+              <a:ext uri="{FF2B5EF4-FFF2-40B4-BE49-F238E27FC236}">
+                <a16:creationId xmlns:a16="http://schemas.microsoft.com/office/drawing/2014/main" id="{1C4673A9-161C-4464-A382-5BA00CF4B043}"/>
+              </a:ext>
+            </a:extLst>
+          </p:cNvPr>
+          <p:cNvSpPr txBox="1"/>
+          <p:nvPr/>
+        </p:nvSpPr>
+        <p:spPr>
+          <a:xfrm>
+            <a:off x="2491918" y="2134259"/>
+            <a:ext cx="288862" cy="369332"/>
+          </a:xfrm>
+          <a:prstGeom prst="rect">
+            <a:avLst/>
+          </a:prstGeom>
+          <a:noFill/>
+        </p:spPr>
+        <p:txBody>
+          <a:bodyPr wrap="none" rtlCol="0">
+            <a:spAutoFit/>
+          </a:bodyPr>
+          <a:lstStyle/>
+          <a:p>
+            <a:r>
+              <a:rPr lang="pt-BR" dirty="0"/>
+              <a:t>x</a:t>
+            </a:r>
+          </a:p>
+        </p:txBody>
+      </p:sp>
     </p:spTree>
     <p:extLst>
       <p:ext uri="{BB962C8B-B14F-4D97-AF65-F5344CB8AC3E}">

--- a/imagens/ppt/desenhos_TCC.pptx
+++ b/imagens/ppt/desenhos_TCC.pptx
@@ -15,6 +15,8 @@
     <p:sldId id="263" r:id="rId9"/>
     <p:sldId id="264" r:id="rId10"/>
     <p:sldId id="265" r:id="rId11"/>
+    <p:sldId id="266" r:id="rId12"/>
+    <p:sldId id="267" r:id="rId13"/>
   </p:sldIdLst>
   <p:sldSz cx="7199313" cy="6858000"/>
   <p:notesSz cx="6858000" cy="9144000"/>
@@ -263,7 +265,7 @@
           <a:p>
             <a:fld id="{FF8DFCC8-87C9-4FC8-94E9-5E6D7726585C}" type="datetimeFigureOut">
               <a:rPr lang="pt-BR" smtClean="0"/>
-              <a:t>06/04/2022</a:t>
+              <a:t>05/05/2022</a:t>
             </a:fld>
             <a:endParaRPr lang="pt-BR"/>
           </a:p>
@@ -433,7 +435,7 @@
           <a:p>
             <a:fld id="{FF8DFCC8-87C9-4FC8-94E9-5E6D7726585C}" type="datetimeFigureOut">
               <a:rPr lang="pt-BR" smtClean="0"/>
-              <a:t>06/04/2022</a:t>
+              <a:t>05/05/2022</a:t>
             </a:fld>
             <a:endParaRPr lang="pt-BR"/>
           </a:p>
@@ -613,7 +615,7 @@
           <a:p>
             <a:fld id="{FF8DFCC8-87C9-4FC8-94E9-5E6D7726585C}" type="datetimeFigureOut">
               <a:rPr lang="pt-BR" smtClean="0"/>
-              <a:t>06/04/2022</a:t>
+              <a:t>05/05/2022</a:t>
             </a:fld>
             <a:endParaRPr lang="pt-BR"/>
           </a:p>
@@ -783,7 +785,7 @@
           <a:p>
             <a:fld id="{FF8DFCC8-87C9-4FC8-94E9-5E6D7726585C}" type="datetimeFigureOut">
               <a:rPr lang="pt-BR" smtClean="0"/>
-              <a:t>06/04/2022</a:t>
+              <a:t>05/05/2022</a:t>
             </a:fld>
             <a:endParaRPr lang="pt-BR"/>
           </a:p>
@@ -1027,7 +1029,7 @@
           <a:p>
             <a:fld id="{FF8DFCC8-87C9-4FC8-94E9-5E6D7726585C}" type="datetimeFigureOut">
               <a:rPr lang="pt-BR" smtClean="0"/>
-              <a:t>06/04/2022</a:t>
+              <a:t>05/05/2022</a:t>
             </a:fld>
             <a:endParaRPr lang="pt-BR"/>
           </a:p>
@@ -1259,7 +1261,7 @@
           <a:p>
             <a:fld id="{FF8DFCC8-87C9-4FC8-94E9-5E6D7726585C}" type="datetimeFigureOut">
               <a:rPr lang="pt-BR" smtClean="0"/>
-              <a:t>06/04/2022</a:t>
+              <a:t>05/05/2022</a:t>
             </a:fld>
             <a:endParaRPr lang="pt-BR"/>
           </a:p>
@@ -1626,7 +1628,7 @@
           <a:p>
             <a:fld id="{FF8DFCC8-87C9-4FC8-94E9-5E6D7726585C}" type="datetimeFigureOut">
               <a:rPr lang="pt-BR" smtClean="0"/>
-              <a:t>06/04/2022</a:t>
+              <a:t>05/05/2022</a:t>
             </a:fld>
             <a:endParaRPr lang="pt-BR"/>
           </a:p>
@@ -1744,7 +1746,7 @@
           <a:p>
             <a:fld id="{FF8DFCC8-87C9-4FC8-94E9-5E6D7726585C}" type="datetimeFigureOut">
               <a:rPr lang="pt-BR" smtClean="0"/>
-              <a:t>06/04/2022</a:t>
+              <a:t>05/05/2022</a:t>
             </a:fld>
             <a:endParaRPr lang="pt-BR"/>
           </a:p>
@@ -1839,7 +1841,7 @@
           <a:p>
             <a:fld id="{FF8DFCC8-87C9-4FC8-94E9-5E6D7726585C}" type="datetimeFigureOut">
               <a:rPr lang="pt-BR" smtClean="0"/>
-              <a:t>06/04/2022</a:t>
+              <a:t>05/05/2022</a:t>
             </a:fld>
             <a:endParaRPr lang="pt-BR"/>
           </a:p>
@@ -2116,7 +2118,7 @@
           <a:p>
             <a:fld id="{FF8DFCC8-87C9-4FC8-94E9-5E6D7726585C}" type="datetimeFigureOut">
               <a:rPr lang="pt-BR" smtClean="0"/>
-              <a:t>06/04/2022</a:t>
+              <a:t>05/05/2022</a:t>
             </a:fld>
             <a:endParaRPr lang="pt-BR"/>
           </a:p>
@@ -2373,7 +2375,7 @@
           <a:p>
             <a:fld id="{FF8DFCC8-87C9-4FC8-94E9-5E6D7726585C}" type="datetimeFigureOut">
               <a:rPr lang="pt-BR" smtClean="0"/>
-              <a:t>06/04/2022</a:t>
+              <a:t>05/05/2022</a:t>
             </a:fld>
             <a:endParaRPr lang="pt-BR"/>
           </a:p>
@@ -2586,7 +2588,7 @@
           <a:p>
             <a:fld id="{FF8DFCC8-87C9-4FC8-94E9-5E6D7726585C}" type="datetimeFigureOut">
               <a:rPr lang="pt-BR" smtClean="0"/>
-              <a:t>06/04/2022</a:t>
+              <a:t>05/05/2022</a:t>
             </a:fld>
             <a:endParaRPr lang="pt-BR"/>
           </a:p>
@@ -5271,6 +5273,3796 @@
     <p:extLst>
       <p:ext uri="{BB962C8B-B14F-4D97-AF65-F5344CB8AC3E}">
         <p14:creationId xmlns:p14="http://schemas.microsoft.com/office/powerpoint/2010/main" val="173018023"/>
+      </p:ext>
+    </p:extLst>
+  </p:cSld>
+  <p:clrMapOvr>
+    <a:masterClrMapping/>
+  </p:clrMapOvr>
+</p:sld>
+</file>
+
+<file path=ppt/slides/slide11.xml><?xml version="1.0" encoding="utf-8"?>
+<p:sld xmlns:a="http://schemas.openxmlformats.org/drawingml/2006/main" xmlns:r="http://schemas.openxmlformats.org/officeDocument/2006/relationships" xmlns:p="http://schemas.openxmlformats.org/presentationml/2006/main">
+  <p:cSld>
+    <p:spTree>
+      <p:nvGrpSpPr>
+        <p:cNvPr id="1" name=""/>
+        <p:cNvGrpSpPr/>
+        <p:nvPr/>
+      </p:nvGrpSpPr>
+      <p:grpSpPr>
+        <a:xfrm>
+          <a:off x="0" y="0"/>
+          <a:ext cx="0" cy="0"/>
+          <a:chOff x="0" y="0"/>
+          <a:chExt cx="0" cy="0"/>
+        </a:xfrm>
+      </p:grpSpPr>
+      <p:sp>
+        <p:nvSpPr>
+          <p:cNvPr id="4" name="Retângulo 3">
+            <a:extLst>
+              <a:ext uri="{FF2B5EF4-FFF2-40B4-BE49-F238E27FC236}">
+                <a16:creationId xmlns:a16="http://schemas.microsoft.com/office/drawing/2014/main" id="{003499EE-0A8C-2622-7900-2AFCB5E91588}"/>
+              </a:ext>
+            </a:extLst>
+          </p:cNvPr>
+          <p:cNvSpPr/>
+          <p:nvPr/>
+        </p:nvSpPr>
+        <p:spPr>
+          <a:xfrm>
+            <a:off x="232898" y="2032031"/>
+            <a:ext cx="1235973" cy="750114"/>
+          </a:xfrm>
+          <a:prstGeom prst="rect">
+            <a:avLst/>
+          </a:prstGeom>
+        </p:spPr>
+        <p:style>
+          <a:lnRef idx="2">
+            <a:schemeClr val="accent1">
+              <a:shade val="50000"/>
+            </a:schemeClr>
+          </a:lnRef>
+          <a:fillRef idx="1">
+            <a:schemeClr val="accent1"/>
+          </a:fillRef>
+          <a:effectRef idx="0">
+            <a:schemeClr val="accent1"/>
+          </a:effectRef>
+          <a:fontRef idx="minor">
+            <a:schemeClr val="lt1"/>
+          </a:fontRef>
+        </p:style>
+        <p:txBody>
+          <a:bodyPr rtlCol="0" anchor="ctr"/>
+          <a:lstStyle/>
+          <a:p>
+            <a:pPr algn="ctr"/>
+            <a:endParaRPr lang="pt-BR" dirty="0"/>
+          </a:p>
+        </p:txBody>
+      </p:sp>
+      <p:sp>
+        <p:nvSpPr>
+          <p:cNvPr id="5" name="Retângulo 4">
+            <a:extLst>
+              <a:ext uri="{FF2B5EF4-FFF2-40B4-BE49-F238E27FC236}">
+                <a16:creationId xmlns:a16="http://schemas.microsoft.com/office/drawing/2014/main" id="{33102406-B7F4-EA39-85E8-FA3683FDAE32}"/>
+              </a:ext>
+            </a:extLst>
+          </p:cNvPr>
+          <p:cNvSpPr/>
+          <p:nvPr/>
+        </p:nvSpPr>
+        <p:spPr>
+          <a:xfrm>
+            <a:off x="2248544" y="2067497"/>
+            <a:ext cx="112203" cy="648238"/>
+          </a:xfrm>
+          <a:prstGeom prst="rect">
+            <a:avLst/>
+          </a:prstGeom>
+        </p:spPr>
+        <p:style>
+          <a:lnRef idx="2">
+            <a:schemeClr val="accent1">
+              <a:shade val="50000"/>
+            </a:schemeClr>
+          </a:lnRef>
+          <a:fillRef idx="1">
+            <a:schemeClr val="accent1"/>
+          </a:fillRef>
+          <a:effectRef idx="0">
+            <a:schemeClr val="accent1"/>
+          </a:effectRef>
+          <a:fontRef idx="minor">
+            <a:schemeClr val="lt1"/>
+          </a:fontRef>
+        </p:style>
+        <p:txBody>
+          <a:bodyPr rtlCol="0" anchor="ctr"/>
+          <a:lstStyle/>
+          <a:p>
+            <a:pPr algn="ctr"/>
+            <a:endParaRPr lang="pt-BR"/>
+          </a:p>
+        </p:txBody>
+      </p:sp>
+      <p:sp>
+        <p:nvSpPr>
+          <p:cNvPr id="6" name="Retângulo 5">
+            <a:extLst>
+              <a:ext uri="{FF2B5EF4-FFF2-40B4-BE49-F238E27FC236}">
+                <a16:creationId xmlns:a16="http://schemas.microsoft.com/office/drawing/2014/main" id="{A0E6D889-97A3-3BEF-23F1-70FA9E94CF04}"/>
+              </a:ext>
+            </a:extLst>
+          </p:cNvPr>
+          <p:cNvSpPr/>
+          <p:nvPr/>
+        </p:nvSpPr>
+        <p:spPr>
+          <a:xfrm>
+            <a:off x="2477107" y="2067497"/>
+            <a:ext cx="112202" cy="648238"/>
+          </a:xfrm>
+          <a:prstGeom prst="rect">
+            <a:avLst/>
+          </a:prstGeom>
+        </p:spPr>
+        <p:style>
+          <a:lnRef idx="2">
+            <a:schemeClr val="accent1">
+              <a:shade val="50000"/>
+            </a:schemeClr>
+          </a:lnRef>
+          <a:fillRef idx="1">
+            <a:schemeClr val="accent1"/>
+          </a:fillRef>
+          <a:effectRef idx="0">
+            <a:schemeClr val="accent1"/>
+          </a:effectRef>
+          <a:fontRef idx="minor">
+            <a:schemeClr val="lt1"/>
+          </a:fontRef>
+        </p:style>
+        <p:txBody>
+          <a:bodyPr rtlCol="0" anchor="ctr"/>
+          <a:lstStyle/>
+          <a:p>
+            <a:pPr algn="ctr"/>
+            <a:endParaRPr lang="pt-BR"/>
+          </a:p>
+        </p:txBody>
+      </p:sp>
+      <p:sp>
+        <p:nvSpPr>
+          <p:cNvPr id="7" name="Retângulo 6">
+            <a:extLst>
+              <a:ext uri="{FF2B5EF4-FFF2-40B4-BE49-F238E27FC236}">
+                <a16:creationId xmlns:a16="http://schemas.microsoft.com/office/drawing/2014/main" id="{2714C558-0AA1-C00E-3252-A34720EF1BD4}"/>
+              </a:ext>
+            </a:extLst>
+          </p:cNvPr>
+          <p:cNvSpPr/>
+          <p:nvPr/>
+        </p:nvSpPr>
+        <p:spPr>
+          <a:xfrm>
+            <a:off x="2705669" y="2067497"/>
+            <a:ext cx="112202" cy="648238"/>
+          </a:xfrm>
+          <a:prstGeom prst="rect">
+            <a:avLst/>
+          </a:prstGeom>
+        </p:spPr>
+        <p:style>
+          <a:lnRef idx="2">
+            <a:schemeClr val="accent1">
+              <a:shade val="50000"/>
+            </a:schemeClr>
+          </a:lnRef>
+          <a:fillRef idx="1">
+            <a:schemeClr val="accent1"/>
+          </a:fillRef>
+          <a:effectRef idx="0">
+            <a:schemeClr val="accent1"/>
+          </a:effectRef>
+          <a:fontRef idx="minor">
+            <a:schemeClr val="lt1"/>
+          </a:fontRef>
+        </p:style>
+        <p:txBody>
+          <a:bodyPr rtlCol="0" anchor="ctr"/>
+          <a:lstStyle/>
+          <a:p>
+            <a:pPr algn="ctr"/>
+            <a:endParaRPr lang="pt-BR"/>
+          </a:p>
+        </p:txBody>
+      </p:sp>
+      <p:sp>
+        <p:nvSpPr>
+          <p:cNvPr id="8" name="Retângulo 7">
+            <a:extLst>
+              <a:ext uri="{FF2B5EF4-FFF2-40B4-BE49-F238E27FC236}">
+                <a16:creationId xmlns:a16="http://schemas.microsoft.com/office/drawing/2014/main" id="{1E1BD104-96E6-63AC-DB44-E93BA2A354EA}"/>
+              </a:ext>
+            </a:extLst>
+          </p:cNvPr>
+          <p:cNvSpPr/>
+          <p:nvPr/>
+        </p:nvSpPr>
+        <p:spPr>
+          <a:xfrm>
+            <a:off x="2934231" y="2067497"/>
+            <a:ext cx="112202" cy="648238"/>
+          </a:xfrm>
+          <a:prstGeom prst="rect">
+            <a:avLst/>
+          </a:prstGeom>
+        </p:spPr>
+        <p:style>
+          <a:lnRef idx="2">
+            <a:schemeClr val="accent1">
+              <a:shade val="50000"/>
+            </a:schemeClr>
+          </a:lnRef>
+          <a:fillRef idx="1">
+            <a:schemeClr val="accent1"/>
+          </a:fillRef>
+          <a:effectRef idx="0">
+            <a:schemeClr val="accent1"/>
+          </a:effectRef>
+          <a:fontRef idx="minor">
+            <a:schemeClr val="lt1"/>
+          </a:fontRef>
+        </p:style>
+        <p:txBody>
+          <a:bodyPr rtlCol="0" anchor="ctr"/>
+          <a:lstStyle/>
+          <a:p>
+            <a:pPr algn="ctr"/>
+            <a:endParaRPr lang="pt-BR"/>
+          </a:p>
+        </p:txBody>
+      </p:sp>
+      <p:sp>
+        <p:nvSpPr>
+          <p:cNvPr id="9" name="Retângulo 8">
+            <a:extLst>
+              <a:ext uri="{FF2B5EF4-FFF2-40B4-BE49-F238E27FC236}">
+                <a16:creationId xmlns:a16="http://schemas.microsoft.com/office/drawing/2014/main" id="{02F29076-D1E9-9491-8885-E505C4C65823}"/>
+              </a:ext>
+            </a:extLst>
+          </p:cNvPr>
+          <p:cNvSpPr/>
+          <p:nvPr/>
+        </p:nvSpPr>
+        <p:spPr>
+          <a:xfrm>
+            <a:off x="3162793" y="2067497"/>
+            <a:ext cx="112202" cy="648238"/>
+          </a:xfrm>
+          <a:prstGeom prst="rect">
+            <a:avLst/>
+          </a:prstGeom>
+        </p:spPr>
+        <p:style>
+          <a:lnRef idx="2">
+            <a:schemeClr val="accent1">
+              <a:shade val="50000"/>
+            </a:schemeClr>
+          </a:lnRef>
+          <a:fillRef idx="1">
+            <a:schemeClr val="accent1"/>
+          </a:fillRef>
+          <a:effectRef idx="0">
+            <a:schemeClr val="accent1"/>
+          </a:effectRef>
+          <a:fontRef idx="minor">
+            <a:schemeClr val="lt1"/>
+          </a:fontRef>
+        </p:style>
+        <p:txBody>
+          <a:bodyPr rtlCol="0" anchor="ctr"/>
+          <a:lstStyle/>
+          <a:p>
+            <a:pPr algn="ctr"/>
+            <a:endParaRPr lang="pt-BR"/>
+          </a:p>
+        </p:txBody>
+      </p:sp>
+      <p:sp>
+        <p:nvSpPr>
+          <p:cNvPr id="10" name="Retângulo 9">
+            <a:extLst>
+              <a:ext uri="{FF2B5EF4-FFF2-40B4-BE49-F238E27FC236}">
+                <a16:creationId xmlns:a16="http://schemas.microsoft.com/office/drawing/2014/main" id="{766504FE-80F4-83EF-D522-A43DED040D48}"/>
+              </a:ext>
+            </a:extLst>
+          </p:cNvPr>
+          <p:cNvSpPr/>
+          <p:nvPr/>
+        </p:nvSpPr>
+        <p:spPr>
+          <a:xfrm>
+            <a:off x="3391355" y="2067497"/>
+            <a:ext cx="112202" cy="648238"/>
+          </a:xfrm>
+          <a:prstGeom prst="rect">
+            <a:avLst/>
+          </a:prstGeom>
+        </p:spPr>
+        <p:style>
+          <a:lnRef idx="2">
+            <a:schemeClr val="accent1">
+              <a:shade val="50000"/>
+            </a:schemeClr>
+          </a:lnRef>
+          <a:fillRef idx="1">
+            <a:schemeClr val="accent1"/>
+          </a:fillRef>
+          <a:effectRef idx="0">
+            <a:schemeClr val="accent1"/>
+          </a:effectRef>
+          <a:fontRef idx="minor">
+            <a:schemeClr val="lt1"/>
+          </a:fontRef>
+        </p:style>
+        <p:txBody>
+          <a:bodyPr rtlCol="0" anchor="ctr"/>
+          <a:lstStyle/>
+          <a:p>
+            <a:pPr algn="ctr"/>
+            <a:endParaRPr lang="pt-BR"/>
+          </a:p>
+        </p:txBody>
+      </p:sp>
+      <p:sp>
+        <p:nvSpPr>
+          <p:cNvPr id="11" name="Retângulo 10">
+            <a:extLst>
+              <a:ext uri="{FF2B5EF4-FFF2-40B4-BE49-F238E27FC236}">
+                <a16:creationId xmlns:a16="http://schemas.microsoft.com/office/drawing/2014/main" id="{387C6E13-1559-A973-54EB-5ABBF8FC1176}"/>
+              </a:ext>
+            </a:extLst>
+          </p:cNvPr>
+          <p:cNvSpPr/>
+          <p:nvPr/>
+        </p:nvSpPr>
+        <p:spPr>
+          <a:xfrm>
+            <a:off x="3619917" y="2067497"/>
+            <a:ext cx="112202" cy="648238"/>
+          </a:xfrm>
+          <a:prstGeom prst="rect">
+            <a:avLst/>
+          </a:prstGeom>
+        </p:spPr>
+        <p:style>
+          <a:lnRef idx="2">
+            <a:schemeClr val="accent1">
+              <a:shade val="50000"/>
+            </a:schemeClr>
+          </a:lnRef>
+          <a:fillRef idx="1">
+            <a:schemeClr val="accent1"/>
+          </a:fillRef>
+          <a:effectRef idx="0">
+            <a:schemeClr val="accent1"/>
+          </a:effectRef>
+          <a:fontRef idx="minor">
+            <a:schemeClr val="lt1"/>
+          </a:fontRef>
+        </p:style>
+        <p:txBody>
+          <a:bodyPr rtlCol="0" anchor="ctr"/>
+          <a:lstStyle/>
+          <a:p>
+            <a:pPr algn="ctr"/>
+            <a:endParaRPr lang="pt-BR"/>
+          </a:p>
+        </p:txBody>
+      </p:sp>
+      <p:sp>
+        <p:nvSpPr>
+          <p:cNvPr id="12" name="Retângulo 11">
+            <a:extLst>
+              <a:ext uri="{FF2B5EF4-FFF2-40B4-BE49-F238E27FC236}">
+                <a16:creationId xmlns:a16="http://schemas.microsoft.com/office/drawing/2014/main" id="{67421ED2-2D4A-42E0-22A3-CF2E9095BEA3}"/>
+              </a:ext>
+            </a:extLst>
+          </p:cNvPr>
+          <p:cNvSpPr/>
+          <p:nvPr/>
+        </p:nvSpPr>
+        <p:spPr>
+          <a:xfrm>
+            <a:off x="3848477" y="2067497"/>
+            <a:ext cx="112202" cy="648238"/>
+          </a:xfrm>
+          <a:prstGeom prst="rect">
+            <a:avLst/>
+          </a:prstGeom>
+        </p:spPr>
+        <p:style>
+          <a:lnRef idx="2">
+            <a:schemeClr val="accent1">
+              <a:shade val="50000"/>
+            </a:schemeClr>
+          </a:lnRef>
+          <a:fillRef idx="1">
+            <a:schemeClr val="accent1"/>
+          </a:fillRef>
+          <a:effectRef idx="0">
+            <a:schemeClr val="accent1"/>
+          </a:effectRef>
+          <a:fontRef idx="minor">
+            <a:schemeClr val="lt1"/>
+          </a:fontRef>
+        </p:style>
+        <p:txBody>
+          <a:bodyPr rtlCol="0" anchor="ctr"/>
+          <a:lstStyle/>
+          <a:p>
+            <a:pPr algn="ctr"/>
+            <a:endParaRPr lang="pt-BR"/>
+          </a:p>
+        </p:txBody>
+      </p:sp>
+      <p:sp>
+        <p:nvSpPr>
+          <p:cNvPr id="13" name="Retângulo 12">
+            <a:extLst>
+              <a:ext uri="{FF2B5EF4-FFF2-40B4-BE49-F238E27FC236}">
+                <a16:creationId xmlns:a16="http://schemas.microsoft.com/office/drawing/2014/main" id="{43CEE69A-8DCC-9577-69C8-19C5D74FAF43}"/>
+              </a:ext>
+            </a:extLst>
+          </p:cNvPr>
+          <p:cNvSpPr/>
+          <p:nvPr/>
+        </p:nvSpPr>
+        <p:spPr>
+          <a:xfrm>
+            <a:off x="4173795" y="2067497"/>
+            <a:ext cx="112202" cy="648238"/>
+          </a:xfrm>
+          <a:prstGeom prst="rect">
+            <a:avLst/>
+          </a:prstGeom>
+        </p:spPr>
+        <p:style>
+          <a:lnRef idx="2">
+            <a:schemeClr val="accent1">
+              <a:shade val="50000"/>
+            </a:schemeClr>
+          </a:lnRef>
+          <a:fillRef idx="1">
+            <a:schemeClr val="accent1"/>
+          </a:fillRef>
+          <a:effectRef idx="0">
+            <a:schemeClr val="accent1"/>
+          </a:effectRef>
+          <a:fontRef idx="minor">
+            <a:schemeClr val="lt1"/>
+          </a:fontRef>
+        </p:style>
+        <p:txBody>
+          <a:bodyPr rtlCol="0" anchor="ctr"/>
+          <a:lstStyle/>
+          <a:p>
+            <a:pPr algn="ctr"/>
+            <a:endParaRPr lang="pt-BR"/>
+          </a:p>
+        </p:txBody>
+      </p:sp>
+      <p:sp>
+        <p:nvSpPr>
+          <p:cNvPr id="14" name="Retângulo 13">
+            <a:extLst>
+              <a:ext uri="{FF2B5EF4-FFF2-40B4-BE49-F238E27FC236}">
+                <a16:creationId xmlns:a16="http://schemas.microsoft.com/office/drawing/2014/main" id="{F027B751-A161-37A3-48DF-9FABFD3D46EB}"/>
+              </a:ext>
+            </a:extLst>
+          </p:cNvPr>
+          <p:cNvSpPr/>
+          <p:nvPr/>
+        </p:nvSpPr>
+        <p:spPr>
+          <a:xfrm>
+            <a:off x="4604282" y="2067497"/>
+            <a:ext cx="112202" cy="648238"/>
+          </a:xfrm>
+          <a:prstGeom prst="rect">
+            <a:avLst/>
+          </a:prstGeom>
+        </p:spPr>
+        <p:style>
+          <a:lnRef idx="2">
+            <a:schemeClr val="accent1">
+              <a:shade val="50000"/>
+            </a:schemeClr>
+          </a:lnRef>
+          <a:fillRef idx="1">
+            <a:schemeClr val="accent1"/>
+          </a:fillRef>
+          <a:effectRef idx="0">
+            <a:schemeClr val="accent1"/>
+          </a:effectRef>
+          <a:fontRef idx="minor">
+            <a:schemeClr val="lt1"/>
+          </a:fontRef>
+        </p:style>
+        <p:txBody>
+          <a:bodyPr rtlCol="0" anchor="ctr"/>
+          <a:lstStyle/>
+          <a:p>
+            <a:pPr algn="ctr"/>
+            <a:endParaRPr lang="pt-BR"/>
+          </a:p>
+        </p:txBody>
+      </p:sp>
+      <p:sp>
+        <p:nvSpPr>
+          <p:cNvPr id="18" name="Seta: para Baixo 17">
+            <a:extLst>
+              <a:ext uri="{FF2B5EF4-FFF2-40B4-BE49-F238E27FC236}">
+                <a16:creationId xmlns:a16="http://schemas.microsoft.com/office/drawing/2014/main" id="{C6CA878B-DC54-C617-76A3-24547C59571E}"/>
+              </a:ext>
+            </a:extLst>
+          </p:cNvPr>
+          <p:cNvSpPr/>
+          <p:nvPr/>
+        </p:nvSpPr>
+        <p:spPr>
+          <a:xfrm rot="16200000">
+            <a:off x="1805110" y="2190084"/>
+            <a:ext cx="189261" cy="423259"/>
+          </a:xfrm>
+          <a:prstGeom prst="downArrow">
+            <a:avLst>
+              <a:gd name="adj1" fmla="val 27390"/>
+              <a:gd name="adj2" fmla="val 68841"/>
+            </a:avLst>
+          </a:prstGeom>
+          <a:solidFill>
+            <a:schemeClr val="tx1"/>
+          </a:solidFill>
+          <a:ln>
+            <a:solidFill>
+              <a:schemeClr val="tx1"/>
+            </a:solidFill>
+          </a:ln>
+        </p:spPr>
+        <p:style>
+          <a:lnRef idx="2">
+            <a:schemeClr val="accent1">
+              <a:shade val="50000"/>
+            </a:schemeClr>
+          </a:lnRef>
+          <a:fillRef idx="1">
+            <a:schemeClr val="accent1"/>
+          </a:fillRef>
+          <a:effectRef idx="0">
+            <a:schemeClr val="accent1"/>
+          </a:effectRef>
+          <a:fontRef idx="minor">
+            <a:schemeClr val="lt1"/>
+          </a:fontRef>
+        </p:style>
+        <p:txBody>
+          <a:bodyPr rtlCol="0" anchor="ctr"/>
+          <a:lstStyle/>
+          <a:p>
+            <a:pPr algn="ctr"/>
+            <a:endParaRPr lang="pt-BR"/>
+          </a:p>
+        </p:txBody>
+      </p:sp>
+      <p:sp>
+        <p:nvSpPr>
+          <p:cNvPr id="20" name="Retângulo 19">
+            <a:extLst>
+              <a:ext uri="{FF2B5EF4-FFF2-40B4-BE49-F238E27FC236}">
+                <a16:creationId xmlns:a16="http://schemas.microsoft.com/office/drawing/2014/main" id="{A72F8819-9BF6-769D-72B2-241A1F212D0B}"/>
+              </a:ext>
+            </a:extLst>
+          </p:cNvPr>
+          <p:cNvSpPr/>
+          <p:nvPr/>
+        </p:nvSpPr>
+        <p:spPr>
+          <a:xfrm>
+            <a:off x="5577840" y="2067497"/>
+            <a:ext cx="1546166" cy="648238"/>
+          </a:xfrm>
+          <a:prstGeom prst="rect">
+            <a:avLst/>
+          </a:prstGeom>
+          <a:solidFill>
+            <a:schemeClr val="accent2">
+              <a:lumMod val="75000"/>
+            </a:schemeClr>
+          </a:solidFill>
+          <a:ln>
+            <a:solidFill>
+              <a:schemeClr val="accent2">
+                <a:lumMod val="20000"/>
+                <a:lumOff val="80000"/>
+              </a:schemeClr>
+            </a:solidFill>
+          </a:ln>
+        </p:spPr>
+        <p:style>
+          <a:lnRef idx="2">
+            <a:schemeClr val="accent1">
+              <a:shade val="50000"/>
+            </a:schemeClr>
+          </a:lnRef>
+          <a:fillRef idx="1">
+            <a:schemeClr val="accent1"/>
+          </a:fillRef>
+          <a:effectRef idx="0">
+            <a:schemeClr val="accent1"/>
+          </a:effectRef>
+          <a:fontRef idx="minor">
+            <a:schemeClr val="lt1"/>
+          </a:fontRef>
+        </p:style>
+        <p:txBody>
+          <a:bodyPr rtlCol="0" anchor="ctr"/>
+          <a:lstStyle/>
+          <a:p>
+            <a:pPr algn="ctr"/>
+            <a:r>
+              <a:rPr lang="pt-BR" dirty="0"/>
+              <a:t>Processador</a:t>
+            </a:r>
+          </a:p>
+        </p:txBody>
+      </p:sp>
+      <p:sp>
+        <p:nvSpPr>
+          <p:cNvPr id="21" name="CaixaDeTexto 20">
+            <a:extLst>
+              <a:ext uri="{FF2B5EF4-FFF2-40B4-BE49-F238E27FC236}">
+                <a16:creationId xmlns:a16="http://schemas.microsoft.com/office/drawing/2014/main" id="{2E77C772-8980-CD8B-2CF3-54CCA1FD223C}"/>
+              </a:ext>
+            </a:extLst>
+          </p:cNvPr>
+          <p:cNvSpPr txBox="1"/>
+          <p:nvPr/>
+        </p:nvSpPr>
+        <p:spPr>
+          <a:xfrm>
+            <a:off x="2480177" y="1698165"/>
+            <a:ext cx="1153201" cy="369332"/>
+          </a:xfrm>
+          <a:prstGeom prst="rect">
+            <a:avLst/>
+          </a:prstGeom>
+          <a:noFill/>
+        </p:spPr>
+        <p:txBody>
+          <a:bodyPr wrap="none" rtlCol="0">
+            <a:spAutoFit/>
+          </a:bodyPr>
+          <a:lstStyle/>
+          <a:p>
+            <a:r>
+              <a:rPr lang="pt-BR" dirty="0"/>
+              <a:t>Instruções</a:t>
+            </a:r>
+          </a:p>
+        </p:txBody>
+      </p:sp>
+      <p:sp>
+        <p:nvSpPr>
+          <p:cNvPr id="22" name="CaixaDeTexto 21">
+            <a:extLst>
+              <a:ext uri="{FF2B5EF4-FFF2-40B4-BE49-F238E27FC236}">
+                <a16:creationId xmlns:a16="http://schemas.microsoft.com/office/drawing/2014/main" id="{BA7D6C83-C596-F9B6-82FF-0CD70D83FEAF}"/>
+              </a:ext>
+            </a:extLst>
+          </p:cNvPr>
+          <p:cNvSpPr txBox="1"/>
+          <p:nvPr/>
+        </p:nvSpPr>
+        <p:spPr>
+          <a:xfrm>
+            <a:off x="2099300" y="5069765"/>
+            <a:ext cx="410690" cy="369332"/>
+          </a:xfrm>
+          <a:prstGeom prst="rect">
+            <a:avLst/>
+          </a:prstGeom>
+          <a:noFill/>
+        </p:spPr>
+        <p:txBody>
+          <a:bodyPr wrap="none" rtlCol="0">
+            <a:spAutoFit/>
+          </a:bodyPr>
+          <a:lstStyle/>
+          <a:p>
+            <a:r>
+              <a:rPr lang="pt-BR" dirty="0" err="1"/>
+              <a:t>tN</a:t>
+            </a:r>
+            <a:endParaRPr lang="pt-BR" dirty="0"/>
+          </a:p>
+        </p:txBody>
+      </p:sp>
+      <p:sp>
+        <p:nvSpPr>
+          <p:cNvPr id="23" name="CaixaDeTexto 22">
+            <a:extLst>
+              <a:ext uri="{FF2B5EF4-FFF2-40B4-BE49-F238E27FC236}">
+                <a16:creationId xmlns:a16="http://schemas.microsoft.com/office/drawing/2014/main" id="{C63A4C98-FB8D-819E-7961-267B4CD41EB7}"/>
+              </a:ext>
+            </a:extLst>
+          </p:cNvPr>
+          <p:cNvSpPr txBox="1"/>
+          <p:nvPr/>
+        </p:nvSpPr>
+        <p:spPr>
+          <a:xfrm>
+            <a:off x="4471068" y="5069765"/>
+            <a:ext cx="378630" cy="369332"/>
+          </a:xfrm>
+          <a:prstGeom prst="rect">
+            <a:avLst/>
+          </a:prstGeom>
+          <a:noFill/>
+        </p:spPr>
+        <p:txBody>
+          <a:bodyPr wrap="none" rtlCol="0">
+            <a:spAutoFit/>
+          </a:bodyPr>
+          <a:lstStyle/>
+          <a:p>
+            <a:r>
+              <a:rPr lang="pt-BR" dirty="0"/>
+              <a:t>t1</a:t>
+            </a:r>
+          </a:p>
+        </p:txBody>
+      </p:sp>
+      <p:sp>
+        <p:nvSpPr>
+          <p:cNvPr id="24" name="CaixaDeTexto 23">
+            <a:extLst>
+              <a:ext uri="{FF2B5EF4-FFF2-40B4-BE49-F238E27FC236}">
+                <a16:creationId xmlns:a16="http://schemas.microsoft.com/office/drawing/2014/main" id="{24D70D8B-4052-08F8-58A0-C01FD56E6480}"/>
+              </a:ext>
+            </a:extLst>
+          </p:cNvPr>
+          <p:cNvSpPr txBox="1"/>
+          <p:nvPr/>
+        </p:nvSpPr>
+        <p:spPr>
+          <a:xfrm>
+            <a:off x="4040581" y="5069765"/>
+            <a:ext cx="378630" cy="369332"/>
+          </a:xfrm>
+          <a:prstGeom prst="rect">
+            <a:avLst/>
+          </a:prstGeom>
+          <a:noFill/>
+        </p:spPr>
+        <p:txBody>
+          <a:bodyPr wrap="none" rtlCol="0">
+            <a:spAutoFit/>
+          </a:bodyPr>
+          <a:lstStyle/>
+          <a:p>
+            <a:r>
+              <a:rPr lang="pt-BR" dirty="0"/>
+              <a:t>t2</a:t>
+            </a:r>
+          </a:p>
+        </p:txBody>
+      </p:sp>
+      <p:sp>
+        <p:nvSpPr>
+          <p:cNvPr id="26" name="Seta: para Baixo 25">
+            <a:extLst>
+              <a:ext uri="{FF2B5EF4-FFF2-40B4-BE49-F238E27FC236}">
+                <a16:creationId xmlns:a16="http://schemas.microsoft.com/office/drawing/2014/main" id="{66717F3A-4FEF-8574-FD38-2D91F4A597DB}"/>
+              </a:ext>
+            </a:extLst>
+          </p:cNvPr>
+          <p:cNvSpPr/>
+          <p:nvPr/>
+        </p:nvSpPr>
+        <p:spPr>
+          <a:xfrm rot="16200000">
+            <a:off x="5052722" y="2190084"/>
+            <a:ext cx="189261" cy="423259"/>
+          </a:xfrm>
+          <a:prstGeom prst="downArrow">
+            <a:avLst>
+              <a:gd name="adj1" fmla="val 27390"/>
+              <a:gd name="adj2" fmla="val 68841"/>
+            </a:avLst>
+          </a:prstGeom>
+          <a:solidFill>
+            <a:schemeClr val="tx1"/>
+          </a:solidFill>
+          <a:ln>
+            <a:solidFill>
+              <a:schemeClr val="tx1"/>
+            </a:solidFill>
+          </a:ln>
+        </p:spPr>
+        <p:style>
+          <a:lnRef idx="2">
+            <a:schemeClr val="accent1">
+              <a:shade val="50000"/>
+            </a:schemeClr>
+          </a:lnRef>
+          <a:fillRef idx="1">
+            <a:schemeClr val="accent1"/>
+          </a:fillRef>
+          <a:effectRef idx="0">
+            <a:schemeClr val="accent1"/>
+          </a:effectRef>
+          <a:fontRef idx="minor">
+            <a:schemeClr val="lt1"/>
+          </a:fontRef>
+        </p:style>
+        <p:txBody>
+          <a:bodyPr rtlCol="0" anchor="ctr"/>
+          <a:lstStyle/>
+          <a:p>
+            <a:pPr algn="ctr"/>
+            <a:endParaRPr lang="pt-BR"/>
+          </a:p>
+        </p:txBody>
+      </p:sp>
+      <p:sp>
+        <p:nvSpPr>
+          <p:cNvPr id="27" name="CaixaDeTexto 26">
+            <a:extLst>
+              <a:ext uri="{FF2B5EF4-FFF2-40B4-BE49-F238E27FC236}">
+                <a16:creationId xmlns:a16="http://schemas.microsoft.com/office/drawing/2014/main" id="{45FB1B0F-F3D5-1235-BDBF-9E40AB706699}"/>
+              </a:ext>
+            </a:extLst>
+          </p:cNvPr>
+          <p:cNvSpPr txBox="1"/>
+          <p:nvPr/>
+        </p:nvSpPr>
+        <p:spPr>
+          <a:xfrm>
+            <a:off x="189223" y="1698165"/>
+            <a:ext cx="1086644" cy="369332"/>
+          </a:xfrm>
+          <a:prstGeom prst="rect">
+            <a:avLst/>
+          </a:prstGeom>
+          <a:noFill/>
+        </p:spPr>
+        <p:txBody>
+          <a:bodyPr wrap="none" rtlCol="0">
+            <a:spAutoFit/>
+          </a:bodyPr>
+          <a:lstStyle/>
+          <a:p>
+            <a:r>
+              <a:rPr lang="pt-BR" dirty="0"/>
+              <a:t>Problema</a:t>
+            </a:r>
+          </a:p>
+        </p:txBody>
+      </p:sp>
+      <p:sp>
+        <p:nvSpPr>
+          <p:cNvPr id="57" name="Retângulo 56">
+            <a:extLst>
+              <a:ext uri="{FF2B5EF4-FFF2-40B4-BE49-F238E27FC236}">
+                <a16:creationId xmlns:a16="http://schemas.microsoft.com/office/drawing/2014/main" id="{49E9E395-72EF-923E-1EBA-3B088CF3DC08}"/>
+              </a:ext>
+            </a:extLst>
+          </p:cNvPr>
+          <p:cNvSpPr/>
+          <p:nvPr/>
+        </p:nvSpPr>
+        <p:spPr>
+          <a:xfrm>
+            <a:off x="2248544" y="2837808"/>
+            <a:ext cx="112203" cy="648238"/>
+          </a:xfrm>
+          <a:prstGeom prst="rect">
+            <a:avLst/>
+          </a:prstGeom>
+        </p:spPr>
+        <p:style>
+          <a:lnRef idx="2">
+            <a:schemeClr val="accent1">
+              <a:shade val="50000"/>
+            </a:schemeClr>
+          </a:lnRef>
+          <a:fillRef idx="1">
+            <a:schemeClr val="accent1"/>
+          </a:fillRef>
+          <a:effectRef idx="0">
+            <a:schemeClr val="accent1"/>
+          </a:effectRef>
+          <a:fontRef idx="minor">
+            <a:schemeClr val="lt1"/>
+          </a:fontRef>
+        </p:style>
+        <p:txBody>
+          <a:bodyPr rtlCol="0" anchor="ctr"/>
+          <a:lstStyle/>
+          <a:p>
+            <a:pPr algn="ctr"/>
+            <a:endParaRPr lang="pt-BR"/>
+          </a:p>
+        </p:txBody>
+      </p:sp>
+      <p:sp>
+        <p:nvSpPr>
+          <p:cNvPr id="58" name="Retângulo 57">
+            <a:extLst>
+              <a:ext uri="{FF2B5EF4-FFF2-40B4-BE49-F238E27FC236}">
+                <a16:creationId xmlns:a16="http://schemas.microsoft.com/office/drawing/2014/main" id="{63B13EB3-E00E-5139-FFA2-F61457F8DECC}"/>
+              </a:ext>
+            </a:extLst>
+          </p:cNvPr>
+          <p:cNvSpPr/>
+          <p:nvPr/>
+        </p:nvSpPr>
+        <p:spPr>
+          <a:xfrm>
+            <a:off x="2477107" y="2837808"/>
+            <a:ext cx="112202" cy="648238"/>
+          </a:xfrm>
+          <a:prstGeom prst="rect">
+            <a:avLst/>
+          </a:prstGeom>
+        </p:spPr>
+        <p:style>
+          <a:lnRef idx="2">
+            <a:schemeClr val="accent1">
+              <a:shade val="50000"/>
+            </a:schemeClr>
+          </a:lnRef>
+          <a:fillRef idx="1">
+            <a:schemeClr val="accent1"/>
+          </a:fillRef>
+          <a:effectRef idx="0">
+            <a:schemeClr val="accent1"/>
+          </a:effectRef>
+          <a:fontRef idx="minor">
+            <a:schemeClr val="lt1"/>
+          </a:fontRef>
+        </p:style>
+        <p:txBody>
+          <a:bodyPr rtlCol="0" anchor="ctr"/>
+          <a:lstStyle/>
+          <a:p>
+            <a:pPr algn="ctr"/>
+            <a:endParaRPr lang="pt-BR"/>
+          </a:p>
+        </p:txBody>
+      </p:sp>
+      <p:sp>
+        <p:nvSpPr>
+          <p:cNvPr id="59" name="Retângulo 58">
+            <a:extLst>
+              <a:ext uri="{FF2B5EF4-FFF2-40B4-BE49-F238E27FC236}">
+                <a16:creationId xmlns:a16="http://schemas.microsoft.com/office/drawing/2014/main" id="{0059A727-0B0D-FD99-2141-8EE84BEC4970}"/>
+              </a:ext>
+            </a:extLst>
+          </p:cNvPr>
+          <p:cNvSpPr/>
+          <p:nvPr/>
+        </p:nvSpPr>
+        <p:spPr>
+          <a:xfrm>
+            <a:off x="2705669" y="2837808"/>
+            <a:ext cx="112202" cy="648238"/>
+          </a:xfrm>
+          <a:prstGeom prst="rect">
+            <a:avLst/>
+          </a:prstGeom>
+        </p:spPr>
+        <p:style>
+          <a:lnRef idx="2">
+            <a:schemeClr val="accent1">
+              <a:shade val="50000"/>
+            </a:schemeClr>
+          </a:lnRef>
+          <a:fillRef idx="1">
+            <a:schemeClr val="accent1"/>
+          </a:fillRef>
+          <a:effectRef idx="0">
+            <a:schemeClr val="accent1"/>
+          </a:effectRef>
+          <a:fontRef idx="minor">
+            <a:schemeClr val="lt1"/>
+          </a:fontRef>
+        </p:style>
+        <p:txBody>
+          <a:bodyPr rtlCol="0" anchor="ctr"/>
+          <a:lstStyle/>
+          <a:p>
+            <a:pPr algn="ctr"/>
+            <a:endParaRPr lang="pt-BR"/>
+          </a:p>
+        </p:txBody>
+      </p:sp>
+      <p:sp>
+        <p:nvSpPr>
+          <p:cNvPr id="60" name="Retângulo 59">
+            <a:extLst>
+              <a:ext uri="{FF2B5EF4-FFF2-40B4-BE49-F238E27FC236}">
+                <a16:creationId xmlns:a16="http://schemas.microsoft.com/office/drawing/2014/main" id="{DFE40CF1-730E-6E43-DB69-4670901E173E}"/>
+              </a:ext>
+            </a:extLst>
+          </p:cNvPr>
+          <p:cNvSpPr/>
+          <p:nvPr/>
+        </p:nvSpPr>
+        <p:spPr>
+          <a:xfrm>
+            <a:off x="2934231" y="2837808"/>
+            <a:ext cx="112202" cy="648238"/>
+          </a:xfrm>
+          <a:prstGeom prst="rect">
+            <a:avLst/>
+          </a:prstGeom>
+        </p:spPr>
+        <p:style>
+          <a:lnRef idx="2">
+            <a:schemeClr val="accent1">
+              <a:shade val="50000"/>
+            </a:schemeClr>
+          </a:lnRef>
+          <a:fillRef idx="1">
+            <a:schemeClr val="accent1"/>
+          </a:fillRef>
+          <a:effectRef idx="0">
+            <a:schemeClr val="accent1"/>
+          </a:effectRef>
+          <a:fontRef idx="minor">
+            <a:schemeClr val="lt1"/>
+          </a:fontRef>
+        </p:style>
+        <p:txBody>
+          <a:bodyPr rtlCol="0" anchor="ctr"/>
+          <a:lstStyle/>
+          <a:p>
+            <a:pPr algn="ctr"/>
+            <a:endParaRPr lang="pt-BR"/>
+          </a:p>
+        </p:txBody>
+      </p:sp>
+      <p:sp>
+        <p:nvSpPr>
+          <p:cNvPr id="61" name="Retângulo 60">
+            <a:extLst>
+              <a:ext uri="{FF2B5EF4-FFF2-40B4-BE49-F238E27FC236}">
+                <a16:creationId xmlns:a16="http://schemas.microsoft.com/office/drawing/2014/main" id="{34D7AEEA-2374-AEE8-27BD-F3266900B6A3}"/>
+              </a:ext>
+            </a:extLst>
+          </p:cNvPr>
+          <p:cNvSpPr/>
+          <p:nvPr/>
+        </p:nvSpPr>
+        <p:spPr>
+          <a:xfrm>
+            <a:off x="3162793" y="2837808"/>
+            <a:ext cx="112202" cy="648238"/>
+          </a:xfrm>
+          <a:prstGeom prst="rect">
+            <a:avLst/>
+          </a:prstGeom>
+        </p:spPr>
+        <p:style>
+          <a:lnRef idx="2">
+            <a:schemeClr val="accent1">
+              <a:shade val="50000"/>
+            </a:schemeClr>
+          </a:lnRef>
+          <a:fillRef idx="1">
+            <a:schemeClr val="accent1"/>
+          </a:fillRef>
+          <a:effectRef idx="0">
+            <a:schemeClr val="accent1"/>
+          </a:effectRef>
+          <a:fontRef idx="minor">
+            <a:schemeClr val="lt1"/>
+          </a:fontRef>
+        </p:style>
+        <p:txBody>
+          <a:bodyPr rtlCol="0" anchor="ctr"/>
+          <a:lstStyle/>
+          <a:p>
+            <a:pPr algn="ctr"/>
+            <a:endParaRPr lang="pt-BR"/>
+          </a:p>
+        </p:txBody>
+      </p:sp>
+      <p:sp>
+        <p:nvSpPr>
+          <p:cNvPr id="62" name="Retângulo 61">
+            <a:extLst>
+              <a:ext uri="{FF2B5EF4-FFF2-40B4-BE49-F238E27FC236}">
+                <a16:creationId xmlns:a16="http://schemas.microsoft.com/office/drawing/2014/main" id="{88D259D0-BBC8-E3E5-DE7A-7200FD154790}"/>
+              </a:ext>
+            </a:extLst>
+          </p:cNvPr>
+          <p:cNvSpPr/>
+          <p:nvPr/>
+        </p:nvSpPr>
+        <p:spPr>
+          <a:xfrm>
+            <a:off x="3391355" y="2837808"/>
+            <a:ext cx="112202" cy="648238"/>
+          </a:xfrm>
+          <a:prstGeom prst="rect">
+            <a:avLst/>
+          </a:prstGeom>
+        </p:spPr>
+        <p:style>
+          <a:lnRef idx="2">
+            <a:schemeClr val="accent1">
+              <a:shade val="50000"/>
+            </a:schemeClr>
+          </a:lnRef>
+          <a:fillRef idx="1">
+            <a:schemeClr val="accent1"/>
+          </a:fillRef>
+          <a:effectRef idx="0">
+            <a:schemeClr val="accent1"/>
+          </a:effectRef>
+          <a:fontRef idx="minor">
+            <a:schemeClr val="lt1"/>
+          </a:fontRef>
+        </p:style>
+        <p:txBody>
+          <a:bodyPr rtlCol="0" anchor="ctr"/>
+          <a:lstStyle/>
+          <a:p>
+            <a:pPr algn="ctr"/>
+            <a:endParaRPr lang="pt-BR"/>
+          </a:p>
+        </p:txBody>
+      </p:sp>
+      <p:sp>
+        <p:nvSpPr>
+          <p:cNvPr id="63" name="Retângulo 62">
+            <a:extLst>
+              <a:ext uri="{FF2B5EF4-FFF2-40B4-BE49-F238E27FC236}">
+                <a16:creationId xmlns:a16="http://schemas.microsoft.com/office/drawing/2014/main" id="{19D8E2EB-2D42-D74E-9BFC-1F0DF918AE4B}"/>
+              </a:ext>
+            </a:extLst>
+          </p:cNvPr>
+          <p:cNvSpPr/>
+          <p:nvPr/>
+        </p:nvSpPr>
+        <p:spPr>
+          <a:xfrm>
+            <a:off x="3619917" y="2837808"/>
+            <a:ext cx="112202" cy="648238"/>
+          </a:xfrm>
+          <a:prstGeom prst="rect">
+            <a:avLst/>
+          </a:prstGeom>
+        </p:spPr>
+        <p:style>
+          <a:lnRef idx="2">
+            <a:schemeClr val="accent1">
+              <a:shade val="50000"/>
+            </a:schemeClr>
+          </a:lnRef>
+          <a:fillRef idx="1">
+            <a:schemeClr val="accent1"/>
+          </a:fillRef>
+          <a:effectRef idx="0">
+            <a:schemeClr val="accent1"/>
+          </a:effectRef>
+          <a:fontRef idx="minor">
+            <a:schemeClr val="lt1"/>
+          </a:fontRef>
+        </p:style>
+        <p:txBody>
+          <a:bodyPr rtlCol="0" anchor="ctr"/>
+          <a:lstStyle/>
+          <a:p>
+            <a:pPr algn="ctr"/>
+            <a:endParaRPr lang="pt-BR"/>
+          </a:p>
+        </p:txBody>
+      </p:sp>
+      <p:sp>
+        <p:nvSpPr>
+          <p:cNvPr id="64" name="Retângulo 63">
+            <a:extLst>
+              <a:ext uri="{FF2B5EF4-FFF2-40B4-BE49-F238E27FC236}">
+                <a16:creationId xmlns:a16="http://schemas.microsoft.com/office/drawing/2014/main" id="{94760C55-136D-020E-CC64-A65A6079481F}"/>
+              </a:ext>
+            </a:extLst>
+          </p:cNvPr>
+          <p:cNvSpPr/>
+          <p:nvPr/>
+        </p:nvSpPr>
+        <p:spPr>
+          <a:xfrm>
+            <a:off x="3848477" y="2837808"/>
+            <a:ext cx="112202" cy="648238"/>
+          </a:xfrm>
+          <a:prstGeom prst="rect">
+            <a:avLst/>
+          </a:prstGeom>
+        </p:spPr>
+        <p:style>
+          <a:lnRef idx="2">
+            <a:schemeClr val="accent1">
+              <a:shade val="50000"/>
+            </a:schemeClr>
+          </a:lnRef>
+          <a:fillRef idx="1">
+            <a:schemeClr val="accent1"/>
+          </a:fillRef>
+          <a:effectRef idx="0">
+            <a:schemeClr val="accent1"/>
+          </a:effectRef>
+          <a:fontRef idx="minor">
+            <a:schemeClr val="lt1"/>
+          </a:fontRef>
+        </p:style>
+        <p:txBody>
+          <a:bodyPr rtlCol="0" anchor="ctr"/>
+          <a:lstStyle/>
+          <a:p>
+            <a:pPr algn="ctr"/>
+            <a:endParaRPr lang="pt-BR"/>
+          </a:p>
+        </p:txBody>
+      </p:sp>
+      <p:sp>
+        <p:nvSpPr>
+          <p:cNvPr id="65" name="Retângulo 64">
+            <a:extLst>
+              <a:ext uri="{FF2B5EF4-FFF2-40B4-BE49-F238E27FC236}">
+                <a16:creationId xmlns:a16="http://schemas.microsoft.com/office/drawing/2014/main" id="{D7C62591-2924-3BF3-FFC1-29994586D832}"/>
+              </a:ext>
+            </a:extLst>
+          </p:cNvPr>
+          <p:cNvSpPr/>
+          <p:nvPr/>
+        </p:nvSpPr>
+        <p:spPr>
+          <a:xfrm>
+            <a:off x="4173795" y="2837808"/>
+            <a:ext cx="112202" cy="648238"/>
+          </a:xfrm>
+          <a:prstGeom prst="rect">
+            <a:avLst/>
+          </a:prstGeom>
+        </p:spPr>
+        <p:style>
+          <a:lnRef idx="2">
+            <a:schemeClr val="accent1">
+              <a:shade val="50000"/>
+            </a:schemeClr>
+          </a:lnRef>
+          <a:fillRef idx="1">
+            <a:schemeClr val="accent1"/>
+          </a:fillRef>
+          <a:effectRef idx="0">
+            <a:schemeClr val="accent1"/>
+          </a:effectRef>
+          <a:fontRef idx="minor">
+            <a:schemeClr val="lt1"/>
+          </a:fontRef>
+        </p:style>
+        <p:txBody>
+          <a:bodyPr rtlCol="0" anchor="ctr"/>
+          <a:lstStyle/>
+          <a:p>
+            <a:pPr algn="ctr"/>
+            <a:endParaRPr lang="pt-BR"/>
+          </a:p>
+        </p:txBody>
+      </p:sp>
+      <p:sp>
+        <p:nvSpPr>
+          <p:cNvPr id="66" name="Retângulo 65">
+            <a:extLst>
+              <a:ext uri="{FF2B5EF4-FFF2-40B4-BE49-F238E27FC236}">
+                <a16:creationId xmlns:a16="http://schemas.microsoft.com/office/drawing/2014/main" id="{EB72D09D-C206-3085-2415-3A610D0D5394}"/>
+              </a:ext>
+            </a:extLst>
+          </p:cNvPr>
+          <p:cNvSpPr/>
+          <p:nvPr/>
+        </p:nvSpPr>
+        <p:spPr>
+          <a:xfrm>
+            <a:off x="4604282" y="2837808"/>
+            <a:ext cx="112202" cy="648238"/>
+          </a:xfrm>
+          <a:prstGeom prst="rect">
+            <a:avLst/>
+          </a:prstGeom>
+        </p:spPr>
+        <p:style>
+          <a:lnRef idx="2">
+            <a:schemeClr val="accent1">
+              <a:shade val="50000"/>
+            </a:schemeClr>
+          </a:lnRef>
+          <a:fillRef idx="1">
+            <a:schemeClr val="accent1"/>
+          </a:fillRef>
+          <a:effectRef idx="0">
+            <a:schemeClr val="accent1"/>
+          </a:effectRef>
+          <a:fontRef idx="minor">
+            <a:schemeClr val="lt1"/>
+          </a:fontRef>
+        </p:style>
+        <p:txBody>
+          <a:bodyPr rtlCol="0" anchor="ctr"/>
+          <a:lstStyle/>
+          <a:p>
+            <a:pPr algn="ctr"/>
+            <a:endParaRPr lang="pt-BR"/>
+          </a:p>
+        </p:txBody>
+      </p:sp>
+      <p:sp>
+        <p:nvSpPr>
+          <p:cNvPr id="67" name="Seta: para Baixo 66">
+            <a:extLst>
+              <a:ext uri="{FF2B5EF4-FFF2-40B4-BE49-F238E27FC236}">
+                <a16:creationId xmlns:a16="http://schemas.microsoft.com/office/drawing/2014/main" id="{4D4E1F8A-943D-9A7A-180D-2285D29B6E09}"/>
+              </a:ext>
+            </a:extLst>
+          </p:cNvPr>
+          <p:cNvSpPr/>
+          <p:nvPr/>
+        </p:nvSpPr>
+        <p:spPr>
+          <a:xfrm rot="16200000">
+            <a:off x="1805110" y="2960395"/>
+            <a:ext cx="189261" cy="423259"/>
+          </a:xfrm>
+          <a:prstGeom prst="downArrow">
+            <a:avLst>
+              <a:gd name="adj1" fmla="val 27390"/>
+              <a:gd name="adj2" fmla="val 68841"/>
+            </a:avLst>
+          </a:prstGeom>
+          <a:solidFill>
+            <a:schemeClr val="tx1"/>
+          </a:solidFill>
+          <a:ln>
+            <a:solidFill>
+              <a:schemeClr val="tx1"/>
+            </a:solidFill>
+          </a:ln>
+        </p:spPr>
+        <p:style>
+          <a:lnRef idx="2">
+            <a:schemeClr val="accent1">
+              <a:shade val="50000"/>
+            </a:schemeClr>
+          </a:lnRef>
+          <a:fillRef idx="1">
+            <a:schemeClr val="accent1"/>
+          </a:fillRef>
+          <a:effectRef idx="0">
+            <a:schemeClr val="accent1"/>
+          </a:effectRef>
+          <a:fontRef idx="minor">
+            <a:schemeClr val="lt1"/>
+          </a:fontRef>
+        </p:style>
+        <p:txBody>
+          <a:bodyPr rtlCol="0" anchor="ctr"/>
+          <a:lstStyle/>
+          <a:p>
+            <a:pPr algn="ctr"/>
+            <a:endParaRPr lang="pt-BR"/>
+          </a:p>
+        </p:txBody>
+      </p:sp>
+      <p:sp>
+        <p:nvSpPr>
+          <p:cNvPr id="68" name="Retângulo 67">
+            <a:extLst>
+              <a:ext uri="{FF2B5EF4-FFF2-40B4-BE49-F238E27FC236}">
+                <a16:creationId xmlns:a16="http://schemas.microsoft.com/office/drawing/2014/main" id="{D8D874D7-74B2-9ED8-7E2D-F759074C682E}"/>
+              </a:ext>
+            </a:extLst>
+          </p:cNvPr>
+          <p:cNvSpPr/>
+          <p:nvPr/>
+        </p:nvSpPr>
+        <p:spPr>
+          <a:xfrm>
+            <a:off x="5577840" y="2837808"/>
+            <a:ext cx="1546166" cy="648238"/>
+          </a:xfrm>
+          <a:prstGeom prst="rect">
+            <a:avLst/>
+          </a:prstGeom>
+          <a:solidFill>
+            <a:schemeClr val="accent2">
+              <a:lumMod val="75000"/>
+            </a:schemeClr>
+          </a:solidFill>
+          <a:ln>
+            <a:solidFill>
+              <a:schemeClr val="accent2">
+                <a:lumMod val="20000"/>
+                <a:lumOff val="80000"/>
+              </a:schemeClr>
+            </a:solidFill>
+          </a:ln>
+        </p:spPr>
+        <p:style>
+          <a:lnRef idx="2">
+            <a:schemeClr val="accent1">
+              <a:shade val="50000"/>
+            </a:schemeClr>
+          </a:lnRef>
+          <a:fillRef idx="1">
+            <a:schemeClr val="accent1"/>
+          </a:fillRef>
+          <a:effectRef idx="0">
+            <a:schemeClr val="accent1"/>
+          </a:effectRef>
+          <a:fontRef idx="minor">
+            <a:schemeClr val="lt1"/>
+          </a:fontRef>
+        </p:style>
+        <p:txBody>
+          <a:bodyPr rtlCol="0" anchor="ctr"/>
+          <a:lstStyle/>
+          <a:p>
+            <a:pPr algn="ctr"/>
+            <a:r>
+              <a:rPr lang="pt-BR" dirty="0"/>
+              <a:t>Processador</a:t>
+            </a:r>
+          </a:p>
+        </p:txBody>
+      </p:sp>
+      <p:sp>
+        <p:nvSpPr>
+          <p:cNvPr id="69" name="Seta: para Baixo 68">
+            <a:extLst>
+              <a:ext uri="{FF2B5EF4-FFF2-40B4-BE49-F238E27FC236}">
+                <a16:creationId xmlns:a16="http://schemas.microsoft.com/office/drawing/2014/main" id="{BB2F8683-7463-B841-4657-EC1774F60BC8}"/>
+              </a:ext>
+            </a:extLst>
+          </p:cNvPr>
+          <p:cNvSpPr/>
+          <p:nvPr/>
+        </p:nvSpPr>
+        <p:spPr>
+          <a:xfrm rot="16200000">
+            <a:off x="5052722" y="2960395"/>
+            <a:ext cx="189261" cy="423259"/>
+          </a:xfrm>
+          <a:prstGeom prst="downArrow">
+            <a:avLst>
+              <a:gd name="adj1" fmla="val 27390"/>
+              <a:gd name="adj2" fmla="val 68841"/>
+            </a:avLst>
+          </a:prstGeom>
+          <a:solidFill>
+            <a:schemeClr val="tx1"/>
+          </a:solidFill>
+          <a:ln>
+            <a:solidFill>
+              <a:schemeClr val="tx1"/>
+            </a:solidFill>
+          </a:ln>
+        </p:spPr>
+        <p:style>
+          <a:lnRef idx="2">
+            <a:schemeClr val="accent1">
+              <a:shade val="50000"/>
+            </a:schemeClr>
+          </a:lnRef>
+          <a:fillRef idx="1">
+            <a:schemeClr val="accent1"/>
+          </a:fillRef>
+          <a:effectRef idx="0">
+            <a:schemeClr val="accent1"/>
+          </a:effectRef>
+          <a:fontRef idx="minor">
+            <a:schemeClr val="lt1"/>
+          </a:fontRef>
+        </p:style>
+        <p:txBody>
+          <a:bodyPr rtlCol="0" anchor="ctr"/>
+          <a:lstStyle/>
+          <a:p>
+            <a:pPr algn="ctr"/>
+            <a:endParaRPr lang="pt-BR"/>
+          </a:p>
+        </p:txBody>
+      </p:sp>
+      <p:sp>
+        <p:nvSpPr>
+          <p:cNvPr id="71" name="Retângulo 70">
+            <a:extLst>
+              <a:ext uri="{FF2B5EF4-FFF2-40B4-BE49-F238E27FC236}">
+                <a16:creationId xmlns:a16="http://schemas.microsoft.com/office/drawing/2014/main" id="{114C968E-8AB6-869A-9011-D07D4AFC30C4}"/>
+              </a:ext>
+            </a:extLst>
+          </p:cNvPr>
+          <p:cNvSpPr/>
+          <p:nvPr/>
+        </p:nvSpPr>
+        <p:spPr>
+          <a:xfrm>
+            <a:off x="2248544" y="3608120"/>
+            <a:ext cx="112203" cy="648238"/>
+          </a:xfrm>
+          <a:prstGeom prst="rect">
+            <a:avLst/>
+          </a:prstGeom>
+        </p:spPr>
+        <p:style>
+          <a:lnRef idx="2">
+            <a:schemeClr val="accent1">
+              <a:shade val="50000"/>
+            </a:schemeClr>
+          </a:lnRef>
+          <a:fillRef idx="1">
+            <a:schemeClr val="accent1"/>
+          </a:fillRef>
+          <a:effectRef idx="0">
+            <a:schemeClr val="accent1"/>
+          </a:effectRef>
+          <a:fontRef idx="minor">
+            <a:schemeClr val="lt1"/>
+          </a:fontRef>
+        </p:style>
+        <p:txBody>
+          <a:bodyPr rtlCol="0" anchor="ctr"/>
+          <a:lstStyle/>
+          <a:p>
+            <a:pPr algn="ctr"/>
+            <a:endParaRPr lang="pt-BR"/>
+          </a:p>
+        </p:txBody>
+      </p:sp>
+      <p:sp>
+        <p:nvSpPr>
+          <p:cNvPr id="72" name="Retângulo 71">
+            <a:extLst>
+              <a:ext uri="{FF2B5EF4-FFF2-40B4-BE49-F238E27FC236}">
+                <a16:creationId xmlns:a16="http://schemas.microsoft.com/office/drawing/2014/main" id="{F877A556-E460-7F3D-2F1D-CD0F5FEC2274}"/>
+              </a:ext>
+            </a:extLst>
+          </p:cNvPr>
+          <p:cNvSpPr/>
+          <p:nvPr/>
+        </p:nvSpPr>
+        <p:spPr>
+          <a:xfrm>
+            <a:off x="2477107" y="3608120"/>
+            <a:ext cx="112202" cy="648238"/>
+          </a:xfrm>
+          <a:prstGeom prst="rect">
+            <a:avLst/>
+          </a:prstGeom>
+        </p:spPr>
+        <p:style>
+          <a:lnRef idx="2">
+            <a:schemeClr val="accent1">
+              <a:shade val="50000"/>
+            </a:schemeClr>
+          </a:lnRef>
+          <a:fillRef idx="1">
+            <a:schemeClr val="accent1"/>
+          </a:fillRef>
+          <a:effectRef idx="0">
+            <a:schemeClr val="accent1"/>
+          </a:effectRef>
+          <a:fontRef idx="minor">
+            <a:schemeClr val="lt1"/>
+          </a:fontRef>
+        </p:style>
+        <p:txBody>
+          <a:bodyPr rtlCol="0" anchor="ctr"/>
+          <a:lstStyle/>
+          <a:p>
+            <a:pPr algn="ctr"/>
+            <a:endParaRPr lang="pt-BR"/>
+          </a:p>
+        </p:txBody>
+      </p:sp>
+      <p:sp>
+        <p:nvSpPr>
+          <p:cNvPr id="73" name="Retângulo 72">
+            <a:extLst>
+              <a:ext uri="{FF2B5EF4-FFF2-40B4-BE49-F238E27FC236}">
+                <a16:creationId xmlns:a16="http://schemas.microsoft.com/office/drawing/2014/main" id="{C8BEB666-53B1-154D-26A5-21E060A451FB}"/>
+              </a:ext>
+            </a:extLst>
+          </p:cNvPr>
+          <p:cNvSpPr/>
+          <p:nvPr/>
+        </p:nvSpPr>
+        <p:spPr>
+          <a:xfrm>
+            <a:off x="2705669" y="3608120"/>
+            <a:ext cx="112202" cy="648238"/>
+          </a:xfrm>
+          <a:prstGeom prst="rect">
+            <a:avLst/>
+          </a:prstGeom>
+        </p:spPr>
+        <p:style>
+          <a:lnRef idx="2">
+            <a:schemeClr val="accent1">
+              <a:shade val="50000"/>
+            </a:schemeClr>
+          </a:lnRef>
+          <a:fillRef idx="1">
+            <a:schemeClr val="accent1"/>
+          </a:fillRef>
+          <a:effectRef idx="0">
+            <a:schemeClr val="accent1"/>
+          </a:effectRef>
+          <a:fontRef idx="minor">
+            <a:schemeClr val="lt1"/>
+          </a:fontRef>
+        </p:style>
+        <p:txBody>
+          <a:bodyPr rtlCol="0" anchor="ctr"/>
+          <a:lstStyle/>
+          <a:p>
+            <a:pPr algn="ctr"/>
+            <a:endParaRPr lang="pt-BR"/>
+          </a:p>
+        </p:txBody>
+      </p:sp>
+      <p:sp>
+        <p:nvSpPr>
+          <p:cNvPr id="74" name="Retângulo 73">
+            <a:extLst>
+              <a:ext uri="{FF2B5EF4-FFF2-40B4-BE49-F238E27FC236}">
+                <a16:creationId xmlns:a16="http://schemas.microsoft.com/office/drawing/2014/main" id="{BF788C01-9792-867C-7108-6DA09DFDB275}"/>
+              </a:ext>
+            </a:extLst>
+          </p:cNvPr>
+          <p:cNvSpPr/>
+          <p:nvPr/>
+        </p:nvSpPr>
+        <p:spPr>
+          <a:xfrm>
+            <a:off x="2934231" y="3608120"/>
+            <a:ext cx="112202" cy="648238"/>
+          </a:xfrm>
+          <a:prstGeom prst="rect">
+            <a:avLst/>
+          </a:prstGeom>
+        </p:spPr>
+        <p:style>
+          <a:lnRef idx="2">
+            <a:schemeClr val="accent1">
+              <a:shade val="50000"/>
+            </a:schemeClr>
+          </a:lnRef>
+          <a:fillRef idx="1">
+            <a:schemeClr val="accent1"/>
+          </a:fillRef>
+          <a:effectRef idx="0">
+            <a:schemeClr val="accent1"/>
+          </a:effectRef>
+          <a:fontRef idx="minor">
+            <a:schemeClr val="lt1"/>
+          </a:fontRef>
+        </p:style>
+        <p:txBody>
+          <a:bodyPr rtlCol="0" anchor="ctr"/>
+          <a:lstStyle/>
+          <a:p>
+            <a:pPr algn="ctr"/>
+            <a:endParaRPr lang="pt-BR"/>
+          </a:p>
+        </p:txBody>
+      </p:sp>
+      <p:sp>
+        <p:nvSpPr>
+          <p:cNvPr id="75" name="Retângulo 74">
+            <a:extLst>
+              <a:ext uri="{FF2B5EF4-FFF2-40B4-BE49-F238E27FC236}">
+                <a16:creationId xmlns:a16="http://schemas.microsoft.com/office/drawing/2014/main" id="{3A95077B-77A2-8C23-8B65-3ECA71D6B9AD}"/>
+              </a:ext>
+            </a:extLst>
+          </p:cNvPr>
+          <p:cNvSpPr/>
+          <p:nvPr/>
+        </p:nvSpPr>
+        <p:spPr>
+          <a:xfrm>
+            <a:off x="3162793" y="3608120"/>
+            <a:ext cx="112202" cy="648238"/>
+          </a:xfrm>
+          <a:prstGeom prst="rect">
+            <a:avLst/>
+          </a:prstGeom>
+        </p:spPr>
+        <p:style>
+          <a:lnRef idx="2">
+            <a:schemeClr val="accent1">
+              <a:shade val="50000"/>
+            </a:schemeClr>
+          </a:lnRef>
+          <a:fillRef idx="1">
+            <a:schemeClr val="accent1"/>
+          </a:fillRef>
+          <a:effectRef idx="0">
+            <a:schemeClr val="accent1"/>
+          </a:effectRef>
+          <a:fontRef idx="minor">
+            <a:schemeClr val="lt1"/>
+          </a:fontRef>
+        </p:style>
+        <p:txBody>
+          <a:bodyPr rtlCol="0" anchor="ctr"/>
+          <a:lstStyle/>
+          <a:p>
+            <a:pPr algn="ctr"/>
+            <a:endParaRPr lang="pt-BR"/>
+          </a:p>
+        </p:txBody>
+      </p:sp>
+      <p:sp>
+        <p:nvSpPr>
+          <p:cNvPr id="76" name="Retângulo 75">
+            <a:extLst>
+              <a:ext uri="{FF2B5EF4-FFF2-40B4-BE49-F238E27FC236}">
+                <a16:creationId xmlns:a16="http://schemas.microsoft.com/office/drawing/2014/main" id="{FFECD86A-6CED-AEDF-A179-0548B89C89B9}"/>
+              </a:ext>
+            </a:extLst>
+          </p:cNvPr>
+          <p:cNvSpPr/>
+          <p:nvPr/>
+        </p:nvSpPr>
+        <p:spPr>
+          <a:xfrm>
+            <a:off x="3391355" y="3608120"/>
+            <a:ext cx="112202" cy="648238"/>
+          </a:xfrm>
+          <a:prstGeom prst="rect">
+            <a:avLst/>
+          </a:prstGeom>
+        </p:spPr>
+        <p:style>
+          <a:lnRef idx="2">
+            <a:schemeClr val="accent1">
+              <a:shade val="50000"/>
+            </a:schemeClr>
+          </a:lnRef>
+          <a:fillRef idx="1">
+            <a:schemeClr val="accent1"/>
+          </a:fillRef>
+          <a:effectRef idx="0">
+            <a:schemeClr val="accent1"/>
+          </a:effectRef>
+          <a:fontRef idx="minor">
+            <a:schemeClr val="lt1"/>
+          </a:fontRef>
+        </p:style>
+        <p:txBody>
+          <a:bodyPr rtlCol="0" anchor="ctr"/>
+          <a:lstStyle/>
+          <a:p>
+            <a:pPr algn="ctr"/>
+            <a:endParaRPr lang="pt-BR"/>
+          </a:p>
+        </p:txBody>
+      </p:sp>
+      <p:sp>
+        <p:nvSpPr>
+          <p:cNvPr id="77" name="Retângulo 76">
+            <a:extLst>
+              <a:ext uri="{FF2B5EF4-FFF2-40B4-BE49-F238E27FC236}">
+                <a16:creationId xmlns:a16="http://schemas.microsoft.com/office/drawing/2014/main" id="{C5FF7265-829F-57ED-B5C7-FA3E2C1858BA}"/>
+              </a:ext>
+            </a:extLst>
+          </p:cNvPr>
+          <p:cNvSpPr/>
+          <p:nvPr/>
+        </p:nvSpPr>
+        <p:spPr>
+          <a:xfrm>
+            <a:off x="3619917" y="3608120"/>
+            <a:ext cx="112202" cy="648238"/>
+          </a:xfrm>
+          <a:prstGeom prst="rect">
+            <a:avLst/>
+          </a:prstGeom>
+        </p:spPr>
+        <p:style>
+          <a:lnRef idx="2">
+            <a:schemeClr val="accent1">
+              <a:shade val="50000"/>
+            </a:schemeClr>
+          </a:lnRef>
+          <a:fillRef idx="1">
+            <a:schemeClr val="accent1"/>
+          </a:fillRef>
+          <a:effectRef idx="0">
+            <a:schemeClr val="accent1"/>
+          </a:effectRef>
+          <a:fontRef idx="minor">
+            <a:schemeClr val="lt1"/>
+          </a:fontRef>
+        </p:style>
+        <p:txBody>
+          <a:bodyPr rtlCol="0" anchor="ctr"/>
+          <a:lstStyle/>
+          <a:p>
+            <a:pPr algn="ctr"/>
+            <a:endParaRPr lang="pt-BR"/>
+          </a:p>
+        </p:txBody>
+      </p:sp>
+      <p:sp>
+        <p:nvSpPr>
+          <p:cNvPr id="78" name="Retângulo 77">
+            <a:extLst>
+              <a:ext uri="{FF2B5EF4-FFF2-40B4-BE49-F238E27FC236}">
+                <a16:creationId xmlns:a16="http://schemas.microsoft.com/office/drawing/2014/main" id="{FD18BBE8-DEF7-3029-7140-8307E923A9BD}"/>
+              </a:ext>
+            </a:extLst>
+          </p:cNvPr>
+          <p:cNvSpPr/>
+          <p:nvPr/>
+        </p:nvSpPr>
+        <p:spPr>
+          <a:xfrm>
+            <a:off x="3848477" y="3608120"/>
+            <a:ext cx="112202" cy="648238"/>
+          </a:xfrm>
+          <a:prstGeom prst="rect">
+            <a:avLst/>
+          </a:prstGeom>
+        </p:spPr>
+        <p:style>
+          <a:lnRef idx="2">
+            <a:schemeClr val="accent1">
+              <a:shade val="50000"/>
+            </a:schemeClr>
+          </a:lnRef>
+          <a:fillRef idx="1">
+            <a:schemeClr val="accent1"/>
+          </a:fillRef>
+          <a:effectRef idx="0">
+            <a:schemeClr val="accent1"/>
+          </a:effectRef>
+          <a:fontRef idx="minor">
+            <a:schemeClr val="lt1"/>
+          </a:fontRef>
+        </p:style>
+        <p:txBody>
+          <a:bodyPr rtlCol="0" anchor="ctr"/>
+          <a:lstStyle/>
+          <a:p>
+            <a:pPr algn="ctr"/>
+            <a:endParaRPr lang="pt-BR"/>
+          </a:p>
+        </p:txBody>
+      </p:sp>
+      <p:sp>
+        <p:nvSpPr>
+          <p:cNvPr id="79" name="Retângulo 78">
+            <a:extLst>
+              <a:ext uri="{FF2B5EF4-FFF2-40B4-BE49-F238E27FC236}">
+                <a16:creationId xmlns:a16="http://schemas.microsoft.com/office/drawing/2014/main" id="{6516627C-625F-F7E8-C4AE-DD058C3639AA}"/>
+              </a:ext>
+            </a:extLst>
+          </p:cNvPr>
+          <p:cNvSpPr/>
+          <p:nvPr/>
+        </p:nvSpPr>
+        <p:spPr>
+          <a:xfrm>
+            <a:off x="4173795" y="3608120"/>
+            <a:ext cx="112202" cy="648238"/>
+          </a:xfrm>
+          <a:prstGeom prst="rect">
+            <a:avLst/>
+          </a:prstGeom>
+        </p:spPr>
+        <p:style>
+          <a:lnRef idx="2">
+            <a:schemeClr val="accent1">
+              <a:shade val="50000"/>
+            </a:schemeClr>
+          </a:lnRef>
+          <a:fillRef idx="1">
+            <a:schemeClr val="accent1"/>
+          </a:fillRef>
+          <a:effectRef idx="0">
+            <a:schemeClr val="accent1"/>
+          </a:effectRef>
+          <a:fontRef idx="minor">
+            <a:schemeClr val="lt1"/>
+          </a:fontRef>
+        </p:style>
+        <p:txBody>
+          <a:bodyPr rtlCol="0" anchor="ctr"/>
+          <a:lstStyle/>
+          <a:p>
+            <a:pPr algn="ctr"/>
+            <a:endParaRPr lang="pt-BR"/>
+          </a:p>
+        </p:txBody>
+      </p:sp>
+      <p:sp>
+        <p:nvSpPr>
+          <p:cNvPr id="80" name="Retângulo 79">
+            <a:extLst>
+              <a:ext uri="{FF2B5EF4-FFF2-40B4-BE49-F238E27FC236}">
+                <a16:creationId xmlns:a16="http://schemas.microsoft.com/office/drawing/2014/main" id="{5D6DDB0B-C45C-1940-4FC2-4A1FA086E4A4}"/>
+              </a:ext>
+            </a:extLst>
+          </p:cNvPr>
+          <p:cNvSpPr/>
+          <p:nvPr/>
+        </p:nvSpPr>
+        <p:spPr>
+          <a:xfrm>
+            <a:off x="4604282" y="3608120"/>
+            <a:ext cx="112202" cy="648238"/>
+          </a:xfrm>
+          <a:prstGeom prst="rect">
+            <a:avLst/>
+          </a:prstGeom>
+        </p:spPr>
+        <p:style>
+          <a:lnRef idx="2">
+            <a:schemeClr val="accent1">
+              <a:shade val="50000"/>
+            </a:schemeClr>
+          </a:lnRef>
+          <a:fillRef idx="1">
+            <a:schemeClr val="accent1"/>
+          </a:fillRef>
+          <a:effectRef idx="0">
+            <a:schemeClr val="accent1"/>
+          </a:effectRef>
+          <a:fontRef idx="minor">
+            <a:schemeClr val="lt1"/>
+          </a:fontRef>
+        </p:style>
+        <p:txBody>
+          <a:bodyPr rtlCol="0" anchor="ctr"/>
+          <a:lstStyle/>
+          <a:p>
+            <a:pPr algn="ctr"/>
+            <a:endParaRPr lang="pt-BR"/>
+          </a:p>
+        </p:txBody>
+      </p:sp>
+      <p:sp>
+        <p:nvSpPr>
+          <p:cNvPr id="81" name="Seta: para Baixo 80">
+            <a:extLst>
+              <a:ext uri="{FF2B5EF4-FFF2-40B4-BE49-F238E27FC236}">
+                <a16:creationId xmlns:a16="http://schemas.microsoft.com/office/drawing/2014/main" id="{A9476B62-E7B1-1558-A324-7D972A3F2409}"/>
+              </a:ext>
+            </a:extLst>
+          </p:cNvPr>
+          <p:cNvSpPr/>
+          <p:nvPr/>
+        </p:nvSpPr>
+        <p:spPr>
+          <a:xfrm rot="16200000">
+            <a:off x="1805110" y="3730707"/>
+            <a:ext cx="189261" cy="423259"/>
+          </a:xfrm>
+          <a:prstGeom prst="downArrow">
+            <a:avLst>
+              <a:gd name="adj1" fmla="val 27390"/>
+              <a:gd name="adj2" fmla="val 68841"/>
+            </a:avLst>
+          </a:prstGeom>
+          <a:solidFill>
+            <a:schemeClr val="tx1"/>
+          </a:solidFill>
+          <a:ln>
+            <a:solidFill>
+              <a:schemeClr val="tx1"/>
+            </a:solidFill>
+          </a:ln>
+        </p:spPr>
+        <p:style>
+          <a:lnRef idx="2">
+            <a:schemeClr val="accent1">
+              <a:shade val="50000"/>
+            </a:schemeClr>
+          </a:lnRef>
+          <a:fillRef idx="1">
+            <a:schemeClr val="accent1"/>
+          </a:fillRef>
+          <a:effectRef idx="0">
+            <a:schemeClr val="accent1"/>
+          </a:effectRef>
+          <a:fontRef idx="minor">
+            <a:schemeClr val="lt1"/>
+          </a:fontRef>
+        </p:style>
+        <p:txBody>
+          <a:bodyPr rtlCol="0" anchor="ctr"/>
+          <a:lstStyle/>
+          <a:p>
+            <a:pPr algn="ctr"/>
+            <a:endParaRPr lang="pt-BR"/>
+          </a:p>
+        </p:txBody>
+      </p:sp>
+      <p:sp>
+        <p:nvSpPr>
+          <p:cNvPr id="82" name="Retângulo 81">
+            <a:extLst>
+              <a:ext uri="{FF2B5EF4-FFF2-40B4-BE49-F238E27FC236}">
+                <a16:creationId xmlns:a16="http://schemas.microsoft.com/office/drawing/2014/main" id="{05D66649-8740-196E-814F-518DD8427026}"/>
+              </a:ext>
+            </a:extLst>
+          </p:cNvPr>
+          <p:cNvSpPr/>
+          <p:nvPr/>
+        </p:nvSpPr>
+        <p:spPr>
+          <a:xfrm>
+            <a:off x="5577840" y="3608120"/>
+            <a:ext cx="1546166" cy="648238"/>
+          </a:xfrm>
+          <a:prstGeom prst="rect">
+            <a:avLst/>
+          </a:prstGeom>
+          <a:solidFill>
+            <a:schemeClr val="accent2">
+              <a:lumMod val="75000"/>
+            </a:schemeClr>
+          </a:solidFill>
+          <a:ln>
+            <a:solidFill>
+              <a:schemeClr val="accent2">
+                <a:lumMod val="20000"/>
+                <a:lumOff val="80000"/>
+              </a:schemeClr>
+            </a:solidFill>
+          </a:ln>
+        </p:spPr>
+        <p:style>
+          <a:lnRef idx="2">
+            <a:schemeClr val="accent1">
+              <a:shade val="50000"/>
+            </a:schemeClr>
+          </a:lnRef>
+          <a:fillRef idx="1">
+            <a:schemeClr val="accent1"/>
+          </a:fillRef>
+          <a:effectRef idx="0">
+            <a:schemeClr val="accent1"/>
+          </a:effectRef>
+          <a:fontRef idx="minor">
+            <a:schemeClr val="lt1"/>
+          </a:fontRef>
+        </p:style>
+        <p:txBody>
+          <a:bodyPr rtlCol="0" anchor="ctr"/>
+          <a:lstStyle/>
+          <a:p>
+            <a:pPr algn="ctr"/>
+            <a:r>
+              <a:rPr lang="pt-BR" dirty="0"/>
+              <a:t>Processador</a:t>
+            </a:r>
+          </a:p>
+        </p:txBody>
+      </p:sp>
+      <p:sp>
+        <p:nvSpPr>
+          <p:cNvPr id="83" name="Seta: para Baixo 82">
+            <a:extLst>
+              <a:ext uri="{FF2B5EF4-FFF2-40B4-BE49-F238E27FC236}">
+                <a16:creationId xmlns:a16="http://schemas.microsoft.com/office/drawing/2014/main" id="{1839A08F-D72D-E2C8-FAC3-5E32DC8E98ED}"/>
+              </a:ext>
+            </a:extLst>
+          </p:cNvPr>
+          <p:cNvSpPr/>
+          <p:nvPr/>
+        </p:nvSpPr>
+        <p:spPr>
+          <a:xfrm rot="16200000">
+            <a:off x="5052722" y="3730707"/>
+            <a:ext cx="189261" cy="423259"/>
+          </a:xfrm>
+          <a:prstGeom prst="downArrow">
+            <a:avLst>
+              <a:gd name="adj1" fmla="val 27390"/>
+              <a:gd name="adj2" fmla="val 68841"/>
+            </a:avLst>
+          </a:prstGeom>
+          <a:solidFill>
+            <a:schemeClr val="tx1"/>
+          </a:solidFill>
+          <a:ln>
+            <a:solidFill>
+              <a:schemeClr val="tx1"/>
+            </a:solidFill>
+          </a:ln>
+        </p:spPr>
+        <p:style>
+          <a:lnRef idx="2">
+            <a:schemeClr val="accent1">
+              <a:shade val="50000"/>
+            </a:schemeClr>
+          </a:lnRef>
+          <a:fillRef idx="1">
+            <a:schemeClr val="accent1"/>
+          </a:fillRef>
+          <a:effectRef idx="0">
+            <a:schemeClr val="accent1"/>
+          </a:effectRef>
+          <a:fontRef idx="minor">
+            <a:schemeClr val="lt1"/>
+          </a:fontRef>
+        </p:style>
+        <p:txBody>
+          <a:bodyPr rtlCol="0" anchor="ctr"/>
+          <a:lstStyle/>
+          <a:p>
+            <a:pPr algn="ctr"/>
+            <a:endParaRPr lang="pt-BR"/>
+          </a:p>
+        </p:txBody>
+      </p:sp>
+      <p:sp>
+        <p:nvSpPr>
+          <p:cNvPr id="85" name="Retângulo 84">
+            <a:extLst>
+              <a:ext uri="{FF2B5EF4-FFF2-40B4-BE49-F238E27FC236}">
+                <a16:creationId xmlns:a16="http://schemas.microsoft.com/office/drawing/2014/main" id="{6EF44BA5-6DE1-BC50-F436-4337092D5374}"/>
+              </a:ext>
+            </a:extLst>
+          </p:cNvPr>
+          <p:cNvSpPr/>
+          <p:nvPr/>
+        </p:nvSpPr>
+        <p:spPr>
+          <a:xfrm>
+            <a:off x="2248544" y="4347056"/>
+            <a:ext cx="112203" cy="648238"/>
+          </a:xfrm>
+          <a:prstGeom prst="rect">
+            <a:avLst/>
+          </a:prstGeom>
+        </p:spPr>
+        <p:style>
+          <a:lnRef idx="2">
+            <a:schemeClr val="accent1">
+              <a:shade val="50000"/>
+            </a:schemeClr>
+          </a:lnRef>
+          <a:fillRef idx="1">
+            <a:schemeClr val="accent1"/>
+          </a:fillRef>
+          <a:effectRef idx="0">
+            <a:schemeClr val="accent1"/>
+          </a:effectRef>
+          <a:fontRef idx="minor">
+            <a:schemeClr val="lt1"/>
+          </a:fontRef>
+        </p:style>
+        <p:txBody>
+          <a:bodyPr rtlCol="0" anchor="ctr"/>
+          <a:lstStyle/>
+          <a:p>
+            <a:pPr algn="ctr"/>
+            <a:endParaRPr lang="pt-BR"/>
+          </a:p>
+        </p:txBody>
+      </p:sp>
+      <p:sp>
+        <p:nvSpPr>
+          <p:cNvPr id="86" name="Retângulo 85">
+            <a:extLst>
+              <a:ext uri="{FF2B5EF4-FFF2-40B4-BE49-F238E27FC236}">
+                <a16:creationId xmlns:a16="http://schemas.microsoft.com/office/drawing/2014/main" id="{6D35AD5D-7EBB-3647-3798-BD530B9163A8}"/>
+              </a:ext>
+            </a:extLst>
+          </p:cNvPr>
+          <p:cNvSpPr/>
+          <p:nvPr/>
+        </p:nvSpPr>
+        <p:spPr>
+          <a:xfrm>
+            <a:off x="2477107" y="4347056"/>
+            <a:ext cx="112202" cy="648238"/>
+          </a:xfrm>
+          <a:prstGeom prst="rect">
+            <a:avLst/>
+          </a:prstGeom>
+        </p:spPr>
+        <p:style>
+          <a:lnRef idx="2">
+            <a:schemeClr val="accent1">
+              <a:shade val="50000"/>
+            </a:schemeClr>
+          </a:lnRef>
+          <a:fillRef idx="1">
+            <a:schemeClr val="accent1"/>
+          </a:fillRef>
+          <a:effectRef idx="0">
+            <a:schemeClr val="accent1"/>
+          </a:effectRef>
+          <a:fontRef idx="minor">
+            <a:schemeClr val="lt1"/>
+          </a:fontRef>
+        </p:style>
+        <p:txBody>
+          <a:bodyPr rtlCol="0" anchor="ctr"/>
+          <a:lstStyle/>
+          <a:p>
+            <a:pPr algn="ctr"/>
+            <a:endParaRPr lang="pt-BR"/>
+          </a:p>
+        </p:txBody>
+      </p:sp>
+      <p:sp>
+        <p:nvSpPr>
+          <p:cNvPr id="87" name="Retângulo 86">
+            <a:extLst>
+              <a:ext uri="{FF2B5EF4-FFF2-40B4-BE49-F238E27FC236}">
+                <a16:creationId xmlns:a16="http://schemas.microsoft.com/office/drawing/2014/main" id="{F18F238C-C65E-0185-D969-BB519A11E671}"/>
+              </a:ext>
+            </a:extLst>
+          </p:cNvPr>
+          <p:cNvSpPr/>
+          <p:nvPr/>
+        </p:nvSpPr>
+        <p:spPr>
+          <a:xfrm>
+            <a:off x="2705669" y="4347056"/>
+            <a:ext cx="112202" cy="648238"/>
+          </a:xfrm>
+          <a:prstGeom prst="rect">
+            <a:avLst/>
+          </a:prstGeom>
+        </p:spPr>
+        <p:style>
+          <a:lnRef idx="2">
+            <a:schemeClr val="accent1">
+              <a:shade val="50000"/>
+            </a:schemeClr>
+          </a:lnRef>
+          <a:fillRef idx="1">
+            <a:schemeClr val="accent1"/>
+          </a:fillRef>
+          <a:effectRef idx="0">
+            <a:schemeClr val="accent1"/>
+          </a:effectRef>
+          <a:fontRef idx="minor">
+            <a:schemeClr val="lt1"/>
+          </a:fontRef>
+        </p:style>
+        <p:txBody>
+          <a:bodyPr rtlCol="0" anchor="ctr"/>
+          <a:lstStyle/>
+          <a:p>
+            <a:pPr algn="ctr"/>
+            <a:endParaRPr lang="pt-BR"/>
+          </a:p>
+        </p:txBody>
+      </p:sp>
+      <p:sp>
+        <p:nvSpPr>
+          <p:cNvPr id="88" name="Retângulo 87">
+            <a:extLst>
+              <a:ext uri="{FF2B5EF4-FFF2-40B4-BE49-F238E27FC236}">
+                <a16:creationId xmlns:a16="http://schemas.microsoft.com/office/drawing/2014/main" id="{ADC983C2-9AEA-3174-70D3-69EC33614F45}"/>
+              </a:ext>
+            </a:extLst>
+          </p:cNvPr>
+          <p:cNvSpPr/>
+          <p:nvPr/>
+        </p:nvSpPr>
+        <p:spPr>
+          <a:xfrm>
+            <a:off x="2934231" y="4347056"/>
+            <a:ext cx="112202" cy="648238"/>
+          </a:xfrm>
+          <a:prstGeom prst="rect">
+            <a:avLst/>
+          </a:prstGeom>
+        </p:spPr>
+        <p:style>
+          <a:lnRef idx="2">
+            <a:schemeClr val="accent1">
+              <a:shade val="50000"/>
+            </a:schemeClr>
+          </a:lnRef>
+          <a:fillRef idx="1">
+            <a:schemeClr val="accent1"/>
+          </a:fillRef>
+          <a:effectRef idx="0">
+            <a:schemeClr val="accent1"/>
+          </a:effectRef>
+          <a:fontRef idx="minor">
+            <a:schemeClr val="lt1"/>
+          </a:fontRef>
+        </p:style>
+        <p:txBody>
+          <a:bodyPr rtlCol="0" anchor="ctr"/>
+          <a:lstStyle/>
+          <a:p>
+            <a:pPr algn="ctr"/>
+            <a:endParaRPr lang="pt-BR"/>
+          </a:p>
+        </p:txBody>
+      </p:sp>
+      <p:sp>
+        <p:nvSpPr>
+          <p:cNvPr id="89" name="Retângulo 88">
+            <a:extLst>
+              <a:ext uri="{FF2B5EF4-FFF2-40B4-BE49-F238E27FC236}">
+                <a16:creationId xmlns:a16="http://schemas.microsoft.com/office/drawing/2014/main" id="{747A7EA3-99B7-DCC7-7C2F-CBCFA3530DDD}"/>
+              </a:ext>
+            </a:extLst>
+          </p:cNvPr>
+          <p:cNvSpPr/>
+          <p:nvPr/>
+        </p:nvSpPr>
+        <p:spPr>
+          <a:xfrm>
+            <a:off x="3162793" y="4347056"/>
+            <a:ext cx="112202" cy="648238"/>
+          </a:xfrm>
+          <a:prstGeom prst="rect">
+            <a:avLst/>
+          </a:prstGeom>
+        </p:spPr>
+        <p:style>
+          <a:lnRef idx="2">
+            <a:schemeClr val="accent1">
+              <a:shade val="50000"/>
+            </a:schemeClr>
+          </a:lnRef>
+          <a:fillRef idx="1">
+            <a:schemeClr val="accent1"/>
+          </a:fillRef>
+          <a:effectRef idx="0">
+            <a:schemeClr val="accent1"/>
+          </a:effectRef>
+          <a:fontRef idx="minor">
+            <a:schemeClr val="lt1"/>
+          </a:fontRef>
+        </p:style>
+        <p:txBody>
+          <a:bodyPr rtlCol="0" anchor="ctr"/>
+          <a:lstStyle/>
+          <a:p>
+            <a:pPr algn="ctr"/>
+            <a:endParaRPr lang="pt-BR"/>
+          </a:p>
+        </p:txBody>
+      </p:sp>
+      <p:sp>
+        <p:nvSpPr>
+          <p:cNvPr id="90" name="Retângulo 89">
+            <a:extLst>
+              <a:ext uri="{FF2B5EF4-FFF2-40B4-BE49-F238E27FC236}">
+                <a16:creationId xmlns:a16="http://schemas.microsoft.com/office/drawing/2014/main" id="{9CBB7834-6773-6542-56D5-0C84599FB661}"/>
+              </a:ext>
+            </a:extLst>
+          </p:cNvPr>
+          <p:cNvSpPr/>
+          <p:nvPr/>
+        </p:nvSpPr>
+        <p:spPr>
+          <a:xfrm>
+            <a:off x="3391355" y="4347056"/>
+            <a:ext cx="112202" cy="648238"/>
+          </a:xfrm>
+          <a:prstGeom prst="rect">
+            <a:avLst/>
+          </a:prstGeom>
+        </p:spPr>
+        <p:style>
+          <a:lnRef idx="2">
+            <a:schemeClr val="accent1">
+              <a:shade val="50000"/>
+            </a:schemeClr>
+          </a:lnRef>
+          <a:fillRef idx="1">
+            <a:schemeClr val="accent1"/>
+          </a:fillRef>
+          <a:effectRef idx="0">
+            <a:schemeClr val="accent1"/>
+          </a:effectRef>
+          <a:fontRef idx="minor">
+            <a:schemeClr val="lt1"/>
+          </a:fontRef>
+        </p:style>
+        <p:txBody>
+          <a:bodyPr rtlCol="0" anchor="ctr"/>
+          <a:lstStyle/>
+          <a:p>
+            <a:pPr algn="ctr"/>
+            <a:endParaRPr lang="pt-BR"/>
+          </a:p>
+        </p:txBody>
+      </p:sp>
+      <p:sp>
+        <p:nvSpPr>
+          <p:cNvPr id="91" name="Retângulo 90">
+            <a:extLst>
+              <a:ext uri="{FF2B5EF4-FFF2-40B4-BE49-F238E27FC236}">
+                <a16:creationId xmlns:a16="http://schemas.microsoft.com/office/drawing/2014/main" id="{9FC4F547-A883-B89B-945A-E6A57A4F1E78}"/>
+              </a:ext>
+            </a:extLst>
+          </p:cNvPr>
+          <p:cNvSpPr/>
+          <p:nvPr/>
+        </p:nvSpPr>
+        <p:spPr>
+          <a:xfrm>
+            <a:off x="3619917" y="4347056"/>
+            <a:ext cx="112202" cy="648238"/>
+          </a:xfrm>
+          <a:prstGeom prst="rect">
+            <a:avLst/>
+          </a:prstGeom>
+        </p:spPr>
+        <p:style>
+          <a:lnRef idx="2">
+            <a:schemeClr val="accent1">
+              <a:shade val="50000"/>
+            </a:schemeClr>
+          </a:lnRef>
+          <a:fillRef idx="1">
+            <a:schemeClr val="accent1"/>
+          </a:fillRef>
+          <a:effectRef idx="0">
+            <a:schemeClr val="accent1"/>
+          </a:effectRef>
+          <a:fontRef idx="minor">
+            <a:schemeClr val="lt1"/>
+          </a:fontRef>
+        </p:style>
+        <p:txBody>
+          <a:bodyPr rtlCol="0" anchor="ctr"/>
+          <a:lstStyle/>
+          <a:p>
+            <a:pPr algn="ctr"/>
+            <a:endParaRPr lang="pt-BR"/>
+          </a:p>
+        </p:txBody>
+      </p:sp>
+      <p:sp>
+        <p:nvSpPr>
+          <p:cNvPr id="92" name="Retângulo 91">
+            <a:extLst>
+              <a:ext uri="{FF2B5EF4-FFF2-40B4-BE49-F238E27FC236}">
+                <a16:creationId xmlns:a16="http://schemas.microsoft.com/office/drawing/2014/main" id="{D9047E8C-6332-D420-5B9C-102302D65F11}"/>
+              </a:ext>
+            </a:extLst>
+          </p:cNvPr>
+          <p:cNvSpPr/>
+          <p:nvPr/>
+        </p:nvSpPr>
+        <p:spPr>
+          <a:xfrm>
+            <a:off x="3848477" y="4347056"/>
+            <a:ext cx="112202" cy="648238"/>
+          </a:xfrm>
+          <a:prstGeom prst="rect">
+            <a:avLst/>
+          </a:prstGeom>
+        </p:spPr>
+        <p:style>
+          <a:lnRef idx="2">
+            <a:schemeClr val="accent1">
+              <a:shade val="50000"/>
+            </a:schemeClr>
+          </a:lnRef>
+          <a:fillRef idx="1">
+            <a:schemeClr val="accent1"/>
+          </a:fillRef>
+          <a:effectRef idx="0">
+            <a:schemeClr val="accent1"/>
+          </a:effectRef>
+          <a:fontRef idx="minor">
+            <a:schemeClr val="lt1"/>
+          </a:fontRef>
+        </p:style>
+        <p:txBody>
+          <a:bodyPr rtlCol="0" anchor="ctr"/>
+          <a:lstStyle/>
+          <a:p>
+            <a:pPr algn="ctr"/>
+            <a:endParaRPr lang="pt-BR"/>
+          </a:p>
+        </p:txBody>
+      </p:sp>
+      <p:sp>
+        <p:nvSpPr>
+          <p:cNvPr id="93" name="Retângulo 92">
+            <a:extLst>
+              <a:ext uri="{FF2B5EF4-FFF2-40B4-BE49-F238E27FC236}">
+                <a16:creationId xmlns:a16="http://schemas.microsoft.com/office/drawing/2014/main" id="{391BB85F-3817-36B8-F94C-DFF35D4FE17F}"/>
+              </a:ext>
+            </a:extLst>
+          </p:cNvPr>
+          <p:cNvSpPr/>
+          <p:nvPr/>
+        </p:nvSpPr>
+        <p:spPr>
+          <a:xfrm>
+            <a:off x="4173795" y="4347056"/>
+            <a:ext cx="112202" cy="648238"/>
+          </a:xfrm>
+          <a:prstGeom prst="rect">
+            <a:avLst/>
+          </a:prstGeom>
+        </p:spPr>
+        <p:style>
+          <a:lnRef idx="2">
+            <a:schemeClr val="accent1">
+              <a:shade val="50000"/>
+            </a:schemeClr>
+          </a:lnRef>
+          <a:fillRef idx="1">
+            <a:schemeClr val="accent1"/>
+          </a:fillRef>
+          <a:effectRef idx="0">
+            <a:schemeClr val="accent1"/>
+          </a:effectRef>
+          <a:fontRef idx="minor">
+            <a:schemeClr val="lt1"/>
+          </a:fontRef>
+        </p:style>
+        <p:txBody>
+          <a:bodyPr rtlCol="0" anchor="ctr"/>
+          <a:lstStyle/>
+          <a:p>
+            <a:pPr algn="ctr"/>
+            <a:endParaRPr lang="pt-BR"/>
+          </a:p>
+        </p:txBody>
+      </p:sp>
+      <p:sp>
+        <p:nvSpPr>
+          <p:cNvPr id="94" name="Retângulo 93">
+            <a:extLst>
+              <a:ext uri="{FF2B5EF4-FFF2-40B4-BE49-F238E27FC236}">
+                <a16:creationId xmlns:a16="http://schemas.microsoft.com/office/drawing/2014/main" id="{D67A88F2-5AF9-69D4-6DC6-7748E9903E64}"/>
+              </a:ext>
+            </a:extLst>
+          </p:cNvPr>
+          <p:cNvSpPr/>
+          <p:nvPr/>
+        </p:nvSpPr>
+        <p:spPr>
+          <a:xfrm>
+            <a:off x="4604282" y="4347056"/>
+            <a:ext cx="112202" cy="648238"/>
+          </a:xfrm>
+          <a:prstGeom prst="rect">
+            <a:avLst/>
+          </a:prstGeom>
+        </p:spPr>
+        <p:style>
+          <a:lnRef idx="2">
+            <a:schemeClr val="accent1">
+              <a:shade val="50000"/>
+            </a:schemeClr>
+          </a:lnRef>
+          <a:fillRef idx="1">
+            <a:schemeClr val="accent1"/>
+          </a:fillRef>
+          <a:effectRef idx="0">
+            <a:schemeClr val="accent1"/>
+          </a:effectRef>
+          <a:fontRef idx="minor">
+            <a:schemeClr val="lt1"/>
+          </a:fontRef>
+        </p:style>
+        <p:txBody>
+          <a:bodyPr rtlCol="0" anchor="ctr"/>
+          <a:lstStyle/>
+          <a:p>
+            <a:pPr algn="ctr"/>
+            <a:endParaRPr lang="pt-BR"/>
+          </a:p>
+        </p:txBody>
+      </p:sp>
+      <p:sp>
+        <p:nvSpPr>
+          <p:cNvPr id="95" name="Seta: para Baixo 94">
+            <a:extLst>
+              <a:ext uri="{FF2B5EF4-FFF2-40B4-BE49-F238E27FC236}">
+                <a16:creationId xmlns:a16="http://schemas.microsoft.com/office/drawing/2014/main" id="{4FF24427-8BF9-41EC-E732-BAA8F676F037}"/>
+              </a:ext>
+            </a:extLst>
+          </p:cNvPr>
+          <p:cNvSpPr/>
+          <p:nvPr/>
+        </p:nvSpPr>
+        <p:spPr>
+          <a:xfrm rot="16200000">
+            <a:off x="1805110" y="4469643"/>
+            <a:ext cx="189261" cy="423259"/>
+          </a:xfrm>
+          <a:prstGeom prst="downArrow">
+            <a:avLst>
+              <a:gd name="adj1" fmla="val 27390"/>
+              <a:gd name="adj2" fmla="val 68841"/>
+            </a:avLst>
+          </a:prstGeom>
+          <a:solidFill>
+            <a:schemeClr val="tx1"/>
+          </a:solidFill>
+          <a:ln>
+            <a:solidFill>
+              <a:schemeClr val="tx1"/>
+            </a:solidFill>
+          </a:ln>
+        </p:spPr>
+        <p:style>
+          <a:lnRef idx="2">
+            <a:schemeClr val="accent1">
+              <a:shade val="50000"/>
+            </a:schemeClr>
+          </a:lnRef>
+          <a:fillRef idx="1">
+            <a:schemeClr val="accent1"/>
+          </a:fillRef>
+          <a:effectRef idx="0">
+            <a:schemeClr val="accent1"/>
+          </a:effectRef>
+          <a:fontRef idx="minor">
+            <a:schemeClr val="lt1"/>
+          </a:fontRef>
+        </p:style>
+        <p:txBody>
+          <a:bodyPr rtlCol="0" anchor="ctr"/>
+          <a:lstStyle/>
+          <a:p>
+            <a:pPr algn="ctr"/>
+            <a:endParaRPr lang="pt-BR"/>
+          </a:p>
+        </p:txBody>
+      </p:sp>
+      <p:sp>
+        <p:nvSpPr>
+          <p:cNvPr id="96" name="Retângulo 95">
+            <a:extLst>
+              <a:ext uri="{FF2B5EF4-FFF2-40B4-BE49-F238E27FC236}">
+                <a16:creationId xmlns:a16="http://schemas.microsoft.com/office/drawing/2014/main" id="{5C273070-54FC-BFDF-1720-4674F361F744}"/>
+              </a:ext>
+            </a:extLst>
+          </p:cNvPr>
+          <p:cNvSpPr/>
+          <p:nvPr/>
+        </p:nvSpPr>
+        <p:spPr>
+          <a:xfrm>
+            <a:off x="5577840" y="4347056"/>
+            <a:ext cx="1546166" cy="648238"/>
+          </a:xfrm>
+          <a:prstGeom prst="rect">
+            <a:avLst/>
+          </a:prstGeom>
+          <a:solidFill>
+            <a:schemeClr val="accent2">
+              <a:lumMod val="75000"/>
+            </a:schemeClr>
+          </a:solidFill>
+          <a:ln>
+            <a:solidFill>
+              <a:schemeClr val="accent2">
+                <a:lumMod val="20000"/>
+                <a:lumOff val="80000"/>
+              </a:schemeClr>
+            </a:solidFill>
+          </a:ln>
+        </p:spPr>
+        <p:style>
+          <a:lnRef idx="2">
+            <a:schemeClr val="accent1">
+              <a:shade val="50000"/>
+            </a:schemeClr>
+          </a:lnRef>
+          <a:fillRef idx="1">
+            <a:schemeClr val="accent1"/>
+          </a:fillRef>
+          <a:effectRef idx="0">
+            <a:schemeClr val="accent1"/>
+          </a:effectRef>
+          <a:fontRef idx="minor">
+            <a:schemeClr val="lt1"/>
+          </a:fontRef>
+        </p:style>
+        <p:txBody>
+          <a:bodyPr rtlCol="0" anchor="ctr"/>
+          <a:lstStyle/>
+          <a:p>
+            <a:pPr algn="ctr"/>
+            <a:r>
+              <a:rPr lang="pt-BR" dirty="0"/>
+              <a:t>Processador</a:t>
+            </a:r>
+          </a:p>
+        </p:txBody>
+      </p:sp>
+      <p:sp>
+        <p:nvSpPr>
+          <p:cNvPr id="97" name="Seta: para Baixo 96">
+            <a:extLst>
+              <a:ext uri="{FF2B5EF4-FFF2-40B4-BE49-F238E27FC236}">
+                <a16:creationId xmlns:a16="http://schemas.microsoft.com/office/drawing/2014/main" id="{E639154B-25DC-BC41-344C-9477BE7FBA21}"/>
+              </a:ext>
+            </a:extLst>
+          </p:cNvPr>
+          <p:cNvSpPr/>
+          <p:nvPr/>
+        </p:nvSpPr>
+        <p:spPr>
+          <a:xfrm rot="16200000">
+            <a:off x="5052722" y="4469643"/>
+            <a:ext cx="189261" cy="423259"/>
+          </a:xfrm>
+          <a:prstGeom prst="downArrow">
+            <a:avLst>
+              <a:gd name="adj1" fmla="val 27390"/>
+              <a:gd name="adj2" fmla="val 68841"/>
+            </a:avLst>
+          </a:prstGeom>
+          <a:solidFill>
+            <a:schemeClr val="tx1"/>
+          </a:solidFill>
+          <a:ln>
+            <a:solidFill>
+              <a:schemeClr val="tx1"/>
+            </a:solidFill>
+          </a:ln>
+        </p:spPr>
+        <p:style>
+          <a:lnRef idx="2">
+            <a:schemeClr val="accent1">
+              <a:shade val="50000"/>
+            </a:schemeClr>
+          </a:lnRef>
+          <a:fillRef idx="1">
+            <a:schemeClr val="accent1"/>
+          </a:fillRef>
+          <a:effectRef idx="0">
+            <a:schemeClr val="accent1"/>
+          </a:effectRef>
+          <a:fontRef idx="minor">
+            <a:schemeClr val="lt1"/>
+          </a:fontRef>
+        </p:style>
+        <p:txBody>
+          <a:bodyPr rtlCol="0" anchor="ctr"/>
+          <a:lstStyle/>
+          <a:p>
+            <a:pPr algn="ctr"/>
+            <a:endParaRPr lang="pt-BR"/>
+          </a:p>
+        </p:txBody>
+      </p:sp>
+      <p:sp>
+        <p:nvSpPr>
+          <p:cNvPr id="98" name="Retângulo 97">
+            <a:extLst>
+              <a:ext uri="{FF2B5EF4-FFF2-40B4-BE49-F238E27FC236}">
+                <a16:creationId xmlns:a16="http://schemas.microsoft.com/office/drawing/2014/main" id="{3645F465-7176-C3C9-BDF6-2B662CCB5883}"/>
+              </a:ext>
+            </a:extLst>
+          </p:cNvPr>
+          <p:cNvSpPr/>
+          <p:nvPr/>
+        </p:nvSpPr>
+        <p:spPr>
+          <a:xfrm>
+            <a:off x="232898" y="2786727"/>
+            <a:ext cx="1235973" cy="750114"/>
+          </a:xfrm>
+          <a:prstGeom prst="rect">
+            <a:avLst/>
+          </a:prstGeom>
+        </p:spPr>
+        <p:style>
+          <a:lnRef idx="2">
+            <a:schemeClr val="accent1">
+              <a:shade val="50000"/>
+            </a:schemeClr>
+          </a:lnRef>
+          <a:fillRef idx="1">
+            <a:schemeClr val="accent1"/>
+          </a:fillRef>
+          <a:effectRef idx="0">
+            <a:schemeClr val="accent1"/>
+          </a:effectRef>
+          <a:fontRef idx="minor">
+            <a:schemeClr val="lt1"/>
+          </a:fontRef>
+        </p:style>
+        <p:txBody>
+          <a:bodyPr rtlCol="0" anchor="ctr"/>
+          <a:lstStyle/>
+          <a:p>
+            <a:pPr algn="ctr"/>
+            <a:endParaRPr lang="pt-BR" dirty="0"/>
+          </a:p>
+        </p:txBody>
+      </p:sp>
+      <p:sp>
+        <p:nvSpPr>
+          <p:cNvPr id="100" name="Retângulo 99">
+            <a:extLst>
+              <a:ext uri="{FF2B5EF4-FFF2-40B4-BE49-F238E27FC236}">
+                <a16:creationId xmlns:a16="http://schemas.microsoft.com/office/drawing/2014/main" id="{BDD9798D-FB9F-0AA6-462D-88FED5299285}"/>
+              </a:ext>
+            </a:extLst>
+          </p:cNvPr>
+          <p:cNvSpPr/>
+          <p:nvPr/>
+        </p:nvSpPr>
+        <p:spPr>
+          <a:xfrm>
+            <a:off x="232898" y="3541423"/>
+            <a:ext cx="1235973" cy="750114"/>
+          </a:xfrm>
+          <a:prstGeom prst="rect">
+            <a:avLst/>
+          </a:prstGeom>
+        </p:spPr>
+        <p:style>
+          <a:lnRef idx="2">
+            <a:schemeClr val="accent1">
+              <a:shade val="50000"/>
+            </a:schemeClr>
+          </a:lnRef>
+          <a:fillRef idx="1">
+            <a:schemeClr val="accent1"/>
+          </a:fillRef>
+          <a:effectRef idx="0">
+            <a:schemeClr val="accent1"/>
+          </a:effectRef>
+          <a:fontRef idx="minor">
+            <a:schemeClr val="lt1"/>
+          </a:fontRef>
+        </p:style>
+        <p:txBody>
+          <a:bodyPr rtlCol="0" anchor="ctr"/>
+          <a:lstStyle/>
+          <a:p>
+            <a:pPr algn="ctr"/>
+            <a:endParaRPr lang="pt-BR" dirty="0"/>
+          </a:p>
+        </p:txBody>
+      </p:sp>
+      <p:sp>
+        <p:nvSpPr>
+          <p:cNvPr id="101" name="Retângulo 100">
+            <a:extLst>
+              <a:ext uri="{FF2B5EF4-FFF2-40B4-BE49-F238E27FC236}">
+                <a16:creationId xmlns:a16="http://schemas.microsoft.com/office/drawing/2014/main" id="{3AE0EBC3-27A7-5660-966E-675C181ABFBE}"/>
+              </a:ext>
+            </a:extLst>
+          </p:cNvPr>
+          <p:cNvSpPr/>
+          <p:nvPr/>
+        </p:nvSpPr>
+        <p:spPr>
+          <a:xfrm>
+            <a:off x="232898" y="4296118"/>
+            <a:ext cx="1235973" cy="750114"/>
+          </a:xfrm>
+          <a:prstGeom prst="rect">
+            <a:avLst/>
+          </a:prstGeom>
+        </p:spPr>
+        <p:style>
+          <a:lnRef idx="2">
+            <a:schemeClr val="accent1">
+              <a:shade val="50000"/>
+            </a:schemeClr>
+          </a:lnRef>
+          <a:fillRef idx="1">
+            <a:schemeClr val="accent1"/>
+          </a:fillRef>
+          <a:effectRef idx="0">
+            <a:schemeClr val="accent1"/>
+          </a:effectRef>
+          <a:fontRef idx="minor">
+            <a:schemeClr val="lt1"/>
+          </a:fontRef>
+        </p:style>
+        <p:txBody>
+          <a:bodyPr rtlCol="0" anchor="ctr"/>
+          <a:lstStyle/>
+          <a:p>
+            <a:pPr algn="ctr"/>
+            <a:endParaRPr lang="pt-BR" dirty="0"/>
+          </a:p>
+        </p:txBody>
+      </p:sp>
+    </p:spTree>
+    <p:extLst>
+      <p:ext uri="{BB962C8B-B14F-4D97-AF65-F5344CB8AC3E}">
+        <p14:creationId xmlns:p14="http://schemas.microsoft.com/office/powerpoint/2010/main" val="1718068100"/>
+      </p:ext>
+    </p:extLst>
+  </p:cSld>
+  <p:clrMapOvr>
+    <a:masterClrMapping/>
+  </p:clrMapOvr>
+</p:sld>
+</file>
+
+<file path=ppt/slides/slide12.xml><?xml version="1.0" encoding="utf-8"?>
+<p:sld xmlns:a="http://schemas.openxmlformats.org/drawingml/2006/main" xmlns:r="http://schemas.openxmlformats.org/officeDocument/2006/relationships" xmlns:p="http://schemas.openxmlformats.org/presentationml/2006/main">
+  <p:cSld>
+    <p:spTree>
+      <p:nvGrpSpPr>
+        <p:cNvPr id="1" name=""/>
+        <p:cNvGrpSpPr/>
+        <p:nvPr/>
+      </p:nvGrpSpPr>
+      <p:grpSpPr>
+        <a:xfrm>
+          <a:off x="0" y="0"/>
+          <a:ext cx="0" cy="0"/>
+          <a:chOff x="0" y="0"/>
+          <a:chExt cx="0" cy="0"/>
+        </a:xfrm>
+      </p:grpSpPr>
+      <p:sp>
+        <p:nvSpPr>
+          <p:cNvPr id="4" name="Retângulo 3">
+            <a:extLst>
+              <a:ext uri="{FF2B5EF4-FFF2-40B4-BE49-F238E27FC236}">
+                <a16:creationId xmlns:a16="http://schemas.microsoft.com/office/drawing/2014/main" id="{003499EE-0A8C-2622-7900-2AFCB5E91588}"/>
+              </a:ext>
+            </a:extLst>
+          </p:cNvPr>
+          <p:cNvSpPr/>
+          <p:nvPr/>
+        </p:nvSpPr>
+        <p:spPr>
+          <a:xfrm>
+            <a:off x="565266" y="448887"/>
+            <a:ext cx="2743445" cy="698269"/>
+          </a:xfrm>
+          <a:prstGeom prst="rect">
+            <a:avLst/>
+          </a:prstGeom>
+        </p:spPr>
+        <p:style>
+          <a:lnRef idx="2">
+            <a:schemeClr val="accent1">
+              <a:shade val="50000"/>
+            </a:schemeClr>
+          </a:lnRef>
+          <a:fillRef idx="1">
+            <a:schemeClr val="accent1"/>
+          </a:fillRef>
+          <a:effectRef idx="0">
+            <a:schemeClr val="accent1"/>
+          </a:effectRef>
+          <a:fontRef idx="minor">
+            <a:schemeClr val="lt1"/>
+          </a:fontRef>
+        </p:style>
+        <p:txBody>
+          <a:bodyPr rtlCol="0" anchor="ctr"/>
+          <a:lstStyle/>
+          <a:p>
+            <a:pPr algn="ctr"/>
+            <a:r>
+              <a:rPr lang="pt-BR" dirty="0"/>
+              <a:t>Problema</a:t>
+            </a:r>
+          </a:p>
+        </p:txBody>
+      </p:sp>
+      <p:sp>
+        <p:nvSpPr>
+          <p:cNvPr id="5" name="Retângulo 4">
+            <a:extLst>
+              <a:ext uri="{FF2B5EF4-FFF2-40B4-BE49-F238E27FC236}">
+                <a16:creationId xmlns:a16="http://schemas.microsoft.com/office/drawing/2014/main" id="{33102406-B7F4-EA39-85E8-FA3683FDAE32}"/>
+              </a:ext>
+            </a:extLst>
+          </p:cNvPr>
+          <p:cNvSpPr/>
+          <p:nvPr/>
+        </p:nvSpPr>
+        <p:spPr>
+          <a:xfrm>
+            <a:off x="565266" y="2069869"/>
+            <a:ext cx="122167" cy="1517073"/>
+          </a:xfrm>
+          <a:prstGeom prst="rect">
+            <a:avLst/>
+          </a:prstGeom>
+        </p:spPr>
+        <p:style>
+          <a:lnRef idx="2">
+            <a:schemeClr val="accent1">
+              <a:shade val="50000"/>
+            </a:schemeClr>
+          </a:lnRef>
+          <a:fillRef idx="1">
+            <a:schemeClr val="accent1"/>
+          </a:fillRef>
+          <a:effectRef idx="0">
+            <a:schemeClr val="accent1"/>
+          </a:effectRef>
+          <a:fontRef idx="minor">
+            <a:schemeClr val="lt1"/>
+          </a:fontRef>
+        </p:style>
+        <p:txBody>
+          <a:bodyPr rtlCol="0" anchor="ctr"/>
+          <a:lstStyle/>
+          <a:p>
+            <a:pPr algn="ctr"/>
+            <a:endParaRPr lang="pt-BR"/>
+          </a:p>
+        </p:txBody>
+      </p:sp>
+      <p:sp>
+        <p:nvSpPr>
+          <p:cNvPr id="6" name="Retângulo 5">
+            <a:extLst>
+              <a:ext uri="{FF2B5EF4-FFF2-40B4-BE49-F238E27FC236}">
+                <a16:creationId xmlns:a16="http://schemas.microsoft.com/office/drawing/2014/main" id="{A0E6D889-97A3-3BEF-23F1-70FA9E94CF04}"/>
+              </a:ext>
+            </a:extLst>
+          </p:cNvPr>
+          <p:cNvSpPr/>
+          <p:nvPr/>
+        </p:nvSpPr>
+        <p:spPr>
+          <a:xfrm>
+            <a:off x="784401" y="2069865"/>
+            <a:ext cx="122166" cy="1517073"/>
+          </a:xfrm>
+          <a:prstGeom prst="rect">
+            <a:avLst/>
+          </a:prstGeom>
+        </p:spPr>
+        <p:style>
+          <a:lnRef idx="2">
+            <a:schemeClr val="accent1">
+              <a:shade val="50000"/>
+            </a:schemeClr>
+          </a:lnRef>
+          <a:fillRef idx="1">
+            <a:schemeClr val="accent1"/>
+          </a:fillRef>
+          <a:effectRef idx="0">
+            <a:schemeClr val="accent1"/>
+          </a:effectRef>
+          <a:fontRef idx="minor">
+            <a:schemeClr val="lt1"/>
+          </a:fontRef>
+        </p:style>
+        <p:txBody>
+          <a:bodyPr rtlCol="0" anchor="ctr"/>
+          <a:lstStyle/>
+          <a:p>
+            <a:pPr algn="ctr"/>
+            <a:endParaRPr lang="pt-BR"/>
+          </a:p>
+        </p:txBody>
+      </p:sp>
+      <p:sp>
+        <p:nvSpPr>
+          <p:cNvPr id="7" name="Retângulo 6">
+            <a:extLst>
+              <a:ext uri="{FF2B5EF4-FFF2-40B4-BE49-F238E27FC236}">
+                <a16:creationId xmlns:a16="http://schemas.microsoft.com/office/drawing/2014/main" id="{2714C558-0AA1-C00E-3252-A34720EF1BD4}"/>
+              </a:ext>
+            </a:extLst>
+          </p:cNvPr>
+          <p:cNvSpPr/>
+          <p:nvPr/>
+        </p:nvSpPr>
+        <p:spPr>
+          <a:xfrm>
+            <a:off x="1003535" y="2069864"/>
+            <a:ext cx="122166" cy="1517073"/>
+          </a:xfrm>
+          <a:prstGeom prst="rect">
+            <a:avLst/>
+          </a:prstGeom>
+        </p:spPr>
+        <p:style>
+          <a:lnRef idx="2">
+            <a:schemeClr val="accent1">
+              <a:shade val="50000"/>
+            </a:schemeClr>
+          </a:lnRef>
+          <a:fillRef idx="1">
+            <a:schemeClr val="accent1"/>
+          </a:fillRef>
+          <a:effectRef idx="0">
+            <a:schemeClr val="accent1"/>
+          </a:effectRef>
+          <a:fontRef idx="minor">
+            <a:schemeClr val="lt1"/>
+          </a:fontRef>
+        </p:style>
+        <p:txBody>
+          <a:bodyPr rtlCol="0" anchor="ctr"/>
+          <a:lstStyle/>
+          <a:p>
+            <a:pPr algn="ctr"/>
+            <a:endParaRPr lang="pt-BR"/>
+          </a:p>
+        </p:txBody>
+      </p:sp>
+      <p:sp>
+        <p:nvSpPr>
+          <p:cNvPr id="8" name="Retângulo 7">
+            <a:extLst>
+              <a:ext uri="{FF2B5EF4-FFF2-40B4-BE49-F238E27FC236}">
+                <a16:creationId xmlns:a16="http://schemas.microsoft.com/office/drawing/2014/main" id="{1E1BD104-96E6-63AC-DB44-E93BA2A354EA}"/>
+              </a:ext>
+            </a:extLst>
+          </p:cNvPr>
+          <p:cNvSpPr/>
+          <p:nvPr/>
+        </p:nvSpPr>
+        <p:spPr>
+          <a:xfrm>
+            <a:off x="1222669" y="2069863"/>
+            <a:ext cx="122166" cy="1517073"/>
+          </a:xfrm>
+          <a:prstGeom prst="rect">
+            <a:avLst/>
+          </a:prstGeom>
+        </p:spPr>
+        <p:style>
+          <a:lnRef idx="2">
+            <a:schemeClr val="accent1">
+              <a:shade val="50000"/>
+            </a:schemeClr>
+          </a:lnRef>
+          <a:fillRef idx="1">
+            <a:schemeClr val="accent1"/>
+          </a:fillRef>
+          <a:effectRef idx="0">
+            <a:schemeClr val="accent1"/>
+          </a:effectRef>
+          <a:fontRef idx="minor">
+            <a:schemeClr val="lt1"/>
+          </a:fontRef>
+        </p:style>
+        <p:txBody>
+          <a:bodyPr rtlCol="0" anchor="ctr"/>
+          <a:lstStyle/>
+          <a:p>
+            <a:pPr algn="ctr"/>
+            <a:endParaRPr lang="pt-BR"/>
+          </a:p>
+        </p:txBody>
+      </p:sp>
+      <p:sp>
+        <p:nvSpPr>
+          <p:cNvPr id="9" name="Retângulo 8">
+            <a:extLst>
+              <a:ext uri="{FF2B5EF4-FFF2-40B4-BE49-F238E27FC236}">
+                <a16:creationId xmlns:a16="http://schemas.microsoft.com/office/drawing/2014/main" id="{02F29076-D1E9-9491-8885-E505C4C65823}"/>
+              </a:ext>
+            </a:extLst>
+          </p:cNvPr>
+          <p:cNvSpPr/>
+          <p:nvPr/>
+        </p:nvSpPr>
+        <p:spPr>
+          <a:xfrm>
+            <a:off x="1441803" y="2069862"/>
+            <a:ext cx="122166" cy="1517073"/>
+          </a:xfrm>
+          <a:prstGeom prst="rect">
+            <a:avLst/>
+          </a:prstGeom>
+        </p:spPr>
+        <p:style>
+          <a:lnRef idx="2">
+            <a:schemeClr val="accent1">
+              <a:shade val="50000"/>
+            </a:schemeClr>
+          </a:lnRef>
+          <a:fillRef idx="1">
+            <a:schemeClr val="accent1"/>
+          </a:fillRef>
+          <a:effectRef idx="0">
+            <a:schemeClr val="accent1"/>
+          </a:effectRef>
+          <a:fontRef idx="minor">
+            <a:schemeClr val="lt1"/>
+          </a:fontRef>
+        </p:style>
+        <p:txBody>
+          <a:bodyPr rtlCol="0" anchor="ctr"/>
+          <a:lstStyle/>
+          <a:p>
+            <a:pPr algn="ctr"/>
+            <a:endParaRPr lang="pt-BR"/>
+          </a:p>
+        </p:txBody>
+      </p:sp>
+      <p:sp>
+        <p:nvSpPr>
+          <p:cNvPr id="10" name="Retângulo 9">
+            <a:extLst>
+              <a:ext uri="{FF2B5EF4-FFF2-40B4-BE49-F238E27FC236}">
+                <a16:creationId xmlns:a16="http://schemas.microsoft.com/office/drawing/2014/main" id="{766504FE-80F4-83EF-D522-A43DED040D48}"/>
+              </a:ext>
+            </a:extLst>
+          </p:cNvPr>
+          <p:cNvSpPr/>
+          <p:nvPr/>
+        </p:nvSpPr>
+        <p:spPr>
+          <a:xfrm>
+            <a:off x="1660937" y="2069862"/>
+            <a:ext cx="122166" cy="1517073"/>
+          </a:xfrm>
+          <a:prstGeom prst="rect">
+            <a:avLst/>
+          </a:prstGeom>
+        </p:spPr>
+        <p:style>
+          <a:lnRef idx="2">
+            <a:schemeClr val="accent1">
+              <a:shade val="50000"/>
+            </a:schemeClr>
+          </a:lnRef>
+          <a:fillRef idx="1">
+            <a:schemeClr val="accent1"/>
+          </a:fillRef>
+          <a:effectRef idx="0">
+            <a:schemeClr val="accent1"/>
+          </a:effectRef>
+          <a:fontRef idx="minor">
+            <a:schemeClr val="lt1"/>
+          </a:fontRef>
+        </p:style>
+        <p:txBody>
+          <a:bodyPr rtlCol="0" anchor="ctr"/>
+          <a:lstStyle/>
+          <a:p>
+            <a:pPr algn="ctr"/>
+            <a:endParaRPr lang="pt-BR"/>
+          </a:p>
+        </p:txBody>
+      </p:sp>
+      <p:sp>
+        <p:nvSpPr>
+          <p:cNvPr id="11" name="Retângulo 10">
+            <a:extLst>
+              <a:ext uri="{FF2B5EF4-FFF2-40B4-BE49-F238E27FC236}">
+                <a16:creationId xmlns:a16="http://schemas.microsoft.com/office/drawing/2014/main" id="{387C6E13-1559-A973-54EB-5ABBF8FC1176}"/>
+              </a:ext>
+            </a:extLst>
+          </p:cNvPr>
+          <p:cNvSpPr/>
+          <p:nvPr/>
+        </p:nvSpPr>
+        <p:spPr>
+          <a:xfrm>
+            <a:off x="1936988" y="2069862"/>
+            <a:ext cx="122166" cy="1517073"/>
+          </a:xfrm>
+          <a:prstGeom prst="rect">
+            <a:avLst/>
+          </a:prstGeom>
+        </p:spPr>
+        <p:style>
+          <a:lnRef idx="2">
+            <a:schemeClr val="accent1">
+              <a:shade val="50000"/>
+            </a:schemeClr>
+          </a:lnRef>
+          <a:fillRef idx="1">
+            <a:schemeClr val="accent1"/>
+          </a:fillRef>
+          <a:effectRef idx="0">
+            <a:schemeClr val="accent1"/>
+          </a:effectRef>
+          <a:fontRef idx="minor">
+            <a:schemeClr val="lt1"/>
+          </a:fontRef>
+        </p:style>
+        <p:txBody>
+          <a:bodyPr rtlCol="0" anchor="ctr"/>
+          <a:lstStyle/>
+          <a:p>
+            <a:pPr algn="ctr"/>
+            <a:endParaRPr lang="pt-BR"/>
+          </a:p>
+        </p:txBody>
+      </p:sp>
+      <p:sp>
+        <p:nvSpPr>
+          <p:cNvPr id="12" name="Retângulo 11">
+            <a:extLst>
+              <a:ext uri="{FF2B5EF4-FFF2-40B4-BE49-F238E27FC236}">
+                <a16:creationId xmlns:a16="http://schemas.microsoft.com/office/drawing/2014/main" id="{67421ED2-2D4A-42E0-22A3-CF2E9095BEA3}"/>
+              </a:ext>
+            </a:extLst>
+          </p:cNvPr>
+          <p:cNvSpPr/>
+          <p:nvPr/>
+        </p:nvSpPr>
+        <p:spPr>
+          <a:xfrm>
+            <a:off x="2323143" y="2069862"/>
+            <a:ext cx="122166" cy="1517073"/>
+          </a:xfrm>
+          <a:prstGeom prst="rect">
+            <a:avLst/>
+          </a:prstGeom>
+        </p:spPr>
+        <p:style>
+          <a:lnRef idx="2">
+            <a:schemeClr val="accent1">
+              <a:shade val="50000"/>
+            </a:schemeClr>
+          </a:lnRef>
+          <a:fillRef idx="1">
+            <a:schemeClr val="accent1"/>
+          </a:fillRef>
+          <a:effectRef idx="0">
+            <a:schemeClr val="accent1"/>
+          </a:effectRef>
+          <a:fontRef idx="minor">
+            <a:schemeClr val="lt1"/>
+          </a:fontRef>
+        </p:style>
+        <p:txBody>
+          <a:bodyPr rtlCol="0" anchor="ctr"/>
+          <a:lstStyle/>
+          <a:p>
+            <a:pPr algn="ctr"/>
+            <a:endParaRPr lang="pt-BR"/>
+          </a:p>
+        </p:txBody>
+      </p:sp>
+      <p:sp>
+        <p:nvSpPr>
+          <p:cNvPr id="13" name="Retângulo 12">
+            <a:extLst>
+              <a:ext uri="{FF2B5EF4-FFF2-40B4-BE49-F238E27FC236}">
+                <a16:creationId xmlns:a16="http://schemas.microsoft.com/office/drawing/2014/main" id="{43CEE69A-8DCC-9577-69C8-19C5D74FAF43}"/>
+              </a:ext>
+            </a:extLst>
+          </p:cNvPr>
+          <p:cNvSpPr/>
+          <p:nvPr/>
+        </p:nvSpPr>
+        <p:spPr>
+          <a:xfrm>
+            <a:off x="2947719" y="2069862"/>
+            <a:ext cx="122166" cy="1517073"/>
+          </a:xfrm>
+          <a:prstGeom prst="rect">
+            <a:avLst/>
+          </a:prstGeom>
+        </p:spPr>
+        <p:style>
+          <a:lnRef idx="2">
+            <a:schemeClr val="accent1">
+              <a:shade val="50000"/>
+            </a:schemeClr>
+          </a:lnRef>
+          <a:fillRef idx="1">
+            <a:schemeClr val="accent1"/>
+          </a:fillRef>
+          <a:effectRef idx="0">
+            <a:schemeClr val="accent1"/>
+          </a:effectRef>
+          <a:fontRef idx="minor">
+            <a:schemeClr val="lt1"/>
+          </a:fontRef>
+        </p:style>
+        <p:txBody>
+          <a:bodyPr rtlCol="0" anchor="ctr"/>
+          <a:lstStyle/>
+          <a:p>
+            <a:pPr algn="ctr"/>
+            <a:endParaRPr lang="pt-BR"/>
+          </a:p>
+        </p:txBody>
+      </p:sp>
+      <p:sp>
+        <p:nvSpPr>
+          <p:cNvPr id="14" name="Retângulo 13">
+            <a:extLst>
+              <a:ext uri="{FF2B5EF4-FFF2-40B4-BE49-F238E27FC236}">
+                <a16:creationId xmlns:a16="http://schemas.microsoft.com/office/drawing/2014/main" id="{F027B751-A161-37A3-48DF-9FABFD3D46EB}"/>
+              </a:ext>
+            </a:extLst>
+          </p:cNvPr>
+          <p:cNvSpPr/>
+          <p:nvPr/>
+        </p:nvSpPr>
+        <p:spPr>
+          <a:xfrm>
+            <a:off x="3511212" y="2069862"/>
+            <a:ext cx="122166" cy="1517073"/>
+          </a:xfrm>
+          <a:prstGeom prst="rect">
+            <a:avLst/>
+          </a:prstGeom>
+        </p:spPr>
+        <p:style>
+          <a:lnRef idx="2">
+            <a:schemeClr val="accent1">
+              <a:shade val="50000"/>
+            </a:schemeClr>
+          </a:lnRef>
+          <a:fillRef idx="1">
+            <a:schemeClr val="accent1"/>
+          </a:fillRef>
+          <a:effectRef idx="0">
+            <a:schemeClr val="accent1"/>
+          </a:effectRef>
+          <a:fontRef idx="minor">
+            <a:schemeClr val="lt1"/>
+          </a:fontRef>
+        </p:style>
+        <p:txBody>
+          <a:bodyPr rtlCol="0" anchor="ctr"/>
+          <a:lstStyle/>
+          <a:p>
+            <a:pPr algn="ctr"/>
+            <a:endParaRPr lang="pt-BR"/>
+          </a:p>
+        </p:txBody>
+      </p:sp>
+      <p:sp>
+        <p:nvSpPr>
+          <p:cNvPr id="18" name="Seta: para Baixo 17">
+            <a:extLst>
+              <a:ext uri="{FF2B5EF4-FFF2-40B4-BE49-F238E27FC236}">
+                <a16:creationId xmlns:a16="http://schemas.microsoft.com/office/drawing/2014/main" id="{C6CA878B-DC54-C617-76A3-24547C59571E}"/>
+              </a:ext>
+            </a:extLst>
+          </p:cNvPr>
+          <p:cNvSpPr/>
+          <p:nvPr/>
+        </p:nvSpPr>
+        <p:spPr>
+          <a:xfrm>
+            <a:off x="1660937" y="1334187"/>
+            <a:ext cx="220593" cy="548644"/>
+          </a:xfrm>
+          <a:prstGeom prst="downArrow">
+            <a:avLst>
+              <a:gd name="adj1" fmla="val 27390"/>
+              <a:gd name="adj2" fmla="val 68841"/>
+            </a:avLst>
+          </a:prstGeom>
+          <a:solidFill>
+            <a:schemeClr val="tx1"/>
+          </a:solidFill>
+          <a:ln>
+            <a:solidFill>
+              <a:schemeClr val="tx1"/>
+            </a:solidFill>
+          </a:ln>
+        </p:spPr>
+        <p:style>
+          <a:lnRef idx="2">
+            <a:schemeClr val="accent1">
+              <a:shade val="50000"/>
+            </a:schemeClr>
+          </a:lnRef>
+          <a:fillRef idx="1">
+            <a:schemeClr val="accent1"/>
+          </a:fillRef>
+          <a:effectRef idx="0">
+            <a:schemeClr val="accent1"/>
+          </a:effectRef>
+          <a:fontRef idx="minor">
+            <a:schemeClr val="lt1"/>
+          </a:fontRef>
+        </p:style>
+        <p:txBody>
+          <a:bodyPr rtlCol="0" anchor="ctr"/>
+          <a:lstStyle/>
+          <a:p>
+            <a:pPr algn="ctr"/>
+            <a:endParaRPr lang="pt-BR"/>
+          </a:p>
+        </p:txBody>
+      </p:sp>
+      <p:sp>
+        <p:nvSpPr>
+          <p:cNvPr id="19" name="Seta: para Baixo 18">
+            <a:extLst>
+              <a:ext uri="{FF2B5EF4-FFF2-40B4-BE49-F238E27FC236}">
+                <a16:creationId xmlns:a16="http://schemas.microsoft.com/office/drawing/2014/main" id="{67CBC400-9DB3-7A23-63A2-A7BC2B6A6EBF}"/>
+              </a:ext>
+            </a:extLst>
+          </p:cNvPr>
+          <p:cNvSpPr/>
+          <p:nvPr/>
+        </p:nvSpPr>
+        <p:spPr>
+          <a:xfrm rot="16200000">
+            <a:off x="4013174" y="2554075"/>
+            <a:ext cx="220593" cy="548644"/>
+          </a:xfrm>
+          <a:prstGeom prst="downArrow">
+            <a:avLst>
+              <a:gd name="adj1" fmla="val 27390"/>
+              <a:gd name="adj2" fmla="val 68841"/>
+            </a:avLst>
+          </a:prstGeom>
+          <a:solidFill>
+            <a:schemeClr val="tx1"/>
+          </a:solidFill>
+          <a:ln>
+            <a:solidFill>
+              <a:schemeClr val="tx1"/>
+            </a:solidFill>
+          </a:ln>
+        </p:spPr>
+        <p:style>
+          <a:lnRef idx="2">
+            <a:schemeClr val="accent1">
+              <a:shade val="50000"/>
+            </a:schemeClr>
+          </a:lnRef>
+          <a:fillRef idx="1">
+            <a:schemeClr val="accent1"/>
+          </a:fillRef>
+          <a:effectRef idx="0">
+            <a:schemeClr val="accent1"/>
+          </a:effectRef>
+          <a:fontRef idx="minor">
+            <a:schemeClr val="lt1"/>
+          </a:fontRef>
+        </p:style>
+        <p:txBody>
+          <a:bodyPr rtlCol="0" anchor="ctr"/>
+          <a:lstStyle/>
+          <a:p>
+            <a:pPr algn="ctr"/>
+            <a:endParaRPr lang="pt-BR"/>
+          </a:p>
+        </p:txBody>
+      </p:sp>
+      <p:sp>
+        <p:nvSpPr>
+          <p:cNvPr id="20" name="Retângulo 19">
+            <a:extLst>
+              <a:ext uri="{FF2B5EF4-FFF2-40B4-BE49-F238E27FC236}">
+                <a16:creationId xmlns:a16="http://schemas.microsoft.com/office/drawing/2014/main" id="{A72F8819-9BF6-769D-72B2-241A1F212D0B}"/>
+              </a:ext>
+            </a:extLst>
+          </p:cNvPr>
+          <p:cNvSpPr/>
+          <p:nvPr/>
+        </p:nvSpPr>
+        <p:spPr>
+          <a:xfrm>
+            <a:off x="4613563" y="2069862"/>
+            <a:ext cx="1961803" cy="1517073"/>
+          </a:xfrm>
+          <a:prstGeom prst="rect">
+            <a:avLst/>
+          </a:prstGeom>
+          <a:solidFill>
+            <a:schemeClr val="accent2">
+              <a:lumMod val="75000"/>
+            </a:schemeClr>
+          </a:solidFill>
+          <a:ln>
+            <a:solidFill>
+              <a:schemeClr val="accent2">
+                <a:lumMod val="20000"/>
+                <a:lumOff val="80000"/>
+              </a:schemeClr>
+            </a:solidFill>
+          </a:ln>
+        </p:spPr>
+        <p:style>
+          <a:lnRef idx="2">
+            <a:schemeClr val="accent1">
+              <a:shade val="50000"/>
+            </a:schemeClr>
+          </a:lnRef>
+          <a:fillRef idx="1">
+            <a:schemeClr val="accent1"/>
+          </a:fillRef>
+          <a:effectRef idx="0">
+            <a:schemeClr val="accent1"/>
+          </a:effectRef>
+          <a:fontRef idx="minor">
+            <a:schemeClr val="lt1"/>
+          </a:fontRef>
+        </p:style>
+        <p:txBody>
+          <a:bodyPr rtlCol="0" anchor="ctr"/>
+          <a:lstStyle/>
+          <a:p>
+            <a:pPr algn="ctr"/>
+            <a:r>
+              <a:rPr lang="pt-BR" dirty="0"/>
+              <a:t>Processador</a:t>
+            </a:r>
+          </a:p>
+        </p:txBody>
+      </p:sp>
+      <p:sp>
+        <p:nvSpPr>
+          <p:cNvPr id="21" name="CaixaDeTexto 20">
+            <a:extLst>
+              <a:ext uri="{FF2B5EF4-FFF2-40B4-BE49-F238E27FC236}">
+                <a16:creationId xmlns:a16="http://schemas.microsoft.com/office/drawing/2014/main" id="{2E77C772-8980-CD8B-2CF3-54CCA1FD223C}"/>
+              </a:ext>
+            </a:extLst>
+          </p:cNvPr>
+          <p:cNvSpPr txBox="1"/>
+          <p:nvPr/>
+        </p:nvSpPr>
+        <p:spPr>
+          <a:xfrm>
+            <a:off x="2480177" y="1698165"/>
+            <a:ext cx="1153201" cy="369332"/>
+          </a:xfrm>
+          <a:prstGeom prst="rect">
+            <a:avLst/>
+          </a:prstGeom>
+          <a:noFill/>
+        </p:spPr>
+        <p:txBody>
+          <a:bodyPr wrap="none" rtlCol="0">
+            <a:spAutoFit/>
+          </a:bodyPr>
+          <a:lstStyle/>
+          <a:p>
+            <a:r>
+              <a:rPr lang="pt-BR" dirty="0"/>
+              <a:t>Instruções</a:t>
+            </a:r>
+          </a:p>
+        </p:txBody>
+      </p:sp>
+      <p:sp>
+        <p:nvSpPr>
+          <p:cNvPr id="22" name="CaixaDeTexto 21">
+            <a:extLst>
+              <a:ext uri="{FF2B5EF4-FFF2-40B4-BE49-F238E27FC236}">
+                <a16:creationId xmlns:a16="http://schemas.microsoft.com/office/drawing/2014/main" id="{BA7D6C83-C596-F9B6-82FF-0CD70D83FEAF}"/>
+              </a:ext>
+            </a:extLst>
+          </p:cNvPr>
+          <p:cNvSpPr txBox="1"/>
+          <p:nvPr/>
+        </p:nvSpPr>
+        <p:spPr>
+          <a:xfrm>
+            <a:off x="451899" y="3654427"/>
+            <a:ext cx="410690" cy="369332"/>
+          </a:xfrm>
+          <a:prstGeom prst="rect">
+            <a:avLst/>
+          </a:prstGeom>
+          <a:noFill/>
+        </p:spPr>
+        <p:txBody>
+          <a:bodyPr wrap="none" rtlCol="0">
+            <a:spAutoFit/>
+          </a:bodyPr>
+          <a:lstStyle/>
+          <a:p>
+            <a:r>
+              <a:rPr lang="pt-BR" dirty="0" err="1"/>
+              <a:t>tN</a:t>
+            </a:r>
+            <a:endParaRPr lang="pt-BR" dirty="0"/>
+          </a:p>
+        </p:txBody>
+      </p:sp>
+      <p:sp>
+        <p:nvSpPr>
+          <p:cNvPr id="23" name="CaixaDeTexto 22">
+            <a:extLst>
+              <a:ext uri="{FF2B5EF4-FFF2-40B4-BE49-F238E27FC236}">
+                <a16:creationId xmlns:a16="http://schemas.microsoft.com/office/drawing/2014/main" id="{C63A4C98-FB8D-819E-7961-267B4CD41EB7}"/>
+              </a:ext>
+            </a:extLst>
+          </p:cNvPr>
+          <p:cNvSpPr txBox="1"/>
+          <p:nvPr/>
+        </p:nvSpPr>
+        <p:spPr>
+          <a:xfrm>
+            <a:off x="3366950" y="3654427"/>
+            <a:ext cx="378630" cy="369332"/>
+          </a:xfrm>
+          <a:prstGeom prst="rect">
+            <a:avLst/>
+          </a:prstGeom>
+          <a:noFill/>
+        </p:spPr>
+        <p:txBody>
+          <a:bodyPr wrap="none" rtlCol="0">
+            <a:spAutoFit/>
+          </a:bodyPr>
+          <a:lstStyle/>
+          <a:p>
+            <a:r>
+              <a:rPr lang="pt-BR" dirty="0"/>
+              <a:t>t1</a:t>
+            </a:r>
+          </a:p>
+        </p:txBody>
+      </p:sp>
+      <p:sp>
+        <p:nvSpPr>
+          <p:cNvPr id="24" name="CaixaDeTexto 23">
+            <a:extLst>
+              <a:ext uri="{FF2B5EF4-FFF2-40B4-BE49-F238E27FC236}">
+                <a16:creationId xmlns:a16="http://schemas.microsoft.com/office/drawing/2014/main" id="{24D70D8B-4052-08F8-58A0-C01FD56E6480}"/>
+              </a:ext>
+            </a:extLst>
+          </p:cNvPr>
+          <p:cNvSpPr txBox="1"/>
+          <p:nvPr/>
+        </p:nvSpPr>
+        <p:spPr>
+          <a:xfrm>
+            <a:off x="2803457" y="3654427"/>
+            <a:ext cx="378630" cy="369332"/>
+          </a:xfrm>
+          <a:prstGeom prst="rect">
+            <a:avLst/>
+          </a:prstGeom>
+          <a:noFill/>
+        </p:spPr>
+        <p:txBody>
+          <a:bodyPr wrap="none" rtlCol="0">
+            <a:spAutoFit/>
+          </a:bodyPr>
+          <a:lstStyle/>
+          <a:p>
+            <a:r>
+              <a:rPr lang="pt-BR" dirty="0"/>
+              <a:t>t2</a:t>
+            </a:r>
+          </a:p>
+        </p:txBody>
+      </p:sp>
+    </p:spTree>
+    <p:extLst>
+      <p:ext uri="{BB962C8B-B14F-4D97-AF65-F5344CB8AC3E}">
+        <p14:creationId xmlns:p14="http://schemas.microsoft.com/office/powerpoint/2010/main" val="747482198"/>
       </p:ext>
     </p:extLst>
   </p:cSld>

--- a/imagens/ppt/desenhos_TCC.pptx
+++ b/imagens/ppt/desenhos_TCC.pptx
@@ -265,7 +265,7 @@
           <a:p>
             <a:fld id="{FF8DFCC8-87C9-4FC8-94E9-5E6D7726585C}" type="datetimeFigureOut">
               <a:rPr lang="pt-BR" smtClean="0"/>
-              <a:t>05/05/2022</a:t>
+              <a:t>11/06/2022</a:t>
             </a:fld>
             <a:endParaRPr lang="pt-BR"/>
           </a:p>
@@ -435,7 +435,7 @@
           <a:p>
             <a:fld id="{FF8DFCC8-87C9-4FC8-94E9-5E6D7726585C}" type="datetimeFigureOut">
               <a:rPr lang="pt-BR" smtClean="0"/>
-              <a:t>05/05/2022</a:t>
+              <a:t>11/06/2022</a:t>
             </a:fld>
             <a:endParaRPr lang="pt-BR"/>
           </a:p>
@@ -615,7 +615,7 @@
           <a:p>
             <a:fld id="{FF8DFCC8-87C9-4FC8-94E9-5E6D7726585C}" type="datetimeFigureOut">
               <a:rPr lang="pt-BR" smtClean="0"/>
-              <a:t>05/05/2022</a:t>
+              <a:t>11/06/2022</a:t>
             </a:fld>
             <a:endParaRPr lang="pt-BR"/>
           </a:p>
@@ -785,7 +785,7 @@
           <a:p>
             <a:fld id="{FF8DFCC8-87C9-4FC8-94E9-5E6D7726585C}" type="datetimeFigureOut">
               <a:rPr lang="pt-BR" smtClean="0"/>
-              <a:t>05/05/2022</a:t>
+              <a:t>11/06/2022</a:t>
             </a:fld>
             <a:endParaRPr lang="pt-BR"/>
           </a:p>
@@ -1029,7 +1029,7 @@
           <a:p>
             <a:fld id="{FF8DFCC8-87C9-4FC8-94E9-5E6D7726585C}" type="datetimeFigureOut">
               <a:rPr lang="pt-BR" smtClean="0"/>
-              <a:t>05/05/2022</a:t>
+              <a:t>11/06/2022</a:t>
             </a:fld>
             <a:endParaRPr lang="pt-BR"/>
           </a:p>
@@ -1261,7 +1261,7 @@
           <a:p>
             <a:fld id="{FF8DFCC8-87C9-4FC8-94E9-5E6D7726585C}" type="datetimeFigureOut">
               <a:rPr lang="pt-BR" smtClean="0"/>
-              <a:t>05/05/2022</a:t>
+              <a:t>11/06/2022</a:t>
             </a:fld>
             <a:endParaRPr lang="pt-BR"/>
           </a:p>
@@ -1628,7 +1628,7 @@
           <a:p>
             <a:fld id="{FF8DFCC8-87C9-4FC8-94E9-5E6D7726585C}" type="datetimeFigureOut">
               <a:rPr lang="pt-BR" smtClean="0"/>
-              <a:t>05/05/2022</a:t>
+              <a:t>11/06/2022</a:t>
             </a:fld>
             <a:endParaRPr lang="pt-BR"/>
           </a:p>
@@ -1746,7 +1746,7 @@
           <a:p>
             <a:fld id="{FF8DFCC8-87C9-4FC8-94E9-5E6D7726585C}" type="datetimeFigureOut">
               <a:rPr lang="pt-BR" smtClean="0"/>
-              <a:t>05/05/2022</a:t>
+              <a:t>11/06/2022</a:t>
             </a:fld>
             <a:endParaRPr lang="pt-BR"/>
           </a:p>
@@ -1841,7 +1841,7 @@
           <a:p>
             <a:fld id="{FF8DFCC8-87C9-4FC8-94E9-5E6D7726585C}" type="datetimeFigureOut">
               <a:rPr lang="pt-BR" smtClean="0"/>
-              <a:t>05/05/2022</a:t>
+              <a:t>11/06/2022</a:t>
             </a:fld>
             <a:endParaRPr lang="pt-BR"/>
           </a:p>
@@ -2118,7 +2118,7 @@
           <a:p>
             <a:fld id="{FF8DFCC8-87C9-4FC8-94E9-5E6D7726585C}" type="datetimeFigureOut">
               <a:rPr lang="pt-BR" smtClean="0"/>
-              <a:t>05/05/2022</a:t>
+              <a:t>11/06/2022</a:t>
             </a:fld>
             <a:endParaRPr lang="pt-BR"/>
           </a:p>
@@ -2375,7 +2375,7 @@
           <a:p>
             <a:fld id="{FF8DFCC8-87C9-4FC8-94E9-5E6D7726585C}" type="datetimeFigureOut">
               <a:rPr lang="pt-BR" smtClean="0"/>
-              <a:t>05/05/2022</a:t>
+              <a:t>11/06/2022</a:t>
             </a:fld>
             <a:endParaRPr lang="pt-BR"/>
           </a:p>
@@ -2588,7 +2588,7 @@
           <a:p>
             <a:fld id="{FF8DFCC8-87C9-4FC8-94E9-5E6D7726585C}" type="datetimeFigureOut">
               <a:rPr lang="pt-BR" smtClean="0"/>
-              <a:t>05/05/2022</a:t>
+              <a:t>11/06/2022</a:t>
             </a:fld>
             <a:endParaRPr lang="pt-BR"/>
           </a:p>
@@ -3600,7 +3600,7 @@
         <p:spPr>
           <a:xfrm>
             <a:off x="999305" y="135889"/>
-            <a:ext cx="546945" cy="369332"/>
+            <a:ext cx="359394" cy="369332"/>
           </a:xfrm>
           <a:prstGeom prst="rect">
             <a:avLst/>
@@ -3620,7 +3620,7 @@
           <a:p>
             <a:r>
               <a:rPr lang="pt-BR" dirty="0"/>
-              <a:t> n-1</a:t>
+              <a:t> n</a:t>
             </a:r>
           </a:p>
         </p:txBody>
@@ -3640,7 +3640,7 @@
         <p:spPr>
           <a:xfrm>
             <a:off x="4227473" y="135889"/>
-            <a:ext cx="359394" cy="369332"/>
+            <a:ext cx="591829" cy="369332"/>
           </a:xfrm>
           <a:prstGeom prst="rect">
             <a:avLst/>
@@ -3660,7 +3660,7 @@
           <a:p>
             <a:r>
               <a:rPr lang="pt-BR" dirty="0"/>
-              <a:t> n</a:t>
+              <a:t> n+1</a:t>
             </a:r>
           </a:p>
         </p:txBody>
@@ -28331,6 +28331,193 @@
           </a:fontRef>
         </p:style>
       </p:cxnSp>
+      <p:sp>
+        <p:nvSpPr>
+          <p:cNvPr id="2" name="CaixaDeTexto 1">
+            <a:extLst>
+              <a:ext uri="{FF2B5EF4-FFF2-40B4-BE49-F238E27FC236}">
+                <a16:creationId xmlns:a16="http://schemas.microsoft.com/office/drawing/2014/main" id="{E9500BDA-515E-96B1-6071-C0A1C6D65CCF}"/>
+              </a:ext>
+            </a:extLst>
+          </p:cNvPr>
+          <p:cNvSpPr txBox="1"/>
+          <p:nvPr/>
+        </p:nvSpPr>
+        <p:spPr>
+          <a:xfrm>
+            <a:off x="2856638" y="2157009"/>
+            <a:ext cx="399468" cy="369332"/>
+          </a:xfrm>
+          <a:prstGeom prst="rect">
+            <a:avLst/>
+          </a:prstGeom>
+          <a:noFill/>
+        </p:spPr>
+        <p:txBody>
+          <a:bodyPr wrap="none" rtlCol="0">
+            <a:spAutoFit/>
+          </a:bodyPr>
+          <a:lstStyle/>
+          <a:p>
+            <a:r>
+              <a:rPr lang="pt-BR" dirty="0"/>
+              <a:t>2L</a:t>
+            </a:r>
+          </a:p>
+        </p:txBody>
+      </p:sp>
+      <p:cxnSp>
+        <p:nvCxnSpPr>
+          <p:cNvPr id="30" name="Conector reto 29">
+            <a:extLst>
+              <a:ext uri="{FF2B5EF4-FFF2-40B4-BE49-F238E27FC236}">
+                <a16:creationId xmlns:a16="http://schemas.microsoft.com/office/drawing/2014/main" id="{81C88BB5-C11F-853D-15BC-1474AEB5D690}"/>
+              </a:ext>
+            </a:extLst>
+          </p:cNvPr>
+          <p:cNvCxnSpPr>
+            <a:cxnSpLocks/>
+          </p:cNvCxnSpPr>
+          <p:nvPr/>
+        </p:nvCxnSpPr>
+        <p:spPr>
+          <a:xfrm>
+            <a:off x="2022790" y="2175165"/>
+            <a:ext cx="1015735" cy="0"/>
+          </a:xfrm>
+          <a:prstGeom prst="line">
+            <a:avLst/>
+          </a:prstGeom>
+        </p:spPr>
+        <p:style>
+          <a:lnRef idx="3">
+            <a:schemeClr val="accent1"/>
+          </a:lnRef>
+          <a:fillRef idx="0">
+            <a:schemeClr val="accent1"/>
+          </a:fillRef>
+          <a:effectRef idx="2">
+            <a:schemeClr val="accent1"/>
+          </a:effectRef>
+          <a:fontRef idx="minor">
+            <a:schemeClr val="tx1"/>
+          </a:fontRef>
+        </p:style>
+      </p:cxnSp>
+      <p:cxnSp>
+        <p:nvCxnSpPr>
+          <p:cNvPr id="36" name="Conector reto 35">
+            <a:extLst>
+              <a:ext uri="{FF2B5EF4-FFF2-40B4-BE49-F238E27FC236}">
+                <a16:creationId xmlns:a16="http://schemas.microsoft.com/office/drawing/2014/main" id="{32F33DCD-03A3-2835-2190-8575EDAC741F}"/>
+              </a:ext>
+            </a:extLst>
+          </p:cNvPr>
+          <p:cNvCxnSpPr>
+            <a:cxnSpLocks/>
+          </p:cNvCxnSpPr>
+          <p:nvPr/>
+        </p:nvCxnSpPr>
+        <p:spPr>
+          <a:xfrm>
+            <a:off x="2022270" y="2003367"/>
+            <a:ext cx="0" cy="257693"/>
+          </a:xfrm>
+          <a:prstGeom prst="line">
+            <a:avLst/>
+          </a:prstGeom>
+        </p:spPr>
+        <p:style>
+          <a:lnRef idx="3">
+            <a:schemeClr val="accent1"/>
+          </a:lnRef>
+          <a:fillRef idx="0">
+            <a:schemeClr val="accent1"/>
+          </a:fillRef>
+          <a:effectRef idx="2">
+            <a:schemeClr val="accent1"/>
+          </a:effectRef>
+          <a:fontRef idx="minor">
+            <a:schemeClr val="tx1"/>
+          </a:fontRef>
+        </p:style>
+      </p:cxnSp>
+      <p:cxnSp>
+        <p:nvCxnSpPr>
+          <p:cNvPr id="37" name="Conector reto 36">
+            <a:extLst>
+              <a:ext uri="{FF2B5EF4-FFF2-40B4-BE49-F238E27FC236}">
+                <a16:creationId xmlns:a16="http://schemas.microsoft.com/office/drawing/2014/main" id="{E01CE3C6-7EB9-46BD-D53A-628F015B2FD8}"/>
+              </a:ext>
+            </a:extLst>
+          </p:cNvPr>
+          <p:cNvCxnSpPr>
+            <a:cxnSpLocks/>
+          </p:cNvCxnSpPr>
+          <p:nvPr/>
+        </p:nvCxnSpPr>
+        <p:spPr>
+          <a:xfrm>
+            <a:off x="3039959" y="2175165"/>
+            <a:ext cx="1015735" cy="0"/>
+          </a:xfrm>
+          <a:prstGeom prst="line">
+            <a:avLst/>
+          </a:prstGeom>
+        </p:spPr>
+        <p:style>
+          <a:lnRef idx="3">
+            <a:schemeClr val="accent1"/>
+          </a:lnRef>
+          <a:fillRef idx="0">
+            <a:schemeClr val="accent1"/>
+          </a:fillRef>
+          <a:effectRef idx="2">
+            <a:schemeClr val="accent1"/>
+          </a:effectRef>
+          <a:fontRef idx="minor">
+            <a:schemeClr val="tx1"/>
+          </a:fontRef>
+        </p:style>
+      </p:cxnSp>
+      <p:cxnSp>
+        <p:nvCxnSpPr>
+          <p:cNvPr id="38" name="Conector reto 37">
+            <a:extLst>
+              <a:ext uri="{FF2B5EF4-FFF2-40B4-BE49-F238E27FC236}">
+                <a16:creationId xmlns:a16="http://schemas.microsoft.com/office/drawing/2014/main" id="{EF88324D-E446-8D7E-28CA-F2E68319A9BF}"/>
+              </a:ext>
+            </a:extLst>
+          </p:cNvPr>
+          <p:cNvCxnSpPr>
+            <a:cxnSpLocks/>
+          </p:cNvCxnSpPr>
+          <p:nvPr/>
+        </p:nvCxnSpPr>
+        <p:spPr>
+          <a:xfrm>
+            <a:off x="4055694" y="2003367"/>
+            <a:ext cx="0" cy="257693"/>
+          </a:xfrm>
+          <a:prstGeom prst="line">
+            <a:avLst/>
+          </a:prstGeom>
+        </p:spPr>
+        <p:style>
+          <a:lnRef idx="3">
+            <a:schemeClr val="accent1"/>
+          </a:lnRef>
+          <a:fillRef idx="0">
+            <a:schemeClr val="accent1"/>
+          </a:fillRef>
+          <a:effectRef idx="2">
+            <a:schemeClr val="accent1"/>
+          </a:effectRef>
+          <a:fontRef idx="minor">
+            <a:schemeClr val="tx1"/>
+          </a:fontRef>
+        </p:style>
+      </p:cxnSp>
     </p:spTree>
     <p:extLst>
       <p:ext uri="{BB962C8B-B14F-4D97-AF65-F5344CB8AC3E}">
